--- a/Capstone_Project/Capstone project - Telecom Customer Churn.pptx
+++ b/Capstone_Project/Capstone project - Telecom Customer Churn.pptx
@@ -10,18 +10,20 @@
     <p:sldId id="258" r:id="rId4"/>
     <p:sldId id="259" r:id="rId5"/>
     <p:sldId id="260" r:id="rId6"/>
-    <p:sldId id="261" r:id="rId7"/>
-    <p:sldId id="262" r:id="rId8"/>
-    <p:sldId id="263" r:id="rId9"/>
-    <p:sldId id="264" r:id="rId10"/>
-    <p:sldId id="265" r:id="rId11"/>
-    <p:sldId id="266" r:id="rId12"/>
-    <p:sldId id="267" r:id="rId13"/>
-    <p:sldId id="271" r:id="rId14"/>
-    <p:sldId id="272" r:id="rId15"/>
-    <p:sldId id="268" r:id="rId16"/>
-    <p:sldId id="269" r:id="rId17"/>
-    <p:sldId id="270" r:id="rId18"/>
+    <p:sldId id="273" r:id="rId7"/>
+    <p:sldId id="274" r:id="rId8"/>
+    <p:sldId id="261" r:id="rId9"/>
+    <p:sldId id="262" r:id="rId10"/>
+    <p:sldId id="263" r:id="rId11"/>
+    <p:sldId id="264" r:id="rId12"/>
+    <p:sldId id="265" r:id="rId13"/>
+    <p:sldId id="266" r:id="rId14"/>
+    <p:sldId id="267" r:id="rId15"/>
+    <p:sldId id="271" r:id="rId16"/>
+    <p:sldId id="272" r:id="rId17"/>
+    <p:sldId id="268" r:id="rId18"/>
+    <p:sldId id="269" r:id="rId19"/>
+    <p:sldId id="270" r:id="rId20"/>
   </p:sldIdLst>
   <p:sldSz cx="12192000" cy="6858000"/>
   <p:notesSz cx="6858000" cy="9144000"/>
@@ -120,10 +122,762 @@
       </a:defRPr>
     </a:lvl9pPr>
   </p:defaultTextStyle>
+  <p:extLst>
+    <p:ext uri="{EFAFB233-063F-42B5-8137-9DF3F51BA10A}">
+      <p15:sldGuideLst xmlns:p15="http://schemas.microsoft.com/office/powerpoint/2012/main"/>
+    </p:ext>
+  </p:extLst>
 </p:presentation>
 </file>
 
 <file path=ppt/diagrams/colors1.xml><?xml version="1.0" encoding="utf-8"?>
+<dgm:colorsDef xmlns:dgm="http://schemas.openxmlformats.org/drawingml/2006/diagram" xmlns:a="http://schemas.openxmlformats.org/drawingml/2006/main" uniqueId="urn:microsoft.com/office/officeart/2005/8/colors/accent1_2">
+  <dgm:title val=""/>
+  <dgm:desc val=""/>
+  <dgm:catLst>
+    <dgm:cat type="accent1" pri="11200"/>
+  </dgm:catLst>
+  <dgm:styleLbl name="node0">
+    <dgm:fillClrLst meth="repeat">
+      <a:schemeClr val="accent1"/>
+    </dgm:fillClrLst>
+    <dgm:linClrLst meth="repeat">
+      <a:schemeClr val="lt1"/>
+    </dgm:linClrLst>
+    <dgm:effectClrLst/>
+    <dgm:txLinClrLst/>
+    <dgm:txFillClrLst/>
+    <dgm:txEffectClrLst/>
+  </dgm:styleLbl>
+  <dgm:styleLbl name="alignNode1">
+    <dgm:fillClrLst meth="repeat">
+      <a:schemeClr val="accent1"/>
+    </dgm:fillClrLst>
+    <dgm:linClrLst meth="repeat">
+      <a:schemeClr val="accent1"/>
+    </dgm:linClrLst>
+    <dgm:effectClrLst/>
+    <dgm:txLinClrLst/>
+    <dgm:txFillClrLst/>
+    <dgm:txEffectClrLst/>
+  </dgm:styleLbl>
+  <dgm:styleLbl name="node1">
+    <dgm:fillClrLst meth="repeat">
+      <a:schemeClr val="accent1"/>
+    </dgm:fillClrLst>
+    <dgm:linClrLst meth="repeat">
+      <a:schemeClr val="lt1"/>
+    </dgm:linClrLst>
+    <dgm:effectClrLst/>
+    <dgm:txLinClrLst/>
+    <dgm:txFillClrLst/>
+    <dgm:txEffectClrLst/>
+  </dgm:styleLbl>
+  <dgm:styleLbl name="lnNode1">
+    <dgm:fillClrLst meth="repeat">
+      <a:schemeClr val="accent1"/>
+    </dgm:fillClrLst>
+    <dgm:linClrLst meth="repeat">
+      <a:schemeClr val="lt1"/>
+    </dgm:linClrLst>
+    <dgm:effectClrLst/>
+    <dgm:txLinClrLst/>
+    <dgm:txFillClrLst/>
+    <dgm:txEffectClrLst/>
+  </dgm:styleLbl>
+  <dgm:styleLbl name="vennNode1">
+    <dgm:fillClrLst meth="repeat">
+      <a:schemeClr val="accent1">
+        <a:alpha val="50000"/>
+      </a:schemeClr>
+    </dgm:fillClrLst>
+    <dgm:linClrLst meth="repeat">
+      <a:schemeClr val="lt1"/>
+    </dgm:linClrLst>
+    <dgm:effectClrLst/>
+    <dgm:txLinClrLst/>
+    <dgm:txFillClrLst/>
+    <dgm:txEffectClrLst/>
+  </dgm:styleLbl>
+  <dgm:styleLbl name="node2">
+    <dgm:fillClrLst meth="repeat">
+      <a:schemeClr val="accent1"/>
+    </dgm:fillClrLst>
+    <dgm:linClrLst meth="repeat">
+      <a:schemeClr val="lt1"/>
+    </dgm:linClrLst>
+    <dgm:effectClrLst/>
+    <dgm:txLinClrLst/>
+    <dgm:txFillClrLst/>
+    <dgm:txEffectClrLst/>
+  </dgm:styleLbl>
+  <dgm:styleLbl name="node3">
+    <dgm:fillClrLst meth="repeat">
+      <a:schemeClr val="accent1"/>
+    </dgm:fillClrLst>
+    <dgm:linClrLst meth="repeat">
+      <a:schemeClr val="lt1"/>
+    </dgm:linClrLst>
+    <dgm:effectClrLst/>
+    <dgm:txLinClrLst/>
+    <dgm:txFillClrLst/>
+    <dgm:txEffectClrLst/>
+  </dgm:styleLbl>
+  <dgm:styleLbl name="node4">
+    <dgm:fillClrLst meth="repeat">
+      <a:schemeClr val="accent1"/>
+    </dgm:fillClrLst>
+    <dgm:linClrLst meth="repeat">
+      <a:schemeClr val="lt1"/>
+    </dgm:linClrLst>
+    <dgm:effectClrLst/>
+    <dgm:txLinClrLst/>
+    <dgm:txFillClrLst/>
+    <dgm:txEffectClrLst/>
+  </dgm:styleLbl>
+  <dgm:styleLbl name="fgImgPlace1">
+    <dgm:fillClrLst meth="repeat">
+      <a:schemeClr val="accent1">
+        <a:tint val="50000"/>
+      </a:schemeClr>
+    </dgm:fillClrLst>
+    <dgm:linClrLst meth="repeat">
+      <a:schemeClr val="lt1"/>
+    </dgm:linClrLst>
+    <dgm:effectClrLst/>
+    <dgm:txLinClrLst/>
+    <dgm:txFillClrLst meth="repeat">
+      <a:schemeClr val="lt1"/>
+    </dgm:txFillClrLst>
+    <dgm:txEffectClrLst/>
+  </dgm:styleLbl>
+  <dgm:styleLbl name="alignImgPlace1">
+    <dgm:fillClrLst meth="repeat">
+      <a:schemeClr val="accent1">
+        <a:tint val="50000"/>
+      </a:schemeClr>
+    </dgm:fillClrLst>
+    <dgm:linClrLst meth="repeat">
+      <a:schemeClr val="lt1"/>
+    </dgm:linClrLst>
+    <dgm:effectClrLst/>
+    <dgm:txLinClrLst/>
+    <dgm:txFillClrLst meth="repeat">
+      <a:schemeClr val="lt1"/>
+    </dgm:txFillClrLst>
+    <dgm:txEffectClrLst/>
+  </dgm:styleLbl>
+  <dgm:styleLbl name="bgImgPlace1">
+    <dgm:fillClrLst meth="repeat">
+      <a:schemeClr val="accent1">
+        <a:tint val="50000"/>
+      </a:schemeClr>
+    </dgm:fillClrLst>
+    <dgm:linClrLst meth="repeat">
+      <a:schemeClr val="lt1"/>
+    </dgm:linClrLst>
+    <dgm:effectClrLst/>
+    <dgm:txLinClrLst/>
+    <dgm:txFillClrLst meth="repeat">
+      <a:schemeClr val="lt1"/>
+    </dgm:txFillClrLst>
+    <dgm:txEffectClrLst/>
+  </dgm:styleLbl>
+  <dgm:styleLbl name="sibTrans2D1">
+    <dgm:fillClrLst meth="repeat">
+      <a:schemeClr val="accent1">
+        <a:tint val="60000"/>
+      </a:schemeClr>
+    </dgm:fillClrLst>
+    <dgm:linClrLst meth="repeat">
+      <a:schemeClr val="accent1">
+        <a:tint val="60000"/>
+      </a:schemeClr>
+    </dgm:linClrLst>
+    <dgm:effectClrLst/>
+    <dgm:txLinClrLst/>
+    <dgm:txFillClrLst/>
+    <dgm:txEffectClrLst/>
+  </dgm:styleLbl>
+  <dgm:styleLbl name="fgSibTrans2D1">
+    <dgm:fillClrLst meth="repeat">
+      <a:schemeClr val="accent1">
+        <a:tint val="60000"/>
+      </a:schemeClr>
+    </dgm:fillClrLst>
+    <dgm:linClrLst meth="repeat">
+      <a:schemeClr val="accent1">
+        <a:tint val="60000"/>
+      </a:schemeClr>
+    </dgm:linClrLst>
+    <dgm:effectClrLst/>
+    <dgm:txLinClrLst/>
+    <dgm:txFillClrLst/>
+    <dgm:txEffectClrLst/>
+  </dgm:styleLbl>
+  <dgm:styleLbl name="bgSibTrans2D1">
+    <dgm:fillClrLst meth="repeat">
+      <a:schemeClr val="accent1">
+        <a:tint val="60000"/>
+      </a:schemeClr>
+    </dgm:fillClrLst>
+    <dgm:linClrLst meth="repeat">
+      <a:schemeClr val="accent1">
+        <a:tint val="60000"/>
+      </a:schemeClr>
+    </dgm:linClrLst>
+    <dgm:effectClrLst/>
+    <dgm:txLinClrLst/>
+    <dgm:txFillClrLst/>
+    <dgm:txEffectClrLst/>
+  </dgm:styleLbl>
+  <dgm:styleLbl name="sibTrans1D1">
+    <dgm:fillClrLst meth="repeat">
+      <a:schemeClr val="accent1"/>
+    </dgm:fillClrLst>
+    <dgm:linClrLst meth="repeat">
+      <a:schemeClr val="accent1"/>
+    </dgm:linClrLst>
+    <dgm:effectClrLst/>
+    <dgm:txLinClrLst/>
+    <dgm:txFillClrLst meth="repeat">
+      <a:schemeClr val="tx1"/>
+    </dgm:txFillClrLst>
+    <dgm:txEffectClrLst/>
+  </dgm:styleLbl>
+  <dgm:styleLbl name="callout">
+    <dgm:fillClrLst meth="repeat">
+      <a:schemeClr val="accent1"/>
+    </dgm:fillClrLst>
+    <dgm:linClrLst meth="repeat">
+      <a:schemeClr val="accent1">
+        <a:tint val="50000"/>
+      </a:schemeClr>
+    </dgm:linClrLst>
+    <dgm:effectClrLst/>
+    <dgm:txLinClrLst/>
+    <dgm:txFillClrLst meth="repeat">
+      <a:schemeClr val="tx1"/>
+    </dgm:txFillClrLst>
+    <dgm:txEffectClrLst/>
+  </dgm:styleLbl>
+  <dgm:styleLbl name="asst0">
+    <dgm:fillClrLst meth="repeat">
+      <a:schemeClr val="accent1"/>
+    </dgm:fillClrLst>
+    <dgm:linClrLst meth="repeat">
+      <a:schemeClr val="lt1"/>
+    </dgm:linClrLst>
+    <dgm:effectClrLst/>
+    <dgm:txLinClrLst/>
+    <dgm:txFillClrLst/>
+    <dgm:txEffectClrLst/>
+  </dgm:styleLbl>
+  <dgm:styleLbl name="asst1">
+    <dgm:fillClrLst meth="repeat">
+      <a:schemeClr val="accent1"/>
+    </dgm:fillClrLst>
+    <dgm:linClrLst meth="repeat">
+      <a:schemeClr val="lt1"/>
+    </dgm:linClrLst>
+    <dgm:effectClrLst/>
+    <dgm:txLinClrLst/>
+    <dgm:txFillClrLst/>
+    <dgm:txEffectClrLst/>
+  </dgm:styleLbl>
+  <dgm:styleLbl name="asst2">
+    <dgm:fillClrLst meth="repeat">
+      <a:schemeClr val="accent1"/>
+    </dgm:fillClrLst>
+    <dgm:linClrLst meth="repeat">
+      <a:schemeClr val="lt1"/>
+    </dgm:linClrLst>
+    <dgm:effectClrLst/>
+    <dgm:txLinClrLst/>
+    <dgm:txFillClrLst/>
+    <dgm:txEffectClrLst/>
+  </dgm:styleLbl>
+  <dgm:styleLbl name="asst3">
+    <dgm:fillClrLst meth="repeat">
+      <a:schemeClr val="accent1"/>
+    </dgm:fillClrLst>
+    <dgm:linClrLst meth="repeat">
+      <a:schemeClr val="lt1"/>
+    </dgm:linClrLst>
+    <dgm:effectClrLst/>
+    <dgm:txLinClrLst/>
+    <dgm:txFillClrLst/>
+    <dgm:txEffectClrLst/>
+  </dgm:styleLbl>
+  <dgm:styleLbl name="asst4">
+    <dgm:fillClrLst meth="repeat">
+      <a:schemeClr val="accent1"/>
+    </dgm:fillClrLst>
+    <dgm:linClrLst meth="repeat">
+      <a:schemeClr val="lt1"/>
+    </dgm:linClrLst>
+    <dgm:effectClrLst/>
+    <dgm:txLinClrLst/>
+    <dgm:txFillClrLst/>
+    <dgm:txEffectClrLst/>
+  </dgm:styleLbl>
+  <dgm:styleLbl name="parChTrans2D1">
+    <dgm:fillClrLst meth="repeat">
+      <a:schemeClr val="accent1">
+        <a:tint val="60000"/>
+      </a:schemeClr>
+    </dgm:fillClrLst>
+    <dgm:linClrLst meth="repeat">
+      <a:schemeClr val="accent1">
+        <a:tint val="60000"/>
+      </a:schemeClr>
+    </dgm:linClrLst>
+    <dgm:effectClrLst/>
+    <dgm:txLinClrLst/>
+    <dgm:txFillClrLst meth="repeat">
+      <a:schemeClr val="lt1"/>
+    </dgm:txFillClrLst>
+    <dgm:txEffectClrLst/>
+  </dgm:styleLbl>
+  <dgm:styleLbl name="parChTrans2D2">
+    <dgm:fillClrLst meth="repeat">
+      <a:schemeClr val="accent1"/>
+    </dgm:fillClrLst>
+    <dgm:linClrLst meth="repeat">
+      <a:schemeClr val="accent1"/>
+    </dgm:linClrLst>
+    <dgm:effectClrLst/>
+    <dgm:txLinClrLst/>
+    <dgm:txFillClrLst meth="repeat">
+      <a:schemeClr val="lt1"/>
+    </dgm:txFillClrLst>
+    <dgm:txEffectClrLst/>
+  </dgm:styleLbl>
+  <dgm:styleLbl name="parChTrans2D3">
+    <dgm:fillClrLst meth="repeat">
+      <a:schemeClr val="accent1"/>
+    </dgm:fillClrLst>
+    <dgm:linClrLst meth="repeat">
+      <a:schemeClr val="accent1"/>
+    </dgm:linClrLst>
+    <dgm:effectClrLst/>
+    <dgm:txLinClrLst/>
+    <dgm:txFillClrLst meth="repeat">
+      <a:schemeClr val="lt1"/>
+    </dgm:txFillClrLst>
+    <dgm:txEffectClrLst/>
+  </dgm:styleLbl>
+  <dgm:styleLbl name="parChTrans2D4">
+    <dgm:fillClrLst meth="repeat">
+      <a:schemeClr val="accent1"/>
+    </dgm:fillClrLst>
+    <dgm:linClrLst meth="repeat">
+      <a:schemeClr val="accent1"/>
+    </dgm:linClrLst>
+    <dgm:effectClrLst/>
+    <dgm:txLinClrLst/>
+    <dgm:txFillClrLst meth="repeat">
+      <a:schemeClr val="lt1"/>
+    </dgm:txFillClrLst>
+    <dgm:txEffectClrLst/>
+  </dgm:styleLbl>
+  <dgm:styleLbl name="parChTrans1D1">
+    <dgm:fillClrLst meth="repeat">
+      <a:schemeClr val="accent1"/>
+    </dgm:fillClrLst>
+    <dgm:linClrLst meth="repeat">
+      <a:schemeClr val="accent1">
+        <a:shade val="60000"/>
+      </a:schemeClr>
+    </dgm:linClrLst>
+    <dgm:effectClrLst/>
+    <dgm:txLinClrLst/>
+    <dgm:txFillClrLst meth="repeat">
+      <a:schemeClr val="tx1"/>
+    </dgm:txFillClrLst>
+    <dgm:txEffectClrLst/>
+  </dgm:styleLbl>
+  <dgm:styleLbl name="parChTrans1D2">
+    <dgm:fillClrLst meth="repeat">
+      <a:schemeClr val="accent1"/>
+    </dgm:fillClrLst>
+    <dgm:linClrLst meth="repeat">
+      <a:schemeClr val="accent1">
+        <a:shade val="60000"/>
+      </a:schemeClr>
+    </dgm:linClrLst>
+    <dgm:effectClrLst/>
+    <dgm:txLinClrLst/>
+    <dgm:txFillClrLst meth="repeat">
+      <a:schemeClr val="tx1"/>
+    </dgm:txFillClrLst>
+    <dgm:txEffectClrLst/>
+  </dgm:styleLbl>
+  <dgm:styleLbl name="parChTrans1D3">
+    <dgm:fillClrLst meth="repeat">
+      <a:schemeClr val="accent1"/>
+    </dgm:fillClrLst>
+    <dgm:linClrLst meth="repeat">
+      <a:schemeClr val="accent1">
+        <a:shade val="80000"/>
+      </a:schemeClr>
+    </dgm:linClrLst>
+    <dgm:effectClrLst/>
+    <dgm:txLinClrLst/>
+    <dgm:txFillClrLst meth="repeat">
+      <a:schemeClr val="tx1"/>
+    </dgm:txFillClrLst>
+    <dgm:txEffectClrLst/>
+  </dgm:styleLbl>
+  <dgm:styleLbl name="parChTrans1D4">
+    <dgm:fillClrLst meth="repeat">
+      <a:schemeClr val="accent1"/>
+    </dgm:fillClrLst>
+    <dgm:linClrLst meth="repeat">
+      <a:schemeClr val="accent1">
+        <a:shade val="80000"/>
+      </a:schemeClr>
+    </dgm:linClrLst>
+    <dgm:effectClrLst/>
+    <dgm:txLinClrLst/>
+    <dgm:txFillClrLst meth="repeat">
+      <a:schemeClr val="tx1"/>
+    </dgm:txFillClrLst>
+    <dgm:txEffectClrLst/>
+  </dgm:styleLbl>
+  <dgm:styleLbl name="fgAcc1">
+    <dgm:fillClrLst meth="repeat">
+      <a:schemeClr val="lt1">
+        <a:alpha val="90000"/>
+      </a:schemeClr>
+    </dgm:fillClrLst>
+    <dgm:linClrLst meth="repeat">
+      <a:schemeClr val="accent1"/>
+    </dgm:linClrLst>
+    <dgm:effectClrLst/>
+    <dgm:txLinClrLst/>
+    <dgm:txFillClrLst meth="repeat">
+      <a:schemeClr val="dk1"/>
+    </dgm:txFillClrLst>
+    <dgm:txEffectClrLst/>
+  </dgm:styleLbl>
+  <dgm:styleLbl name="conFgAcc1">
+    <dgm:fillClrLst meth="repeat">
+      <a:schemeClr val="lt1">
+        <a:alpha val="90000"/>
+      </a:schemeClr>
+    </dgm:fillClrLst>
+    <dgm:linClrLst meth="repeat">
+      <a:schemeClr val="accent1"/>
+    </dgm:linClrLst>
+    <dgm:effectClrLst/>
+    <dgm:txLinClrLst/>
+    <dgm:txFillClrLst meth="repeat">
+      <a:schemeClr val="dk1"/>
+    </dgm:txFillClrLst>
+    <dgm:txEffectClrLst/>
+  </dgm:styleLbl>
+  <dgm:styleLbl name="alignAcc1">
+    <dgm:fillClrLst meth="repeat">
+      <a:schemeClr val="lt1">
+        <a:alpha val="90000"/>
+      </a:schemeClr>
+    </dgm:fillClrLst>
+    <dgm:linClrLst meth="repeat">
+      <a:schemeClr val="accent1"/>
+    </dgm:linClrLst>
+    <dgm:effectClrLst/>
+    <dgm:txLinClrLst/>
+    <dgm:txFillClrLst meth="repeat">
+      <a:schemeClr val="dk1"/>
+    </dgm:txFillClrLst>
+    <dgm:txEffectClrLst/>
+  </dgm:styleLbl>
+  <dgm:styleLbl name="trAlignAcc1">
+    <dgm:fillClrLst meth="repeat">
+      <a:schemeClr val="lt1">
+        <a:alpha val="40000"/>
+      </a:schemeClr>
+    </dgm:fillClrLst>
+    <dgm:linClrLst meth="repeat">
+      <a:schemeClr val="accent1"/>
+    </dgm:linClrLst>
+    <dgm:effectClrLst/>
+    <dgm:txLinClrLst/>
+    <dgm:txFillClrLst meth="repeat">
+      <a:schemeClr val="dk1"/>
+    </dgm:txFillClrLst>
+    <dgm:txEffectClrLst/>
+  </dgm:styleLbl>
+  <dgm:styleLbl name="bgAcc1">
+    <dgm:fillClrLst meth="repeat">
+      <a:schemeClr val="lt1">
+        <a:alpha val="90000"/>
+      </a:schemeClr>
+    </dgm:fillClrLst>
+    <dgm:linClrLst meth="repeat">
+      <a:schemeClr val="accent1"/>
+    </dgm:linClrLst>
+    <dgm:effectClrLst/>
+    <dgm:txLinClrLst/>
+    <dgm:txFillClrLst meth="repeat">
+      <a:schemeClr val="dk1"/>
+    </dgm:txFillClrLst>
+    <dgm:txEffectClrLst/>
+  </dgm:styleLbl>
+  <dgm:styleLbl name="solidFgAcc1">
+    <dgm:fillClrLst meth="repeat">
+      <a:schemeClr val="lt1"/>
+    </dgm:fillClrLst>
+    <dgm:linClrLst meth="repeat">
+      <a:schemeClr val="accent1"/>
+    </dgm:linClrLst>
+    <dgm:effectClrLst/>
+    <dgm:txLinClrLst/>
+    <dgm:txFillClrLst meth="repeat">
+      <a:schemeClr val="dk1"/>
+    </dgm:txFillClrLst>
+    <dgm:txEffectClrLst/>
+  </dgm:styleLbl>
+  <dgm:styleLbl name="solidAlignAcc1">
+    <dgm:fillClrLst meth="repeat">
+      <a:schemeClr val="lt1"/>
+    </dgm:fillClrLst>
+    <dgm:linClrLst meth="repeat">
+      <a:schemeClr val="accent1"/>
+    </dgm:linClrLst>
+    <dgm:effectClrLst/>
+    <dgm:txLinClrLst/>
+    <dgm:txFillClrLst meth="repeat">
+      <a:schemeClr val="dk1"/>
+    </dgm:txFillClrLst>
+    <dgm:txEffectClrLst/>
+  </dgm:styleLbl>
+  <dgm:styleLbl name="solidBgAcc1">
+    <dgm:fillClrLst meth="repeat">
+      <a:schemeClr val="lt1"/>
+    </dgm:fillClrLst>
+    <dgm:linClrLst meth="repeat">
+      <a:schemeClr val="accent1"/>
+    </dgm:linClrLst>
+    <dgm:effectClrLst/>
+    <dgm:txLinClrLst/>
+    <dgm:txFillClrLst meth="repeat">
+      <a:schemeClr val="dk1"/>
+    </dgm:txFillClrLst>
+    <dgm:txEffectClrLst/>
+  </dgm:styleLbl>
+  <dgm:styleLbl name="fgAccFollowNode1">
+    <dgm:fillClrLst meth="repeat">
+      <a:schemeClr val="accent1">
+        <a:alpha val="90000"/>
+        <a:tint val="40000"/>
+      </a:schemeClr>
+    </dgm:fillClrLst>
+    <dgm:linClrLst meth="repeat">
+      <a:schemeClr val="accent1">
+        <a:alpha val="90000"/>
+        <a:tint val="40000"/>
+      </a:schemeClr>
+    </dgm:linClrLst>
+    <dgm:effectClrLst/>
+    <dgm:txLinClrLst/>
+    <dgm:txFillClrLst meth="repeat">
+      <a:schemeClr val="dk1"/>
+    </dgm:txFillClrLst>
+    <dgm:txEffectClrLst/>
+  </dgm:styleLbl>
+  <dgm:styleLbl name="alignAccFollowNode1">
+    <dgm:fillClrLst meth="repeat">
+      <a:schemeClr val="accent1">
+        <a:alpha val="90000"/>
+        <a:tint val="40000"/>
+      </a:schemeClr>
+    </dgm:fillClrLst>
+    <dgm:linClrLst meth="repeat">
+      <a:schemeClr val="accent1">
+        <a:alpha val="90000"/>
+        <a:tint val="40000"/>
+      </a:schemeClr>
+    </dgm:linClrLst>
+    <dgm:effectClrLst/>
+    <dgm:txLinClrLst/>
+    <dgm:txFillClrLst meth="repeat">
+      <a:schemeClr val="dk1"/>
+    </dgm:txFillClrLst>
+    <dgm:txEffectClrLst/>
+  </dgm:styleLbl>
+  <dgm:styleLbl name="bgAccFollowNode1">
+    <dgm:fillClrLst meth="repeat">
+      <a:schemeClr val="accent1">
+        <a:alpha val="90000"/>
+        <a:tint val="40000"/>
+      </a:schemeClr>
+    </dgm:fillClrLst>
+    <dgm:linClrLst meth="repeat">
+      <a:schemeClr val="accent1">
+        <a:alpha val="90000"/>
+        <a:tint val="40000"/>
+      </a:schemeClr>
+    </dgm:linClrLst>
+    <dgm:effectClrLst/>
+    <dgm:txLinClrLst/>
+    <dgm:txFillClrLst meth="repeat">
+      <a:schemeClr val="dk1"/>
+    </dgm:txFillClrLst>
+    <dgm:txEffectClrLst/>
+  </dgm:styleLbl>
+  <dgm:styleLbl name="fgAcc0">
+    <dgm:fillClrLst meth="repeat">
+      <a:schemeClr val="lt1">
+        <a:alpha val="90000"/>
+      </a:schemeClr>
+    </dgm:fillClrLst>
+    <dgm:linClrLst meth="repeat">
+      <a:schemeClr val="accent1"/>
+    </dgm:linClrLst>
+    <dgm:effectClrLst/>
+    <dgm:txLinClrLst/>
+    <dgm:txFillClrLst meth="repeat">
+      <a:schemeClr val="dk1"/>
+    </dgm:txFillClrLst>
+    <dgm:txEffectClrLst/>
+  </dgm:styleLbl>
+  <dgm:styleLbl name="fgAcc2">
+    <dgm:fillClrLst meth="repeat">
+      <a:schemeClr val="lt1">
+        <a:alpha val="90000"/>
+      </a:schemeClr>
+    </dgm:fillClrLst>
+    <dgm:linClrLst meth="repeat">
+      <a:schemeClr val="accent1"/>
+    </dgm:linClrLst>
+    <dgm:effectClrLst/>
+    <dgm:txLinClrLst/>
+    <dgm:txFillClrLst meth="repeat">
+      <a:schemeClr val="dk1"/>
+    </dgm:txFillClrLst>
+    <dgm:txEffectClrLst/>
+  </dgm:styleLbl>
+  <dgm:styleLbl name="fgAcc3">
+    <dgm:fillClrLst meth="repeat">
+      <a:schemeClr val="lt1">
+        <a:alpha val="90000"/>
+      </a:schemeClr>
+    </dgm:fillClrLst>
+    <dgm:linClrLst meth="repeat">
+      <a:schemeClr val="accent1"/>
+    </dgm:linClrLst>
+    <dgm:effectClrLst/>
+    <dgm:txLinClrLst/>
+    <dgm:txFillClrLst meth="repeat">
+      <a:schemeClr val="dk1"/>
+    </dgm:txFillClrLst>
+    <dgm:txEffectClrLst/>
+  </dgm:styleLbl>
+  <dgm:styleLbl name="fgAcc4">
+    <dgm:fillClrLst meth="repeat">
+      <a:schemeClr val="lt1">
+        <a:alpha val="90000"/>
+      </a:schemeClr>
+    </dgm:fillClrLst>
+    <dgm:linClrLst meth="repeat">
+      <a:schemeClr val="accent1"/>
+    </dgm:linClrLst>
+    <dgm:effectClrLst/>
+    <dgm:txLinClrLst/>
+    <dgm:txFillClrLst meth="repeat">
+      <a:schemeClr val="dk1"/>
+    </dgm:txFillClrLst>
+    <dgm:txEffectClrLst/>
+  </dgm:styleLbl>
+  <dgm:styleLbl name="bgShp">
+    <dgm:fillClrLst meth="repeat">
+      <a:schemeClr val="accent1">
+        <a:tint val="40000"/>
+      </a:schemeClr>
+    </dgm:fillClrLst>
+    <dgm:linClrLst meth="repeat">
+      <a:schemeClr val="accent1"/>
+    </dgm:linClrLst>
+    <dgm:effectClrLst/>
+    <dgm:txLinClrLst/>
+    <dgm:txFillClrLst meth="repeat">
+      <a:schemeClr val="dk1"/>
+    </dgm:txFillClrLst>
+    <dgm:txEffectClrLst/>
+  </dgm:styleLbl>
+  <dgm:styleLbl name="dkBgShp">
+    <dgm:fillClrLst meth="repeat">
+      <a:schemeClr val="accent1">
+        <a:shade val="80000"/>
+      </a:schemeClr>
+    </dgm:fillClrLst>
+    <dgm:linClrLst meth="repeat">
+      <a:schemeClr val="accent1"/>
+    </dgm:linClrLst>
+    <dgm:effectClrLst/>
+    <dgm:txLinClrLst/>
+    <dgm:txFillClrLst meth="repeat">
+      <a:schemeClr val="lt1"/>
+    </dgm:txFillClrLst>
+    <dgm:txEffectClrLst/>
+  </dgm:styleLbl>
+  <dgm:styleLbl name="trBgShp">
+    <dgm:fillClrLst meth="repeat">
+      <a:schemeClr val="accent1">
+        <a:tint val="50000"/>
+        <a:alpha val="40000"/>
+      </a:schemeClr>
+    </dgm:fillClrLst>
+    <dgm:linClrLst meth="repeat">
+      <a:schemeClr val="accent1"/>
+    </dgm:linClrLst>
+    <dgm:effectClrLst/>
+    <dgm:txLinClrLst/>
+    <dgm:txFillClrLst meth="repeat">
+      <a:schemeClr val="lt1"/>
+    </dgm:txFillClrLst>
+    <dgm:txEffectClrLst/>
+  </dgm:styleLbl>
+  <dgm:styleLbl name="fgShp">
+    <dgm:fillClrLst meth="repeat">
+      <a:schemeClr val="accent1">
+        <a:tint val="60000"/>
+      </a:schemeClr>
+    </dgm:fillClrLst>
+    <dgm:linClrLst meth="repeat">
+      <a:schemeClr val="lt1"/>
+    </dgm:linClrLst>
+    <dgm:effectClrLst/>
+    <dgm:txLinClrLst/>
+    <dgm:txFillClrLst meth="repeat">
+      <a:schemeClr val="dk1"/>
+    </dgm:txFillClrLst>
+    <dgm:txEffectClrLst/>
+  </dgm:styleLbl>
+  <dgm:styleLbl name="revTx">
+    <dgm:fillClrLst meth="repeat">
+      <a:schemeClr val="lt1">
+        <a:alpha val="0"/>
+      </a:schemeClr>
+    </dgm:fillClrLst>
+    <dgm:linClrLst meth="repeat">
+      <a:schemeClr val="dk1">
+        <a:alpha val="0"/>
+      </a:schemeClr>
+    </dgm:linClrLst>
+    <dgm:effectClrLst/>
+    <dgm:txLinClrLst/>
+    <dgm:txFillClrLst meth="repeat">
+      <a:schemeClr val="tx1"/>
+    </dgm:txFillClrLst>
+    <dgm:txEffectClrLst/>
+  </dgm:styleLbl>
+</dgm:colorsDef>
+</file>
+
+<file path=ppt/diagrams/colors2.xml><?xml version="1.0" encoding="utf-8"?>
 <dgm:colorsDef xmlns:dgm="http://schemas.openxmlformats.org/drawingml/2006/diagram" xmlns:a="http://schemas.openxmlformats.org/drawingml/2006/main" uniqueId="urn:microsoft.com/office/officeart/2005/8/colors/accent1_2">
   <dgm:title val=""/>
   <dgm:desc val=""/>
@@ -911,43 +1665,6 @@
       </dgm:t>
     </dgm:pt>
     <dgm:pt modelId="{8F737946-3EE3-4C2C-BF59-3F4072E77E0B}" type="sibTrans" cxnId="{5CA21121-0548-41BF-96E5-1E5910F96788}">
-      <dgm:prSet/>
-      <dgm:spPr/>
-      <dgm:t>
-        <a:bodyPr/>
-        <a:lstStyle/>
-        <a:p>
-          <a:endParaRPr lang="en-IN"/>
-        </a:p>
-      </dgm:t>
-    </dgm:pt>
-    <dgm:pt modelId="{88EDA0EE-B8FD-4A59-A410-4256FC391BDA}">
-      <dgm:prSet phldrT="[Text]"/>
-      <dgm:spPr/>
-      <dgm:t>
-        <a:bodyPr/>
-        <a:lstStyle/>
-        <a:p>
-          <a:r>
-            <a:rPr lang="en-US" dirty="0"/>
-            <a:t>Data cleaning</a:t>
-          </a:r>
-          <a:endParaRPr lang="en-IN" dirty="0"/>
-        </a:p>
-      </dgm:t>
-    </dgm:pt>
-    <dgm:pt modelId="{F4396654-09A9-4A74-9D4A-D55AD0DADC96}" type="parTrans" cxnId="{FDF840A1-4420-4098-B010-A5225BB92425}">
-      <dgm:prSet/>
-      <dgm:spPr/>
-      <dgm:t>
-        <a:bodyPr/>
-        <a:lstStyle/>
-        <a:p>
-          <a:endParaRPr lang="en-IN"/>
-        </a:p>
-      </dgm:t>
-    </dgm:pt>
-    <dgm:pt modelId="{171678E4-F5E1-49C4-8FDF-03D2C62915A7}" type="sibTrans" cxnId="{FDF840A1-4420-4098-B010-A5225BB92425}">
       <dgm:prSet/>
       <dgm:spPr/>
       <dgm:t>
@@ -1143,6 +1860,43 @@
         </a:p>
       </dgm:t>
     </dgm:pt>
+    <dgm:pt modelId="{074AB72E-E8C3-4CAB-ADCA-F634896D5AE1}">
+      <dgm:prSet phldrT="[Text]"/>
+      <dgm:spPr/>
+      <dgm:t>
+        <a:bodyPr/>
+        <a:lstStyle/>
+        <a:p>
+          <a:r>
+            <a:rPr lang="en-US" dirty="0"/>
+            <a:t>Hyperparameter tuning</a:t>
+          </a:r>
+          <a:endParaRPr lang="en-IN" dirty="0"/>
+        </a:p>
+      </dgm:t>
+    </dgm:pt>
+    <dgm:pt modelId="{5BF22676-5EC2-4406-A80D-466D8924E634}" type="parTrans" cxnId="{6C7CF82B-C823-46EE-BAF7-4B0F1DC41781}">
+      <dgm:prSet/>
+      <dgm:spPr/>
+      <dgm:t>
+        <a:bodyPr/>
+        <a:lstStyle/>
+        <a:p>
+          <a:endParaRPr lang="en-IN"/>
+        </a:p>
+      </dgm:t>
+    </dgm:pt>
+    <dgm:pt modelId="{BF683D08-5842-4A5C-BB4A-84C7C81C2E85}" type="sibTrans" cxnId="{6C7CF82B-C823-46EE-BAF7-4B0F1DC41781}">
+      <dgm:prSet/>
+      <dgm:spPr/>
+      <dgm:t>
+        <a:bodyPr/>
+        <a:lstStyle/>
+        <a:p>
+          <a:endParaRPr lang="en-IN"/>
+        </a:p>
+      </dgm:t>
+    </dgm:pt>
     <dgm:pt modelId="{32C78866-ACB6-4415-A309-2E8090A203CD}" type="pres">
       <dgm:prSet presAssocID="{5AABB733-946C-4B5E-82E7-7CFED63CB01E}" presName="Name0" presStyleCnt="0">
         <dgm:presLayoutVars>
@@ -1193,71 +1947,71 @@
       <dgm:prSet presAssocID="{41204DA4-A5BD-42FC-9762-7280BB799819}" presName="accentRepeatNode" presStyleLbl="solidFgAcc1" presStyleIdx="0" presStyleCnt="7"/>
       <dgm:spPr/>
     </dgm:pt>
-    <dgm:pt modelId="{76DF6F2D-C959-47D4-893D-3CF261A01DF1}" type="pres">
-      <dgm:prSet presAssocID="{88EDA0EE-B8FD-4A59-A410-4256FC391BDA}" presName="text_2" presStyleLbl="node1" presStyleIdx="1" presStyleCnt="7">
+    <dgm:pt modelId="{EDFF3247-D9D1-46D7-9911-D5F9783E4079}" type="pres">
+      <dgm:prSet presAssocID="{E6E74B08-8244-4FAB-8F0F-73B310D1DADA}" presName="text_2" presStyleLbl="node1" presStyleIdx="1" presStyleCnt="7">
         <dgm:presLayoutVars>
           <dgm:bulletEnabled val="1"/>
         </dgm:presLayoutVars>
       </dgm:prSet>
       <dgm:spPr/>
     </dgm:pt>
-    <dgm:pt modelId="{2DECD489-F4CE-475A-B16A-FCE686307D92}" type="pres">
-      <dgm:prSet presAssocID="{88EDA0EE-B8FD-4A59-A410-4256FC391BDA}" presName="accent_2" presStyleCnt="0"/>
+    <dgm:pt modelId="{A25531AD-842E-4581-B7F6-5119430E2784}" type="pres">
+      <dgm:prSet presAssocID="{E6E74B08-8244-4FAB-8F0F-73B310D1DADA}" presName="accent_2" presStyleCnt="0"/>
       <dgm:spPr/>
     </dgm:pt>
-    <dgm:pt modelId="{C63ABEC6-0792-411E-96CA-81072ABC3938}" type="pres">
-      <dgm:prSet presAssocID="{88EDA0EE-B8FD-4A59-A410-4256FC391BDA}" presName="accentRepeatNode" presStyleLbl="solidFgAcc1" presStyleIdx="1" presStyleCnt="7"/>
+    <dgm:pt modelId="{0E28F517-AA14-4125-8FEC-5902D95B0534}" type="pres">
+      <dgm:prSet presAssocID="{E6E74B08-8244-4FAB-8F0F-73B310D1DADA}" presName="accentRepeatNode" presStyleLbl="solidFgAcc1" presStyleIdx="1" presStyleCnt="7"/>
       <dgm:spPr/>
     </dgm:pt>
-    <dgm:pt modelId="{03833176-FC39-41D1-9420-7FCD042E1965}" type="pres">
-      <dgm:prSet presAssocID="{E6E74B08-8244-4FAB-8F0F-73B310D1DADA}" presName="text_3" presStyleLbl="node1" presStyleIdx="2" presStyleCnt="7">
+    <dgm:pt modelId="{8F4B445B-0634-41B5-A759-EF71E8A373DB}" type="pres">
+      <dgm:prSet presAssocID="{BF94DD74-08D0-457F-95D8-D92EE990F154}" presName="text_3" presStyleLbl="node1" presStyleIdx="2" presStyleCnt="7">
         <dgm:presLayoutVars>
           <dgm:bulletEnabled val="1"/>
         </dgm:presLayoutVars>
       </dgm:prSet>
       <dgm:spPr/>
     </dgm:pt>
-    <dgm:pt modelId="{209E0996-DD79-4493-8560-2CED9BD0F268}" type="pres">
-      <dgm:prSet presAssocID="{E6E74B08-8244-4FAB-8F0F-73B310D1DADA}" presName="accent_3" presStyleCnt="0"/>
+    <dgm:pt modelId="{613A945C-72B6-434B-B8E9-48422CC6C957}" type="pres">
+      <dgm:prSet presAssocID="{BF94DD74-08D0-457F-95D8-D92EE990F154}" presName="accent_3" presStyleCnt="0"/>
       <dgm:spPr/>
     </dgm:pt>
-    <dgm:pt modelId="{0E28F517-AA14-4125-8FEC-5902D95B0534}" type="pres">
-      <dgm:prSet presAssocID="{E6E74B08-8244-4FAB-8F0F-73B310D1DADA}" presName="accentRepeatNode" presStyleLbl="solidFgAcc1" presStyleIdx="2" presStyleCnt="7"/>
+    <dgm:pt modelId="{440DEB32-FA64-4A00-9532-BFE1721CF593}" type="pres">
+      <dgm:prSet presAssocID="{BF94DD74-08D0-457F-95D8-D92EE990F154}" presName="accentRepeatNode" presStyleLbl="solidFgAcc1" presStyleIdx="2" presStyleCnt="7"/>
       <dgm:spPr/>
     </dgm:pt>
-    <dgm:pt modelId="{422BCAAE-BFFC-4FFB-B38F-513D89E85177}" type="pres">
-      <dgm:prSet presAssocID="{BF94DD74-08D0-457F-95D8-D92EE990F154}" presName="text_4" presStyleLbl="node1" presStyleIdx="3" presStyleCnt="7">
+    <dgm:pt modelId="{AE12E3B6-A59A-476C-B1C6-061FF450ACD7}" type="pres">
+      <dgm:prSet presAssocID="{456B31EF-BC85-41F7-A965-B14A12BCEEDB}" presName="text_4" presStyleLbl="node1" presStyleIdx="3" presStyleCnt="7">
         <dgm:presLayoutVars>
           <dgm:bulletEnabled val="1"/>
         </dgm:presLayoutVars>
       </dgm:prSet>
       <dgm:spPr/>
     </dgm:pt>
-    <dgm:pt modelId="{EA2AC013-02C2-4AF5-A4A6-83778629AD41}" type="pres">
-      <dgm:prSet presAssocID="{BF94DD74-08D0-457F-95D8-D92EE990F154}" presName="accent_4" presStyleCnt="0"/>
+    <dgm:pt modelId="{B6DD621D-E14B-468C-8AC4-685605F27153}" type="pres">
+      <dgm:prSet presAssocID="{456B31EF-BC85-41F7-A965-B14A12BCEEDB}" presName="accent_4" presStyleCnt="0"/>
       <dgm:spPr/>
     </dgm:pt>
-    <dgm:pt modelId="{440DEB32-FA64-4A00-9532-BFE1721CF593}" type="pres">
-      <dgm:prSet presAssocID="{BF94DD74-08D0-457F-95D8-D92EE990F154}" presName="accentRepeatNode" presStyleLbl="solidFgAcc1" presStyleIdx="3" presStyleCnt="7"/>
+    <dgm:pt modelId="{DCD31C6F-B4A4-441B-9ABA-6E5299A15EF4}" type="pres">
+      <dgm:prSet presAssocID="{456B31EF-BC85-41F7-A965-B14A12BCEEDB}" presName="accentRepeatNode" presStyleLbl="solidFgAcc1" presStyleIdx="3" presStyleCnt="7"/>
       <dgm:spPr/>
     </dgm:pt>
-    <dgm:pt modelId="{85296A55-DB25-4815-9DB1-21A93877A88F}" type="pres">
-      <dgm:prSet presAssocID="{456B31EF-BC85-41F7-A965-B14A12BCEEDB}" presName="text_5" presStyleLbl="node1" presStyleIdx="4" presStyleCnt="7">
+    <dgm:pt modelId="{32B19852-7F64-4EF2-920C-949D6E6B9955}" type="pres">
+      <dgm:prSet presAssocID="{074AB72E-E8C3-4CAB-ADCA-F634896D5AE1}" presName="text_5" presStyleLbl="node1" presStyleIdx="4" presStyleCnt="7">
         <dgm:presLayoutVars>
           <dgm:bulletEnabled val="1"/>
         </dgm:presLayoutVars>
       </dgm:prSet>
       <dgm:spPr/>
     </dgm:pt>
-    <dgm:pt modelId="{33AC086C-BF4C-48D3-9DB5-35733F334DCA}" type="pres">
-      <dgm:prSet presAssocID="{456B31EF-BC85-41F7-A965-B14A12BCEEDB}" presName="accent_5" presStyleCnt="0"/>
+    <dgm:pt modelId="{91662FEE-C03E-4655-85BC-A12629E4118E}" type="pres">
+      <dgm:prSet presAssocID="{074AB72E-E8C3-4CAB-ADCA-F634896D5AE1}" presName="accent_5" presStyleCnt="0"/>
       <dgm:spPr/>
     </dgm:pt>
-    <dgm:pt modelId="{DCD31C6F-B4A4-441B-9ABA-6E5299A15EF4}" type="pres">
-      <dgm:prSet presAssocID="{456B31EF-BC85-41F7-A965-B14A12BCEEDB}" presName="accentRepeatNode" presStyleLbl="solidFgAcc1" presStyleIdx="4" presStyleCnt="7"/>
+    <dgm:pt modelId="{DB86C76E-C45B-4057-BE63-E4AFB0ED6DEC}" type="pres">
+      <dgm:prSet presAssocID="{074AB72E-E8C3-4CAB-ADCA-F634896D5AE1}" presName="accentRepeatNode" presStyleLbl="solidFgAcc1" presStyleIdx="4" presStyleCnt="7"/>
       <dgm:spPr/>
     </dgm:pt>
-    <dgm:pt modelId="{9F2DB428-75DD-4C2C-A060-7FE857D37D29}" type="pres">
+    <dgm:pt modelId="{2E93C458-0F1B-41C3-B165-E176C19542EE}" type="pres">
       <dgm:prSet presAssocID="{59322FB1-FCBC-4059-ADD0-BF977F7ACF66}" presName="text_6" presStyleLbl="node1" presStyleIdx="5" presStyleCnt="7">
         <dgm:presLayoutVars>
           <dgm:bulletEnabled val="1"/>
@@ -1265,7 +2019,7 @@
       </dgm:prSet>
       <dgm:spPr/>
     </dgm:pt>
-    <dgm:pt modelId="{6A569E6D-2821-4556-8CD1-24BEB4D1F424}" type="pres">
+    <dgm:pt modelId="{E79ABA20-52A0-495A-B20F-CC46853D0EB6}" type="pres">
       <dgm:prSet presAssocID="{59322FB1-FCBC-4059-ADD0-BF977F7ACF66}" presName="accent_6" presStyleCnt="0"/>
       <dgm:spPr/>
     </dgm:pt>
@@ -1273,7 +2027,7 @@
       <dgm:prSet presAssocID="{59322FB1-FCBC-4059-ADD0-BF977F7ACF66}" presName="accentRepeatNode" presStyleLbl="solidFgAcc1" presStyleIdx="5" presStyleCnt="7"/>
       <dgm:spPr/>
     </dgm:pt>
-    <dgm:pt modelId="{C59A9846-A037-4826-B39A-E22268528F73}" type="pres">
+    <dgm:pt modelId="{C8157EB5-A734-40C6-9AF8-6D1A8603E736}" type="pres">
       <dgm:prSet presAssocID="{0D759803-289B-4994-AFAA-468622B633D3}" presName="text_7" presStyleLbl="node1" presStyleIdx="6" presStyleCnt="7">
         <dgm:presLayoutVars>
           <dgm:bulletEnabled val="1"/>
@@ -1281,7 +2035,7 @@
       </dgm:prSet>
       <dgm:spPr/>
     </dgm:pt>
-    <dgm:pt modelId="{CC33C2CC-F27F-46CC-AD03-770C8AC8B871}" type="pres">
+    <dgm:pt modelId="{013C1A15-0A24-4F7C-89A9-43B82E6586ED}" type="pres">
       <dgm:prSet presAssocID="{0D759803-289B-4994-AFAA-468622B633D3}" presName="accent_7" presStyleCnt="0"/>
       <dgm:spPr/>
     </dgm:pt>
@@ -1291,22 +2045,22 @@
     </dgm:pt>
   </dgm:ptLst>
   <dgm:cxnLst>
+    <dgm:cxn modelId="{63E3F204-88CF-4A7D-9504-D69B518F4D79}" type="presOf" srcId="{59322FB1-FCBC-4059-ADD0-BF977F7ACF66}" destId="{2E93C458-0F1B-41C3-B165-E176C19542EE}" srcOrd="0" destOrd="0" presId="urn:microsoft.com/office/officeart/2008/layout/VerticalCurvedList"/>
     <dgm:cxn modelId="{B5D8910D-B240-47E9-A75B-5CA00F29F8F3}" type="presOf" srcId="{8F737946-3EE3-4C2C-BF59-3F4072E77E0B}" destId="{897B122D-8D10-400E-AFC2-DE9048ADD3E9}" srcOrd="0" destOrd="0" presId="urn:microsoft.com/office/officeart/2008/layout/VerticalCurvedList"/>
-    <dgm:cxn modelId="{E4311F16-04B6-4420-8249-7621D9A187B2}" type="presOf" srcId="{456B31EF-BC85-41F7-A965-B14A12BCEEDB}" destId="{85296A55-DB25-4815-9DB1-21A93877A88F}" srcOrd="0" destOrd="0" presId="urn:microsoft.com/office/officeart/2008/layout/VerticalCurvedList"/>
     <dgm:cxn modelId="{5CA21121-0548-41BF-96E5-1E5910F96788}" srcId="{5AABB733-946C-4B5E-82E7-7CFED63CB01E}" destId="{41204DA4-A5BD-42FC-9762-7280BB799819}" srcOrd="0" destOrd="0" parTransId="{E30CE453-630C-451C-B51C-B16D50BB6FF4}" sibTransId="{8F737946-3EE3-4C2C-BF59-3F4072E77E0B}"/>
+    <dgm:cxn modelId="{6C7CF82B-C823-46EE-BAF7-4B0F1DC41781}" srcId="{5AABB733-946C-4B5E-82E7-7CFED63CB01E}" destId="{074AB72E-E8C3-4CAB-ADCA-F634896D5AE1}" srcOrd="4" destOrd="0" parTransId="{5BF22676-5EC2-4406-A80D-466D8924E634}" sibTransId="{BF683D08-5842-4A5C-BB4A-84C7C81C2E85}"/>
     <dgm:cxn modelId="{D1BDBC31-9D2E-4AEE-BA5D-81985BA9DE2A}" type="presOf" srcId="{41204DA4-A5BD-42FC-9762-7280BB799819}" destId="{FE5E3899-1946-4C95-8AEE-30CCAE12F8BD}" srcOrd="0" destOrd="0" presId="urn:microsoft.com/office/officeart/2008/layout/VerticalCurvedList"/>
     <dgm:cxn modelId="{EF0FC036-F029-4044-B2A6-CD533F0F7B86}" srcId="{5AABB733-946C-4B5E-82E7-7CFED63CB01E}" destId="{59322FB1-FCBC-4059-ADD0-BF977F7ACF66}" srcOrd="5" destOrd="0" parTransId="{544A3F4C-3CCC-446E-9BC3-CC4B67535D4A}" sibTransId="{2D5E6514-57E6-4F54-A463-8FF5DE798252}"/>
-    <dgm:cxn modelId="{306FA840-9F3F-456F-BE59-399FC86C80AC}" type="presOf" srcId="{88EDA0EE-B8FD-4A59-A410-4256FC391BDA}" destId="{76DF6F2D-C959-47D4-893D-3CF261A01DF1}" srcOrd="0" destOrd="0" presId="urn:microsoft.com/office/officeart/2008/layout/VerticalCurvedList"/>
+    <dgm:cxn modelId="{7EB60C5F-0168-42D7-90E1-AC65208D3701}" type="presOf" srcId="{E6E74B08-8244-4FAB-8F0F-73B310D1DADA}" destId="{EDFF3247-D9D1-46D7-9911-D5F9783E4079}" srcOrd="0" destOrd="0" presId="urn:microsoft.com/office/officeart/2008/layout/VerticalCurvedList"/>
+    <dgm:cxn modelId="{9F7D8D41-9913-455B-A0EC-782BB1841603}" type="presOf" srcId="{456B31EF-BC85-41F7-A965-B14A12BCEEDB}" destId="{AE12E3B6-A59A-476C-B1C6-061FF450ACD7}" srcOrd="0" destOrd="0" presId="urn:microsoft.com/office/officeart/2008/layout/VerticalCurvedList"/>
+    <dgm:cxn modelId="{717F2048-669F-4C1E-855C-9D47B25CF077}" type="presOf" srcId="{074AB72E-E8C3-4CAB-ADCA-F634896D5AE1}" destId="{32B19852-7F64-4EF2-920C-949D6E6B9955}" srcOrd="0" destOrd="0" presId="urn:microsoft.com/office/officeart/2008/layout/VerticalCurvedList"/>
     <dgm:cxn modelId="{D215F948-F2EE-4719-BC5E-DCCC632FBDE2}" srcId="{5AABB733-946C-4B5E-82E7-7CFED63CB01E}" destId="{0D759803-289B-4994-AFAA-468622B633D3}" srcOrd="6" destOrd="0" parTransId="{B2504668-462D-4443-AE86-D74CC93AA34F}" sibTransId="{46987915-D76A-4FD2-B642-B745E43158FB}"/>
-    <dgm:cxn modelId="{FDF840A1-4420-4098-B010-A5225BB92425}" srcId="{5AABB733-946C-4B5E-82E7-7CFED63CB01E}" destId="{88EDA0EE-B8FD-4A59-A410-4256FC391BDA}" srcOrd="1" destOrd="0" parTransId="{F4396654-09A9-4A74-9D4A-D55AD0DADC96}" sibTransId="{171678E4-F5E1-49C4-8FDF-03D2C62915A7}"/>
     <dgm:cxn modelId="{8D20BEA1-ECAE-4321-974A-3528E1DAE850}" type="presOf" srcId="{5AABB733-946C-4B5E-82E7-7CFED63CB01E}" destId="{32C78866-ACB6-4415-A309-2E8090A203CD}" srcOrd="0" destOrd="0" presId="urn:microsoft.com/office/officeart/2008/layout/VerticalCurvedList"/>
-    <dgm:cxn modelId="{23F5C2A1-CA95-46F6-9D2C-E2E4B1A8A9EC}" type="presOf" srcId="{BF94DD74-08D0-457F-95D8-D92EE990F154}" destId="{422BCAAE-BFFC-4FFB-B38F-513D89E85177}" srcOrd="0" destOrd="0" presId="urn:microsoft.com/office/officeart/2008/layout/VerticalCurvedList"/>
-    <dgm:cxn modelId="{8D88F7A3-8517-4E36-AE15-F4EB8F0E4015}" type="presOf" srcId="{59322FB1-FCBC-4059-ADD0-BF977F7ACF66}" destId="{9F2DB428-75DD-4C2C-A060-7FE857D37D29}" srcOrd="0" destOrd="0" presId="urn:microsoft.com/office/officeart/2008/layout/VerticalCurvedList"/>
-    <dgm:cxn modelId="{51A38CB5-9DC6-42FA-BEF1-C241A44F3B5A}" srcId="{5AABB733-946C-4B5E-82E7-7CFED63CB01E}" destId="{456B31EF-BC85-41F7-A965-B14A12BCEEDB}" srcOrd="4" destOrd="0" parTransId="{472052ED-668E-4928-AA26-E5DF731E8B5B}" sibTransId="{DB995FF8-53C5-4B88-AF68-6DD18B75F18D}"/>
-    <dgm:cxn modelId="{261E55B7-D007-4400-8DFD-23D95F0C293E}" type="presOf" srcId="{0D759803-289B-4994-AFAA-468622B633D3}" destId="{C59A9846-A037-4826-B39A-E22268528F73}" srcOrd="0" destOrd="0" presId="urn:microsoft.com/office/officeart/2008/layout/VerticalCurvedList"/>
-    <dgm:cxn modelId="{8FE6A6CA-2910-4360-A018-E8523E51B1FF}" srcId="{5AABB733-946C-4B5E-82E7-7CFED63CB01E}" destId="{BF94DD74-08D0-457F-95D8-D92EE990F154}" srcOrd="3" destOrd="0" parTransId="{8749C502-D137-4EC6-AF7C-B093381A38C8}" sibTransId="{98DDABC5-CBC6-4D96-AE51-8D10CA2A6030}"/>
-    <dgm:cxn modelId="{F4738AE3-02DE-4347-A096-6E4F646FCE12}" type="presOf" srcId="{E6E74B08-8244-4FAB-8F0F-73B310D1DADA}" destId="{03833176-FC39-41D1-9420-7FCD042E1965}" srcOrd="0" destOrd="0" presId="urn:microsoft.com/office/officeart/2008/layout/VerticalCurvedList"/>
-    <dgm:cxn modelId="{1D2C9BE7-4120-427A-B519-2C42158A6671}" srcId="{5AABB733-946C-4B5E-82E7-7CFED63CB01E}" destId="{E6E74B08-8244-4FAB-8F0F-73B310D1DADA}" srcOrd="2" destOrd="0" parTransId="{BB60B001-41EE-4FB4-98D7-10030D69EE79}" sibTransId="{80E28CDB-369C-4D52-A635-AD6D3B93BC7B}"/>
+    <dgm:cxn modelId="{61E179A8-C9B2-488C-874B-18037ACF8595}" type="presOf" srcId="{BF94DD74-08D0-457F-95D8-D92EE990F154}" destId="{8F4B445B-0634-41B5-A759-EF71E8A373DB}" srcOrd="0" destOrd="0" presId="urn:microsoft.com/office/officeart/2008/layout/VerticalCurvedList"/>
+    <dgm:cxn modelId="{51A38CB5-9DC6-42FA-BEF1-C241A44F3B5A}" srcId="{5AABB733-946C-4B5E-82E7-7CFED63CB01E}" destId="{456B31EF-BC85-41F7-A965-B14A12BCEEDB}" srcOrd="3" destOrd="0" parTransId="{472052ED-668E-4928-AA26-E5DF731E8B5B}" sibTransId="{DB995FF8-53C5-4B88-AF68-6DD18B75F18D}"/>
+    <dgm:cxn modelId="{8FE6A6CA-2910-4360-A018-E8523E51B1FF}" srcId="{5AABB733-946C-4B5E-82E7-7CFED63CB01E}" destId="{BF94DD74-08D0-457F-95D8-D92EE990F154}" srcOrd="2" destOrd="0" parTransId="{8749C502-D137-4EC6-AF7C-B093381A38C8}" sibTransId="{98DDABC5-CBC6-4D96-AE51-8D10CA2A6030}"/>
+    <dgm:cxn modelId="{1D2C9BE7-4120-427A-B519-2C42158A6671}" srcId="{5AABB733-946C-4B5E-82E7-7CFED63CB01E}" destId="{E6E74B08-8244-4FAB-8F0F-73B310D1DADA}" srcOrd="1" destOrd="0" parTransId="{BB60B001-41EE-4FB4-98D7-10030D69EE79}" sibTransId="{80E28CDB-369C-4D52-A635-AD6D3B93BC7B}"/>
+    <dgm:cxn modelId="{F6286CFC-D5EF-43F1-8737-29EE990B6340}" type="presOf" srcId="{0D759803-289B-4994-AFAA-468622B633D3}" destId="{C8157EB5-A734-40C6-9AF8-6D1A8603E736}" srcOrd="0" destOrd="0" presId="urn:microsoft.com/office/officeart/2008/layout/VerticalCurvedList"/>
     <dgm:cxn modelId="{3327DB72-9C49-4AEF-85B9-011B5D6E0072}" type="presParOf" srcId="{32C78866-ACB6-4415-A309-2E8090A203CD}" destId="{479AD16A-F5F3-4BDF-AE94-14F7C6907CC4}" srcOrd="0" destOrd="0" presId="urn:microsoft.com/office/officeart/2008/layout/VerticalCurvedList"/>
     <dgm:cxn modelId="{19E858F2-3C99-4860-B9C8-EBE51F33F859}" type="presParOf" srcId="{479AD16A-F5F3-4BDF-AE94-14F7C6907CC4}" destId="{3FBB23CD-1A43-4EDF-8EBC-17AD1304E3D9}" srcOrd="0" destOrd="0" presId="urn:microsoft.com/office/officeart/2008/layout/VerticalCurvedList"/>
     <dgm:cxn modelId="{7607AD05-EF0C-4934-BBF9-60A3841A0412}" type="presParOf" srcId="{3FBB23CD-1A43-4EDF-8EBC-17AD1304E3D9}" destId="{1BAC6B0E-B2C2-4644-AE73-B40F4FD43CC2}" srcOrd="0" destOrd="0" presId="urn:microsoft.com/office/officeart/2008/layout/VerticalCurvedList"/>
@@ -1316,24 +2070,1418 @@
     <dgm:cxn modelId="{699D9703-0EEA-4C10-B348-49C1A9B4E4E7}" type="presParOf" srcId="{479AD16A-F5F3-4BDF-AE94-14F7C6907CC4}" destId="{FE5E3899-1946-4C95-8AEE-30CCAE12F8BD}" srcOrd="1" destOrd="0" presId="urn:microsoft.com/office/officeart/2008/layout/VerticalCurvedList"/>
     <dgm:cxn modelId="{D76D507B-7964-4531-869B-6E5137EE1320}" type="presParOf" srcId="{479AD16A-F5F3-4BDF-AE94-14F7C6907CC4}" destId="{AB3F4913-F558-4193-BB36-337FECF6CA50}" srcOrd="2" destOrd="0" presId="urn:microsoft.com/office/officeart/2008/layout/VerticalCurvedList"/>
     <dgm:cxn modelId="{A23323AA-B7D2-45B8-A4EA-CE3E6B697F1F}" type="presParOf" srcId="{AB3F4913-F558-4193-BB36-337FECF6CA50}" destId="{409CAEFE-A918-494A-A59E-5F0AB0610368}" srcOrd="0" destOrd="0" presId="urn:microsoft.com/office/officeart/2008/layout/VerticalCurvedList"/>
-    <dgm:cxn modelId="{7988469F-D707-451E-B733-0698E0FAAD3C}" type="presParOf" srcId="{479AD16A-F5F3-4BDF-AE94-14F7C6907CC4}" destId="{76DF6F2D-C959-47D4-893D-3CF261A01DF1}" srcOrd="3" destOrd="0" presId="urn:microsoft.com/office/officeart/2008/layout/VerticalCurvedList"/>
-    <dgm:cxn modelId="{B046D812-B293-4DB5-B80C-983432A998A3}" type="presParOf" srcId="{479AD16A-F5F3-4BDF-AE94-14F7C6907CC4}" destId="{2DECD489-F4CE-475A-B16A-FCE686307D92}" srcOrd="4" destOrd="0" presId="urn:microsoft.com/office/officeart/2008/layout/VerticalCurvedList"/>
-    <dgm:cxn modelId="{A6A5A650-D5BB-4A22-B39E-30F0B5AC81A5}" type="presParOf" srcId="{2DECD489-F4CE-475A-B16A-FCE686307D92}" destId="{C63ABEC6-0792-411E-96CA-81072ABC3938}" srcOrd="0" destOrd="0" presId="urn:microsoft.com/office/officeart/2008/layout/VerticalCurvedList"/>
-    <dgm:cxn modelId="{061C4059-607E-4F6C-A876-560528634DF0}" type="presParOf" srcId="{479AD16A-F5F3-4BDF-AE94-14F7C6907CC4}" destId="{03833176-FC39-41D1-9420-7FCD042E1965}" srcOrd="5" destOrd="0" presId="urn:microsoft.com/office/officeart/2008/layout/VerticalCurvedList"/>
-    <dgm:cxn modelId="{B95E1850-500F-4E3C-8D11-593B5D455F43}" type="presParOf" srcId="{479AD16A-F5F3-4BDF-AE94-14F7C6907CC4}" destId="{209E0996-DD79-4493-8560-2CED9BD0F268}" srcOrd="6" destOrd="0" presId="urn:microsoft.com/office/officeart/2008/layout/VerticalCurvedList"/>
-    <dgm:cxn modelId="{FAF8D410-535B-4AB8-9DF6-DAF4EB2F6183}" type="presParOf" srcId="{209E0996-DD79-4493-8560-2CED9BD0F268}" destId="{0E28F517-AA14-4125-8FEC-5902D95B0534}" srcOrd="0" destOrd="0" presId="urn:microsoft.com/office/officeart/2008/layout/VerticalCurvedList"/>
-    <dgm:cxn modelId="{8414816A-7A99-4345-895E-212F0E84FB09}" type="presParOf" srcId="{479AD16A-F5F3-4BDF-AE94-14F7C6907CC4}" destId="{422BCAAE-BFFC-4FFB-B38F-513D89E85177}" srcOrd="7" destOrd="0" presId="urn:microsoft.com/office/officeart/2008/layout/VerticalCurvedList"/>
-    <dgm:cxn modelId="{24A88A41-D7B9-48CF-8CB3-2BBAF4B7B487}" type="presParOf" srcId="{479AD16A-F5F3-4BDF-AE94-14F7C6907CC4}" destId="{EA2AC013-02C2-4AF5-A4A6-83778629AD41}" srcOrd="8" destOrd="0" presId="urn:microsoft.com/office/officeart/2008/layout/VerticalCurvedList"/>
-    <dgm:cxn modelId="{5AC2A4F0-82EB-4110-9190-EA56B09F5FED}" type="presParOf" srcId="{EA2AC013-02C2-4AF5-A4A6-83778629AD41}" destId="{440DEB32-FA64-4A00-9532-BFE1721CF593}" srcOrd="0" destOrd="0" presId="urn:microsoft.com/office/officeart/2008/layout/VerticalCurvedList"/>
-    <dgm:cxn modelId="{8CF58BD0-5684-4889-AAAF-F5CBD35792AD}" type="presParOf" srcId="{479AD16A-F5F3-4BDF-AE94-14F7C6907CC4}" destId="{85296A55-DB25-4815-9DB1-21A93877A88F}" srcOrd="9" destOrd="0" presId="urn:microsoft.com/office/officeart/2008/layout/VerticalCurvedList"/>
-    <dgm:cxn modelId="{34DE234B-0854-4586-BC79-ADE69C32B94E}" type="presParOf" srcId="{479AD16A-F5F3-4BDF-AE94-14F7C6907CC4}" destId="{33AC086C-BF4C-48D3-9DB5-35733F334DCA}" srcOrd="10" destOrd="0" presId="urn:microsoft.com/office/officeart/2008/layout/VerticalCurvedList"/>
-    <dgm:cxn modelId="{0E1714FF-0B83-41FB-9079-3B2B55105F55}" type="presParOf" srcId="{33AC086C-BF4C-48D3-9DB5-35733F334DCA}" destId="{DCD31C6F-B4A4-441B-9ABA-6E5299A15EF4}" srcOrd="0" destOrd="0" presId="urn:microsoft.com/office/officeart/2008/layout/VerticalCurvedList"/>
-    <dgm:cxn modelId="{DF0C52A7-5DA9-4E75-BFC4-77B426CE90D0}" type="presParOf" srcId="{479AD16A-F5F3-4BDF-AE94-14F7C6907CC4}" destId="{9F2DB428-75DD-4C2C-A060-7FE857D37D29}" srcOrd="11" destOrd="0" presId="urn:microsoft.com/office/officeart/2008/layout/VerticalCurvedList"/>
-    <dgm:cxn modelId="{DE420D77-B60A-4993-B966-F5629B868B57}" type="presParOf" srcId="{479AD16A-F5F3-4BDF-AE94-14F7C6907CC4}" destId="{6A569E6D-2821-4556-8CD1-24BEB4D1F424}" srcOrd="12" destOrd="0" presId="urn:microsoft.com/office/officeart/2008/layout/VerticalCurvedList"/>
-    <dgm:cxn modelId="{5C125C6C-2ED0-4F14-BB8B-3CFA389E7CE5}" type="presParOf" srcId="{6A569E6D-2821-4556-8CD1-24BEB4D1F424}" destId="{B61375AF-FA91-48FB-AC9D-FF79A8EC4EAB}" srcOrd="0" destOrd="0" presId="urn:microsoft.com/office/officeart/2008/layout/VerticalCurvedList"/>
-    <dgm:cxn modelId="{BC886D70-9893-4894-B843-E09BCD7C60D2}" type="presParOf" srcId="{479AD16A-F5F3-4BDF-AE94-14F7C6907CC4}" destId="{C59A9846-A037-4826-B39A-E22268528F73}" srcOrd="13" destOrd="0" presId="urn:microsoft.com/office/officeart/2008/layout/VerticalCurvedList"/>
-    <dgm:cxn modelId="{EF44D72E-A621-47E2-A742-A486E9214F41}" type="presParOf" srcId="{479AD16A-F5F3-4BDF-AE94-14F7C6907CC4}" destId="{CC33C2CC-F27F-46CC-AD03-770C8AC8B871}" srcOrd="14" destOrd="0" presId="urn:microsoft.com/office/officeart/2008/layout/VerticalCurvedList"/>
-    <dgm:cxn modelId="{A6BBE726-EA3B-46A1-91DD-D9A4C66FB2FA}" type="presParOf" srcId="{CC33C2CC-F27F-46CC-AD03-770C8AC8B871}" destId="{3D3D5864-0F16-4AC5-B6C5-4FE04FA1927B}" srcOrd="0" destOrd="0" presId="urn:microsoft.com/office/officeart/2008/layout/VerticalCurvedList"/>
+    <dgm:cxn modelId="{E407E763-844C-499D-99CF-E3B0CAC2BA80}" type="presParOf" srcId="{479AD16A-F5F3-4BDF-AE94-14F7C6907CC4}" destId="{EDFF3247-D9D1-46D7-9911-D5F9783E4079}" srcOrd="3" destOrd="0" presId="urn:microsoft.com/office/officeart/2008/layout/VerticalCurvedList"/>
+    <dgm:cxn modelId="{D88DEEDC-4ABD-439A-9049-906842F84ABF}" type="presParOf" srcId="{479AD16A-F5F3-4BDF-AE94-14F7C6907CC4}" destId="{A25531AD-842E-4581-B7F6-5119430E2784}" srcOrd="4" destOrd="0" presId="urn:microsoft.com/office/officeart/2008/layout/VerticalCurvedList"/>
+    <dgm:cxn modelId="{1A0170F2-375C-4CA5-A084-B997B3FB800B}" type="presParOf" srcId="{A25531AD-842E-4581-B7F6-5119430E2784}" destId="{0E28F517-AA14-4125-8FEC-5902D95B0534}" srcOrd="0" destOrd="0" presId="urn:microsoft.com/office/officeart/2008/layout/VerticalCurvedList"/>
+    <dgm:cxn modelId="{A2D35185-AC81-4BF4-A5B7-F97084E16A0C}" type="presParOf" srcId="{479AD16A-F5F3-4BDF-AE94-14F7C6907CC4}" destId="{8F4B445B-0634-41B5-A759-EF71E8A373DB}" srcOrd="5" destOrd="0" presId="urn:microsoft.com/office/officeart/2008/layout/VerticalCurvedList"/>
+    <dgm:cxn modelId="{838F103F-2B25-4AEA-A121-AA22C77CB7D9}" type="presParOf" srcId="{479AD16A-F5F3-4BDF-AE94-14F7C6907CC4}" destId="{613A945C-72B6-434B-B8E9-48422CC6C957}" srcOrd="6" destOrd="0" presId="urn:microsoft.com/office/officeart/2008/layout/VerticalCurvedList"/>
+    <dgm:cxn modelId="{08B3DF36-A31F-4B13-9A80-74DA00E54686}" type="presParOf" srcId="{613A945C-72B6-434B-B8E9-48422CC6C957}" destId="{440DEB32-FA64-4A00-9532-BFE1721CF593}" srcOrd="0" destOrd="0" presId="urn:microsoft.com/office/officeart/2008/layout/VerticalCurvedList"/>
+    <dgm:cxn modelId="{E90AF7A5-5FFC-4AC8-A76F-65AFF7306349}" type="presParOf" srcId="{479AD16A-F5F3-4BDF-AE94-14F7C6907CC4}" destId="{AE12E3B6-A59A-476C-B1C6-061FF450ACD7}" srcOrd="7" destOrd="0" presId="urn:microsoft.com/office/officeart/2008/layout/VerticalCurvedList"/>
+    <dgm:cxn modelId="{04D18AA8-56C5-46E6-9D6A-FF7F3568DED1}" type="presParOf" srcId="{479AD16A-F5F3-4BDF-AE94-14F7C6907CC4}" destId="{B6DD621D-E14B-468C-8AC4-685605F27153}" srcOrd="8" destOrd="0" presId="urn:microsoft.com/office/officeart/2008/layout/VerticalCurvedList"/>
+    <dgm:cxn modelId="{D13C8265-B261-4D69-90E4-39BC5740C2DB}" type="presParOf" srcId="{B6DD621D-E14B-468C-8AC4-685605F27153}" destId="{DCD31C6F-B4A4-441B-9ABA-6E5299A15EF4}" srcOrd="0" destOrd="0" presId="urn:microsoft.com/office/officeart/2008/layout/VerticalCurvedList"/>
+    <dgm:cxn modelId="{B4D2FEE0-32E5-46EF-90B4-315529B5F460}" type="presParOf" srcId="{479AD16A-F5F3-4BDF-AE94-14F7C6907CC4}" destId="{32B19852-7F64-4EF2-920C-949D6E6B9955}" srcOrd="9" destOrd="0" presId="urn:microsoft.com/office/officeart/2008/layout/VerticalCurvedList"/>
+    <dgm:cxn modelId="{DDACD1DA-9A11-474D-B2AB-6DC18A979500}" type="presParOf" srcId="{479AD16A-F5F3-4BDF-AE94-14F7C6907CC4}" destId="{91662FEE-C03E-4655-85BC-A12629E4118E}" srcOrd="10" destOrd="0" presId="urn:microsoft.com/office/officeart/2008/layout/VerticalCurvedList"/>
+    <dgm:cxn modelId="{D5799BA5-C8AF-426B-ACCD-C84DC19B4146}" type="presParOf" srcId="{91662FEE-C03E-4655-85BC-A12629E4118E}" destId="{DB86C76E-C45B-4057-BE63-E4AFB0ED6DEC}" srcOrd="0" destOrd="0" presId="urn:microsoft.com/office/officeart/2008/layout/VerticalCurvedList"/>
+    <dgm:cxn modelId="{B9888AC0-E008-4AFF-A307-C03ED3D5DE33}" type="presParOf" srcId="{479AD16A-F5F3-4BDF-AE94-14F7C6907CC4}" destId="{2E93C458-0F1B-41C3-B165-E176C19542EE}" srcOrd="11" destOrd="0" presId="urn:microsoft.com/office/officeart/2008/layout/VerticalCurvedList"/>
+    <dgm:cxn modelId="{2E32F2A4-ADF7-4D81-8B5C-358DEA0CD76E}" type="presParOf" srcId="{479AD16A-F5F3-4BDF-AE94-14F7C6907CC4}" destId="{E79ABA20-52A0-495A-B20F-CC46853D0EB6}" srcOrd="12" destOrd="0" presId="urn:microsoft.com/office/officeart/2008/layout/VerticalCurvedList"/>
+    <dgm:cxn modelId="{F584C669-13E9-4DEB-B2F4-AEC1B89CC521}" type="presParOf" srcId="{E79ABA20-52A0-495A-B20F-CC46853D0EB6}" destId="{B61375AF-FA91-48FB-AC9D-FF79A8EC4EAB}" srcOrd="0" destOrd="0" presId="urn:microsoft.com/office/officeart/2008/layout/VerticalCurvedList"/>
+    <dgm:cxn modelId="{E548B53B-BE02-4351-8BB2-F6B586CA8597}" type="presParOf" srcId="{479AD16A-F5F3-4BDF-AE94-14F7C6907CC4}" destId="{C8157EB5-A734-40C6-9AF8-6D1A8603E736}" srcOrd="13" destOrd="0" presId="urn:microsoft.com/office/officeart/2008/layout/VerticalCurvedList"/>
+    <dgm:cxn modelId="{E41290BD-69C8-4B45-A4D4-E57B3ACF84C0}" type="presParOf" srcId="{479AD16A-F5F3-4BDF-AE94-14F7C6907CC4}" destId="{013C1A15-0A24-4F7C-89A9-43B82E6586ED}" srcOrd="14" destOrd="0" presId="urn:microsoft.com/office/officeart/2008/layout/VerticalCurvedList"/>
+    <dgm:cxn modelId="{92C5F301-BC94-4CEC-B768-DEA53FAF3F31}" type="presParOf" srcId="{013C1A15-0A24-4F7C-89A9-43B82E6586ED}" destId="{3D3D5864-0F16-4AC5-B6C5-4FE04FA1927B}" srcOrd="0" destOrd="0" presId="urn:microsoft.com/office/officeart/2008/layout/VerticalCurvedList"/>
+  </dgm:cxnLst>
+  <dgm:bg/>
+  <dgm:whole/>
+  <dgm:extLst>
+    <a:ext uri="http://schemas.microsoft.com/office/drawing/2008/diagram">
+      <dsp:dataModelExt xmlns:dsp="http://schemas.microsoft.com/office/drawing/2008/diagram" relId="rId6" minVer="http://schemas.openxmlformats.org/drawingml/2006/diagram"/>
+    </a:ext>
+  </dgm:extLst>
+</dgm:dataModel>
+</file>
+
+<file path=ppt/diagrams/data2.xml><?xml version="1.0" encoding="utf-8"?>
+<dgm:dataModel xmlns:dgm="http://schemas.openxmlformats.org/drawingml/2006/diagram" xmlns:a="http://schemas.openxmlformats.org/drawingml/2006/main">
+  <dgm:ptLst>
+    <dgm:pt modelId="{A16D6936-60C2-40E0-AC18-CF294EC56CF0}" type="doc">
+      <dgm:prSet loTypeId="urn:microsoft.com/office/officeart/2005/8/layout/hList1" loCatId="list" qsTypeId="urn:microsoft.com/office/officeart/2005/8/quickstyle/simple1" qsCatId="simple" csTypeId="urn:microsoft.com/office/officeart/2005/8/colors/accent1_2" csCatId="accent1" phldr="1"/>
+      <dgm:spPr/>
+      <dgm:t>
+        <a:bodyPr/>
+        <a:lstStyle/>
+        <a:p>
+          <a:endParaRPr lang="en-IN"/>
+        </a:p>
+      </dgm:t>
+    </dgm:pt>
+    <dgm:pt modelId="{92438DEC-304E-49AF-AC9E-73F01BBD4D26}">
+      <dgm:prSet phldrT="[Text]"/>
+      <dgm:spPr/>
+      <dgm:t>
+        <a:bodyPr/>
+        <a:lstStyle/>
+        <a:p>
+          <a:r>
+            <a:rPr lang="en-US" dirty="0"/>
+            <a:t>Demographic Information</a:t>
+          </a:r>
+          <a:endParaRPr lang="en-IN" dirty="0"/>
+        </a:p>
+      </dgm:t>
+    </dgm:pt>
+    <dgm:pt modelId="{410C30C7-6B23-42A6-BFD7-FA46B024F592}" type="parTrans" cxnId="{2F5CCA95-10E1-4A5B-AD2A-9025007BFAB4}">
+      <dgm:prSet/>
+      <dgm:spPr/>
+      <dgm:t>
+        <a:bodyPr/>
+        <a:lstStyle/>
+        <a:p>
+          <a:endParaRPr lang="en-IN"/>
+        </a:p>
+      </dgm:t>
+    </dgm:pt>
+    <dgm:pt modelId="{DF505F4B-1993-4563-B12E-5175FF96BFC1}" type="sibTrans" cxnId="{2F5CCA95-10E1-4A5B-AD2A-9025007BFAB4}">
+      <dgm:prSet/>
+      <dgm:spPr/>
+      <dgm:t>
+        <a:bodyPr/>
+        <a:lstStyle/>
+        <a:p>
+          <a:endParaRPr lang="en-IN"/>
+        </a:p>
+      </dgm:t>
+    </dgm:pt>
+    <dgm:pt modelId="{004A14BD-A58B-4AC2-9286-724B62B0215D}">
+      <dgm:prSet phldrT="[Text]" custT="1"/>
+      <dgm:spPr/>
+      <dgm:t>
+        <a:bodyPr/>
+        <a:lstStyle/>
+        <a:p>
+          <a:pPr>
+            <a:spcAft>
+              <a:spcPts val="600"/>
+            </a:spcAft>
+          </a:pPr>
+          <a:r>
+            <a:rPr lang="en-US" sz="1200" dirty="0"/>
+            <a:t>Gender (M, F)</a:t>
+          </a:r>
+          <a:endParaRPr lang="en-IN" sz="1200" dirty="0"/>
+        </a:p>
+      </dgm:t>
+    </dgm:pt>
+    <dgm:pt modelId="{87C710F5-4850-42EE-8D2D-1D399CEB9D19}" type="parTrans" cxnId="{3F945594-0749-4533-9011-7A8D8D049B04}">
+      <dgm:prSet/>
+      <dgm:spPr/>
+      <dgm:t>
+        <a:bodyPr/>
+        <a:lstStyle/>
+        <a:p>
+          <a:endParaRPr lang="en-IN"/>
+        </a:p>
+      </dgm:t>
+    </dgm:pt>
+    <dgm:pt modelId="{189DBCC6-278A-46A8-ABC9-783A57A08FC4}" type="sibTrans" cxnId="{3F945594-0749-4533-9011-7A8D8D049B04}">
+      <dgm:prSet/>
+      <dgm:spPr/>
+      <dgm:t>
+        <a:bodyPr/>
+        <a:lstStyle/>
+        <a:p>
+          <a:endParaRPr lang="en-IN"/>
+        </a:p>
+      </dgm:t>
+    </dgm:pt>
+    <dgm:pt modelId="{FF21CF87-F000-40D5-B0D4-D13EA6B657C4}">
+      <dgm:prSet phldrT="[Text]"/>
+      <dgm:spPr/>
+      <dgm:t>
+        <a:bodyPr/>
+        <a:lstStyle/>
+        <a:p>
+          <a:r>
+            <a:rPr lang="en-US" dirty="0"/>
+            <a:t>Customer Account information</a:t>
+          </a:r>
+          <a:endParaRPr lang="en-IN" dirty="0"/>
+        </a:p>
+      </dgm:t>
+    </dgm:pt>
+    <dgm:pt modelId="{BC12EDD2-14C9-4022-B82C-260A7035C5E5}" type="parTrans" cxnId="{13B3F3D0-863E-4416-B3D4-450A568FBFB1}">
+      <dgm:prSet/>
+      <dgm:spPr/>
+      <dgm:t>
+        <a:bodyPr/>
+        <a:lstStyle/>
+        <a:p>
+          <a:endParaRPr lang="en-IN"/>
+        </a:p>
+      </dgm:t>
+    </dgm:pt>
+    <dgm:pt modelId="{85D5D652-2DE4-41B4-93DD-987ABC7C5A91}" type="sibTrans" cxnId="{13B3F3D0-863E-4416-B3D4-450A568FBFB1}">
+      <dgm:prSet/>
+      <dgm:spPr/>
+      <dgm:t>
+        <a:bodyPr/>
+        <a:lstStyle/>
+        <a:p>
+          <a:endParaRPr lang="en-IN"/>
+        </a:p>
+      </dgm:t>
+    </dgm:pt>
+    <dgm:pt modelId="{616A2396-DF90-492E-BF03-0246C02E704F}">
+      <dgm:prSet phldrT="[Text]" custT="1"/>
+      <dgm:spPr/>
+      <dgm:t>
+        <a:bodyPr/>
+        <a:lstStyle/>
+        <a:p>
+          <a:pPr>
+            <a:spcAft>
+              <a:spcPts val="600"/>
+            </a:spcAft>
+          </a:pPr>
+          <a:r>
+            <a:rPr lang="en-US" sz="1200" dirty="0"/>
+            <a:t>Tenure: # of months (Numeric value)</a:t>
+          </a:r>
+          <a:endParaRPr lang="en-IN" sz="1200" dirty="0"/>
+        </a:p>
+      </dgm:t>
+    </dgm:pt>
+    <dgm:pt modelId="{926CB347-F83A-494C-A1C6-9585C0B0BC87}" type="parTrans" cxnId="{99A023CE-333B-434C-8180-2E9D703646BF}">
+      <dgm:prSet/>
+      <dgm:spPr/>
+      <dgm:t>
+        <a:bodyPr/>
+        <a:lstStyle/>
+        <a:p>
+          <a:endParaRPr lang="en-IN"/>
+        </a:p>
+      </dgm:t>
+    </dgm:pt>
+    <dgm:pt modelId="{43E58899-FC81-4F0F-AAB7-1F9ED8F1DBF0}" type="sibTrans" cxnId="{99A023CE-333B-434C-8180-2E9D703646BF}">
+      <dgm:prSet/>
+      <dgm:spPr/>
+      <dgm:t>
+        <a:bodyPr/>
+        <a:lstStyle/>
+        <a:p>
+          <a:endParaRPr lang="en-IN"/>
+        </a:p>
+      </dgm:t>
+    </dgm:pt>
+    <dgm:pt modelId="{0D4E03DF-9433-473A-B680-12CE1D0B5F4B}">
+      <dgm:prSet phldrT="[Text]"/>
+      <dgm:spPr/>
+      <dgm:t>
+        <a:bodyPr/>
+        <a:lstStyle/>
+        <a:p>
+          <a:r>
+            <a:rPr lang="en-US" dirty="0"/>
+            <a:t>Service Information</a:t>
+          </a:r>
+          <a:endParaRPr lang="en-IN" dirty="0"/>
+        </a:p>
+      </dgm:t>
+    </dgm:pt>
+    <dgm:pt modelId="{8F87BAD7-F410-48F4-9E3E-695BC09CD89A}" type="parTrans" cxnId="{F02071F8-719D-4455-91AD-B77100621E2D}">
+      <dgm:prSet/>
+      <dgm:spPr/>
+      <dgm:t>
+        <a:bodyPr/>
+        <a:lstStyle/>
+        <a:p>
+          <a:endParaRPr lang="en-IN"/>
+        </a:p>
+      </dgm:t>
+    </dgm:pt>
+    <dgm:pt modelId="{EBB817FE-509A-4695-80BB-25C34ABBE6F3}" type="sibTrans" cxnId="{F02071F8-719D-4455-91AD-B77100621E2D}">
+      <dgm:prSet/>
+      <dgm:spPr/>
+      <dgm:t>
+        <a:bodyPr/>
+        <a:lstStyle/>
+        <a:p>
+          <a:endParaRPr lang="en-IN"/>
+        </a:p>
+      </dgm:t>
+    </dgm:pt>
+    <dgm:pt modelId="{63FCE5AC-8511-4B8A-B91A-20B80F9E2F27}">
+      <dgm:prSet phldrT="[Text]" custT="1"/>
+      <dgm:spPr/>
+      <dgm:t>
+        <a:bodyPr/>
+        <a:lstStyle/>
+        <a:p>
+          <a:pPr marL="114300" lvl="1" indent="-114300" algn="l" defTabSz="533400">
+            <a:lnSpc>
+              <a:spcPct val="90000"/>
+            </a:lnSpc>
+            <a:spcBef>
+              <a:spcPct val="0"/>
+            </a:spcBef>
+            <a:spcAft>
+              <a:spcPts val="600"/>
+            </a:spcAft>
+            <a:buChar char="•"/>
+          </a:pPr>
+          <a:r>
+            <a:rPr lang="en-US" sz="1200" kern="1200" dirty="0">
+              <a:solidFill>
+                <a:prstClr val="black">
+                  <a:hueOff val="0"/>
+                  <a:satOff val="0"/>
+                  <a:lumOff val="0"/>
+                  <a:alphaOff val="0"/>
+                </a:prstClr>
+              </a:solidFill>
+              <a:latin typeface="Trebuchet MS" panose="020B0603020202020204"/>
+              <a:ea typeface="+mn-ea"/>
+              <a:cs typeface="+mn-cs"/>
+            </a:rPr>
+            <a:t>Phone Service (Yes, No)</a:t>
+          </a:r>
+          <a:endParaRPr lang="en-IN" sz="1200" kern="1200" dirty="0">
+            <a:solidFill>
+              <a:prstClr val="black">
+                <a:hueOff val="0"/>
+                <a:satOff val="0"/>
+                <a:lumOff val="0"/>
+                <a:alphaOff val="0"/>
+              </a:prstClr>
+            </a:solidFill>
+            <a:latin typeface="Trebuchet MS" panose="020B0603020202020204"/>
+            <a:ea typeface="+mn-ea"/>
+            <a:cs typeface="+mn-cs"/>
+          </a:endParaRPr>
+        </a:p>
+      </dgm:t>
+    </dgm:pt>
+    <dgm:pt modelId="{237C4198-1885-4318-9E23-9FF74D41AAC6}" type="parTrans" cxnId="{F66BC296-E0CD-453A-940A-24ABC1885FA3}">
+      <dgm:prSet/>
+      <dgm:spPr/>
+      <dgm:t>
+        <a:bodyPr/>
+        <a:lstStyle/>
+        <a:p>
+          <a:endParaRPr lang="en-IN"/>
+        </a:p>
+      </dgm:t>
+    </dgm:pt>
+    <dgm:pt modelId="{340FBFF2-8E97-443A-A6D1-671065B0C8CD}" type="sibTrans" cxnId="{F66BC296-E0CD-453A-940A-24ABC1885FA3}">
+      <dgm:prSet/>
+      <dgm:spPr/>
+      <dgm:t>
+        <a:bodyPr/>
+        <a:lstStyle/>
+        <a:p>
+          <a:endParaRPr lang="en-IN"/>
+        </a:p>
+      </dgm:t>
+    </dgm:pt>
+    <dgm:pt modelId="{625F4A50-FDD7-4E52-AA29-C9BE3660B1C7}">
+      <dgm:prSet phldrT="[Text]" custT="1"/>
+      <dgm:spPr/>
+      <dgm:t>
+        <a:bodyPr/>
+        <a:lstStyle/>
+        <a:p>
+          <a:pPr marL="114300" lvl="1" indent="-114300" algn="l" defTabSz="533400">
+            <a:lnSpc>
+              <a:spcPct val="90000"/>
+            </a:lnSpc>
+            <a:spcBef>
+              <a:spcPct val="0"/>
+            </a:spcBef>
+            <a:spcAft>
+              <a:spcPts val="600"/>
+            </a:spcAft>
+            <a:buChar char="•"/>
+          </a:pPr>
+          <a:r>
+            <a:rPr lang="en-US" sz="1200" kern="1200" dirty="0">
+              <a:solidFill>
+                <a:prstClr val="black">
+                  <a:hueOff val="0"/>
+                  <a:satOff val="0"/>
+                  <a:lumOff val="0"/>
+                  <a:alphaOff val="0"/>
+                </a:prstClr>
+              </a:solidFill>
+              <a:latin typeface="Trebuchet MS" panose="020B0603020202020204"/>
+              <a:ea typeface="+mn-ea"/>
+              <a:cs typeface="+mn-cs"/>
+            </a:rPr>
+            <a:t>Multiple Lines (No Phone, Yes, No)</a:t>
+          </a:r>
+          <a:endParaRPr lang="en-IN" sz="1200" kern="1200" dirty="0">
+            <a:solidFill>
+              <a:prstClr val="black">
+                <a:hueOff val="0"/>
+                <a:satOff val="0"/>
+                <a:lumOff val="0"/>
+                <a:alphaOff val="0"/>
+              </a:prstClr>
+            </a:solidFill>
+            <a:latin typeface="Trebuchet MS" panose="020B0603020202020204"/>
+            <a:ea typeface="+mn-ea"/>
+            <a:cs typeface="+mn-cs"/>
+          </a:endParaRPr>
+        </a:p>
+      </dgm:t>
+    </dgm:pt>
+    <dgm:pt modelId="{56AF76C8-BFE8-4F97-A79C-4D676B44BED7}" type="parTrans" cxnId="{F489D0A4-C6D0-4D6F-BA61-B54BFD47FBFF}">
+      <dgm:prSet/>
+      <dgm:spPr/>
+      <dgm:t>
+        <a:bodyPr/>
+        <a:lstStyle/>
+        <a:p>
+          <a:endParaRPr lang="en-IN"/>
+        </a:p>
+      </dgm:t>
+    </dgm:pt>
+    <dgm:pt modelId="{0B5227B5-B335-4197-AB82-DFA90FCF24B4}" type="sibTrans" cxnId="{F489D0A4-C6D0-4D6F-BA61-B54BFD47FBFF}">
+      <dgm:prSet/>
+      <dgm:spPr/>
+      <dgm:t>
+        <a:bodyPr/>
+        <a:lstStyle/>
+        <a:p>
+          <a:endParaRPr lang="en-IN"/>
+        </a:p>
+      </dgm:t>
+    </dgm:pt>
+    <dgm:pt modelId="{E18069FD-8D1F-4765-857D-733300EDFC83}">
+      <dgm:prSet phldrT="[Text]" custT="1"/>
+      <dgm:spPr/>
+      <dgm:t>
+        <a:bodyPr/>
+        <a:lstStyle/>
+        <a:p>
+          <a:pPr>
+            <a:spcAft>
+              <a:spcPts val="600"/>
+            </a:spcAft>
+          </a:pPr>
+          <a:r>
+            <a:rPr lang="en-US" sz="1200" dirty="0"/>
+            <a:t>Senior citizen (0,1)</a:t>
+          </a:r>
+          <a:endParaRPr lang="en-IN" sz="1200" dirty="0"/>
+        </a:p>
+      </dgm:t>
+    </dgm:pt>
+    <dgm:pt modelId="{598DCB60-3EA9-45E5-87B9-1C161116879E}" type="parTrans" cxnId="{87A6DE8D-2072-4DA6-8FB5-E49E107183D5}">
+      <dgm:prSet/>
+      <dgm:spPr/>
+      <dgm:t>
+        <a:bodyPr/>
+        <a:lstStyle/>
+        <a:p>
+          <a:endParaRPr lang="en-IN"/>
+        </a:p>
+      </dgm:t>
+    </dgm:pt>
+    <dgm:pt modelId="{489E4C65-2C33-4B1A-B02B-15FC97032158}" type="sibTrans" cxnId="{87A6DE8D-2072-4DA6-8FB5-E49E107183D5}">
+      <dgm:prSet/>
+      <dgm:spPr/>
+      <dgm:t>
+        <a:bodyPr/>
+        <a:lstStyle/>
+        <a:p>
+          <a:endParaRPr lang="en-IN"/>
+        </a:p>
+      </dgm:t>
+    </dgm:pt>
+    <dgm:pt modelId="{E757BE40-F2B2-4F8C-95DA-C3EB197339D3}">
+      <dgm:prSet phldrT="[Text]" custT="1"/>
+      <dgm:spPr/>
+      <dgm:t>
+        <a:bodyPr/>
+        <a:lstStyle/>
+        <a:p>
+          <a:pPr>
+            <a:spcAft>
+              <a:spcPts val="600"/>
+            </a:spcAft>
+          </a:pPr>
+          <a:r>
+            <a:rPr lang="en-US" sz="1200" dirty="0"/>
+            <a:t>Partner (Yes, No)</a:t>
+          </a:r>
+          <a:endParaRPr lang="en-IN" sz="1200" dirty="0"/>
+        </a:p>
+      </dgm:t>
+    </dgm:pt>
+    <dgm:pt modelId="{DD9162D4-AF65-40CC-BE56-4A767E400464}" type="parTrans" cxnId="{B2A67717-89AC-43BB-A07B-175B3158B9DE}">
+      <dgm:prSet/>
+      <dgm:spPr/>
+      <dgm:t>
+        <a:bodyPr/>
+        <a:lstStyle/>
+        <a:p>
+          <a:endParaRPr lang="en-IN"/>
+        </a:p>
+      </dgm:t>
+    </dgm:pt>
+    <dgm:pt modelId="{31BFFFCA-7216-4453-9236-4BC573CFDD8E}" type="sibTrans" cxnId="{B2A67717-89AC-43BB-A07B-175B3158B9DE}">
+      <dgm:prSet/>
+      <dgm:spPr/>
+      <dgm:t>
+        <a:bodyPr/>
+        <a:lstStyle/>
+        <a:p>
+          <a:endParaRPr lang="en-IN"/>
+        </a:p>
+      </dgm:t>
+    </dgm:pt>
+    <dgm:pt modelId="{97367020-5D1D-4522-89D8-4AAC3F761BDE}">
+      <dgm:prSet phldrT="[Text]" custT="1"/>
+      <dgm:spPr/>
+      <dgm:t>
+        <a:bodyPr/>
+        <a:lstStyle/>
+        <a:p>
+          <a:pPr>
+            <a:spcAft>
+              <a:spcPts val="600"/>
+            </a:spcAft>
+          </a:pPr>
+          <a:r>
+            <a:rPr lang="en-US" sz="1200" dirty="0"/>
+            <a:t>Dependents(Yes, No)</a:t>
+          </a:r>
+          <a:endParaRPr lang="en-IN" sz="1300" dirty="0"/>
+        </a:p>
+      </dgm:t>
+    </dgm:pt>
+    <dgm:pt modelId="{76C19613-69FC-4509-89C8-A153E05692F3}" type="parTrans" cxnId="{C73B4BA1-7BD8-49EF-8DD9-5733739B570E}">
+      <dgm:prSet/>
+      <dgm:spPr/>
+      <dgm:t>
+        <a:bodyPr/>
+        <a:lstStyle/>
+        <a:p>
+          <a:endParaRPr lang="en-IN"/>
+        </a:p>
+      </dgm:t>
+    </dgm:pt>
+    <dgm:pt modelId="{6E16994A-D6B3-408E-8620-5C4CC5FB8E5D}" type="sibTrans" cxnId="{C73B4BA1-7BD8-49EF-8DD9-5733739B570E}">
+      <dgm:prSet/>
+      <dgm:spPr/>
+      <dgm:t>
+        <a:bodyPr/>
+        <a:lstStyle/>
+        <a:p>
+          <a:endParaRPr lang="en-IN"/>
+        </a:p>
+      </dgm:t>
+    </dgm:pt>
+    <dgm:pt modelId="{7495EAF9-C937-4281-A04F-E9A10F2E2921}">
+      <dgm:prSet phldrT="[Text]" custT="1"/>
+      <dgm:spPr/>
+      <dgm:t>
+        <a:bodyPr/>
+        <a:lstStyle/>
+        <a:p>
+          <a:pPr>
+            <a:spcAft>
+              <a:spcPts val="600"/>
+            </a:spcAft>
+          </a:pPr>
+          <a:r>
+            <a:rPr lang="en-IN" sz="1200" dirty="0"/>
+            <a:t>Payment Method </a:t>
+          </a:r>
+          <a:r>
+            <a:rPr lang="en-US" sz="1200" dirty="0"/>
+            <a:t>(Electronic check, Mailed check, Bank transfer (automatic), Credit Card (automatic))</a:t>
+          </a:r>
+          <a:endParaRPr lang="en-IN" sz="1200" dirty="0"/>
+        </a:p>
+      </dgm:t>
+    </dgm:pt>
+    <dgm:pt modelId="{0C17EEEE-4EF6-417C-9DC0-8483984231A5}" type="parTrans" cxnId="{A6EAABCB-EA94-491B-8A3E-050A43F9A2A6}">
+      <dgm:prSet/>
+      <dgm:spPr/>
+      <dgm:t>
+        <a:bodyPr/>
+        <a:lstStyle/>
+        <a:p>
+          <a:endParaRPr lang="en-IN"/>
+        </a:p>
+      </dgm:t>
+    </dgm:pt>
+    <dgm:pt modelId="{970A1208-66B9-42AC-8981-A3B1CE7D1831}" type="sibTrans" cxnId="{A6EAABCB-EA94-491B-8A3E-050A43F9A2A6}">
+      <dgm:prSet/>
+      <dgm:spPr/>
+      <dgm:t>
+        <a:bodyPr/>
+        <a:lstStyle/>
+        <a:p>
+          <a:endParaRPr lang="en-IN"/>
+        </a:p>
+      </dgm:t>
+    </dgm:pt>
+    <dgm:pt modelId="{C50CF636-6496-49F1-AA3C-2A52CAA23070}">
+      <dgm:prSet custT="1"/>
+      <dgm:spPr/>
+      <dgm:t>
+        <a:bodyPr/>
+        <a:lstStyle/>
+        <a:p>
+          <a:pPr>
+            <a:spcAft>
+              <a:spcPts val="600"/>
+            </a:spcAft>
+          </a:pPr>
+          <a:r>
+            <a:rPr lang="en-US" sz="1200" dirty="0"/>
+            <a:t>Contract (Month-to-month, One Year, Two Year)</a:t>
+          </a:r>
+          <a:endParaRPr lang="en-IN" sz="1200" dirty="0"/>
+        </a:p>
+      </dgm:t>
+    </dgm:pt>
+    <dgm:pt modelId="{1B217112-763A-4DA3-85AF-8C8AFDF90EC8}" type="parTrans" cxnId="{18E87339-D1AB-46F7-BC8E-3311A274D14E}">
+      <dgm:prSet/>
+      <dgm:spPr/>
+      <dgm:t>
+        <a:bodyPr/>
+        <a:lstStyle/>
+        <a:p>
+          <a:endParaRPr lang="en-IN"/>
+        </a:p>
+      </dgm:t>
+    </dgm:pt>
+    <dgm:pt modelId="{B00BA470-EC75-49C1-997E-FE58AF485EFF}" type="sibTrans" cxnId="{18E87339-D1AB-46F7-BC8E-3311A274D14E}">
+      <dgm:prSet/>
+      <dgm:spPr/>
+      <dgm:t>
+        <a:bodyPr/>
+        <a:lstStyle/>
+        <a:p>
+          <a:endParaRPr lang="en-IN"/>
+        </a:p>
+      </dgm:t>
+    </dgm:pt>
+    <dgm:pt modelId="{434DFE55-580F-4A4B-B564-C67E95769BED}">
+      <dgm:prSet phldrT="[Text]" custT="1"/>
+      <dgm:spPr/>
+      <dgm:t>
+        <a:bodyPr/>
+        <a:lstStyle/>
+        <a:p>
+          <a:pPr>
+            <a:spcAft>
+              <a:spcPts val="600"/>
+            </a:spcAft>
+          </a:pPr>
+          <a:r>
+            <a:rPr lang="en-US" sz="1200" dirty="0"/>
+            <a:t>Paperless Billing (Yes, No)</a:t>
+          </a:r>
+          <a:endParaRPr lang="en-IN" sz="1200" dirty="0"/>
+        </a:p>
+      </dgm:t>
+    </dgm:pt>
+    <dgm:pt modelId="{133A1344-FCFC-41B7-B86D-B28F7FA44ACB}" type="parTrans" cxnId="{37C7E5D0-36D3-4AAE-990D-3983B4249CFD}">
+      <dgm:prSet/>
+      <dgm:spPr/>
+      <dgm:t>
+        <a:bodyPr/>
+        <a:lstStyle/>
+        <a:p>
+          <a:endParaRPr lang="en-IN"/>
+        </a:p>
+      </dgm:t>
+    </dgm:pt>
+    <dgm:pt modelId="{9A30BC66-C88B-4933-A236-ADCD2B7AC5CB}" type="sibTrans" cxnId="{37C7E5D0-36D3-4AAE-990D-3983B4249CFD}">
+      <dgm:prSet/>
+      <dgm:spPr/>
+      <dgm:t>
+        <a:bodyPr/>
+        <a:lstStyle/>
+        <a:p>
+          <a:endParaRPr lang="en-IN"/>
+        </a:p>
+      </dgm:t>
+    </dgm:pt>
+    <dgm:pt modelId="{B4A99861-9B9F-4818-BDC5-C460CA5C2298}">
+      <dgm:prSet phldrT="[Text]" custT="1"/>
+      <dgm:spPr/>
+      <dgm:t>
+        <a:bodyPr/>
+        <a:lstStyle/>
+        <a:p>
+          <a:pPr>
+            <a:spcAft>
+              <a:spcPts val="600"/>
+            </a:spcAft>
+          </a:pPr>
+          <a:r>
+            <a:rPr lang="en-US" sz="1200" dirty="0"/>
+            <a:t>Monthly Charges: Amount (Numeric Value)</a:t>
+          </a:r>
+          <a:endParaRPr lang="en-IN" sz="1200" dirty="0"/>
+        </a:p>
+      </dgm:t>
+    </dgm:pt>
+    <dgm:pt modelId="{352A1CCB-A845-4D9C-B550-9B1A4D9EB16C}" type="parTrans" cxnId="{194F2C0C-1B30-4CF2-BB3D-9590292DE9D4}">
+      <dgm:prSet/>
+      <dgm:spPr/>
+      <dgm:t>
+        <a:bodyPr/>
+        <a:lstStyle/>
+        <a:p>
+          <a:endParaRPr lang="en-IN"/>
+        </a:p>
+      </dgm:t>
+    </dgm:pt>
+    <dgm:pt modelId="{E50A6D6E-A029-4E87-BC78-88CFC355BB31}" type="sibTrans" cxnId="{194F2C0C-1B30-4CF2-BB3D-9590292DE9D4}">
+      <dgm:prSet/>
+      <dgm:spPr/>
+      <dgm:t>
+        <a:bodyPr/>
+        <a:lstStyle/>
+        <a:p>
+          <a:endParaRPr lang="en-IN"/>
+        </a:p>
+      </dgm:t>
+    </dgm:pt>
+    <dgm:pt modelId="{F8061F5F-9935-42BB-8D7E-8AEB1C44B599}">
+      <dgm:prSet phldrT="[Text]" custT="1"/>
+      <dgm:spPr/>
+      <dgm:t>
+        <a:bodyPr/>
+        <a:lstStyle/>
+        <a:p>
+          <a:pPr>
+            <a:spcAft>
+              <a:spcPts val="600"/>
+            </a:spcAft>
+          </a:pPr>
+          <a:r>
+            <a:rPr lang="en-US" sz="1200" dirty="0"/>
+            <a:t>Total Charges: Amount (Numeric Value)</a:t>
+          </a:r>
+          <a:endParaRPr lang="en-IN" sz="1300" dirty="0"/>
+        </a:p>
+      </dgm:t>
+    </dgm:pt>
+    <dgm:pt modelId="{90308DD9-5709-4508-B910-72F71C334ADF}" type="parTrans" cxnId="{36364DB1-0D05-43E5-B61B-D28EEE480FB1}">
+      <dgm:prSet/>
+      <dgm:spPr/>
+      <dgm:t>
+        <a:bodyPr/>
+        <a:lstStyle/>
+        <a:p>
+          <a:endParaRPr lang="en-IN"/>
+        </a:p>
+      </dgm:t>
+    </dgm:pt>
+    <dgm:pt modelId="{FDBFF7A6-AA26-4FF1-97C7-63169126D584}" type="sibTrans" cxnId="{36364DB1-0D05-43E5-B61B-D28EEE480FB1}">
+      <dgm:prSet/>
+      <dgm:spPr/>
+      <dgm:t>
+        <a:bodyPr/>
+        <a:lstStyle/>
+        <a:p>
+          <a:endParaRPr lang="en-IN"/>
+        </a:p>
+      </dgm:t>
+    </dgm:pt>
+    <dgm:pt modelId="{68C1C28A-5CBD-4BB4-ABF9-A202B255B7BD}">
+      <dgm:prSet phldrT="[Text]" custT="1"/>
+      <dgm:spPr/>
+      <dgm:t>
+        <a:bodyPr/>
+        <a:lstStyle/>
+        <a:p>
+          <a:pPr marL="114300" lvl="1" indent="-114300" algn="l" defTabSz="533400">
+            <a:lnSpc>
+              <a:spcPct val="90000"/>
+            </a:lnSpc>
+            <a:spcBef>
+              <a:spcPct val="0"/>
+            </a:spcBef>
+            <a:spcAft>
+              <a:spcPts val="600"/>
+            </a:spcAft>
+            <a:buChar char="•"/>
+          </a:pPr>
+          <a:r>
+            <a:rPr lang="en-US" sz="1200" kern="1200" dirty="0">
+              <a:solidFill>
+                <a:prstClr val="black">
+                  <a:hueOff val="0"/>
+                  <a:satOff val="0"/>
+                  <a:lumOff val="0"/>
+                  <a:alphaOff val="0"/>
+                </a:prstClr>
+              </a:solidFill>
+              <a:latin typeface="Trebuchet MS" panose="020B0603020202020204"/>
+              <a:ea typeface="+mn-ea"/>
+              <a:cs typeface="+mn-cs"/>
+            </a:rPr>
+            <a:t>Internet Services </a:t>
+          </a:r>
+          <a:r>
+            <a:rPr lang="en-IN" sz="1200" kern="1200" dirty="0">
+              <a:solidFill>
+                <a:prstClr val="black">
+                  <a:hueOff val="0"/>
+                  <a:satOff val="0"/>
+                  <a:lumOff val="0"/>
+                  <a:alphaOff val="0"/>
+                </a:prstClr>
+              </a:solidFill>
+              <a:latin typeface="Trebuchet MS" panose="020B0603020202020204"/>
+              <a:ea typeface="+mn-ea"/>
+              <a:cs typeface="+mn-cs"/>
+            </a:rPr>
+            <a:t>(DSL, </a:t>
+          </a:r>
+          <a:r>
+            <a:rPr lang="en-IN" sz="1200" kern="1200" dirty="0" err="1">
+              <a:solidFill>
+                <a:prstClr val="black">
+                  <a:hueOff val="0"/>
+                  <a:satOff val="0"/>
+                  <a:lumOff val="0"/>
+                  <a:alphaOff val="0"/>
+                </a:prstClr>
+              </a:solidFill>
+              <a:latin typeface="Trebuchet MS" panose="020B0603020202020204"/>
+              <a:ea typeface="+mn-ea"/>
+              <a:cs typeface="+mn-cs"/>
+            </a:rPr>
+            <a:t>Fiber</a:t>
+          </a:r>
+          <a:r>
+            <a:rPr lang="en-IN" sz="1200" kern="1200" dirty="0">
+              <a:solidFill>
+                <a:prstClr val="black">
+                  <a:hueOff val="0"/>
+                  <a:satOff val="0"/>
+                  <a:lumOff val="0"/>
+                  <a:alphaOff val="0"/>
+                </a:prstClr>
+              </a:solidFill>
+              <a:latin typeface="Trebuchet MS" panose="020B0603020202020204"/>
+              <a:ea typeface="+mn-ea"/>
+              <a:cs typeface="+mn-cs"/>
+            </a:rPr>
+            <a:t> optic, No)</a:t>
+          </a:r>
+        </a:p>
+      </dgm:t>
+    </dgm:pt>
+    <dgm:pt modelId="{20BF6BFA-78A5-4133-8663-369FFEE4BAD7}" type="parTrans" cxnId="{88FC5A31-310C-457A-9444-7A9724278C0C}">
+      <dgm:prSet/>
+      <dgm:spPr/>
+      <dgm:t>
+        <a:bodyPr/>
+        <a:lstStyle/>
+        <a:p>
+          <a:endParaRPr lang="en-IN"/>
+        </a:p>
+      </dgm:t>
+    </dgm:pt>
+    <dgm:pt modelId="{CFAFBC63-723E-49C7-8F7F-545CB95A1D4B}" type="sibTrans" cxnId="{88FC5A31-310C-457A-9444-7A9724278C0C}">
+      <dgm:prSet/>
+      <dgm:spPr/>
+      <dgm:t>
+        <a:bodyPr/>
+        <a:lstStyle/>
+        <a:p>
+          <a:endParaRPr lang="en-IN"/>
+        </a:p>
+      </dgm:t>
+    </dgm:pt>
+    <dgm:pt modelId="{63A4BB05-39F9-45F8-A875-6581DE534D7B}">
+      <dgm:prSet phldrT="[Text]" custT="1"/>
+      <dgm:spPr/>
+      <dgm:t>
+        <a:bodyPr/>
+        <a:lstStyle/>
+        <a:p>
+          <a:pPr marL="114300" lvl="1" indent="-114300" algn="l" defTabSz="533400">
+            <a:lnSpc>
+              <a:spcPct val="90000"/>
+            </a:lnSpc>
+            <a:spcBef>
+              <a:spcPct val="0"/>
+            </a:spcBef>
+            <a:spcAft>
+              <a:spcPts val="600"/>
+            </a:spcAft>
+            <a:buChar char="•"/>
+          </a:pPr>
+          <a:r>
+            <a:rPr lang="en-US" sz="1200" kern="1200" dirty="0">
+              <a:solidFill>
+                <a:prstClr val="black">
+                  <a:hueOff val="0"/>
+                  <a:satOff val="0"/>
+                  <a:lumOff val="0"/>
+                  <a:alphaOff val="0"/>
+                </a:prstClr>
+              </a:solidFill>
+              <a:latin typeface="Trebuchet MS" panose="020B0603020202020204"/>
+              <a:ea typeface="+mn-ea"/>
+              <a:cs typeface="+mn-cs"/>
+            </a:rPr>
+            <a:t>Online Security: (No internet service, No, Yes)</a:t>
+          </a:r>
+          <a:endParaRPr lang="en-IN" sz="1200" kern="1200" dirty="0">
+            <a:solidFill>
+              <a:prstClr val="black">
+                <a:hueOff val="0"/>
+                <a:satOff val="0"/>
+                <a:lumOff val="0"/>
+                <a:alphaOff val="0"/>
+              </a:prstClr>
+            </a:solidFill>
+            <a:latin typeface="Trebuchet MS" panose="020B0603020202020204"/>
+            <a:ea typeface="+mn-ea"/>
+            <a:cs typeface="+mn-cs"/>
+          </a:endParaRPr>
+        </a:p>
+      </dgm:t>
+    </dgm:pt>
+    <dgm:pt modelId="{A5DE9062-3F58-4183-BF85-A3E165BBD1DE}" type="parTrans" cxnId="{F17EF7C0-FDF9-4E3B-B4DB-2A5258FE78B6}">
+      <dgm:prSet/>
+      <dgm:spPr/>
+      <dgm:t>
+        <a:bodyPr/>
+        <a:lstStyle/>
+        <a:p>
+          <a:endParaRPr lang="en-IN"/>
+        </a:p>
+      </dgm:t>
+    </dgm:pt>
+    <dgm:pt modelId="{E0C765E0-D9C2-49B5-9935-D2CFDF7896E4}" type="sibTrans" cxnId="{F17EF7C0-FDF9-4E3B-B4DB-2A5258FE78B6}">
+      <dgm:prSet/>
+      <dgm:spPr/>
+      <dgm:t>
+        <a:bodyPr/>
+        <a:lstStyle/>
+        <a:p>
+          <a:endParaRPr lang="en-IN"/>
+        </a:p>
+      </dgm:t>
+    </dgm:pt>
+    <dgm:pt modelId="{3D4BD461-3C39-4B5E-A52F-EAE1CFD13495}">
+      <dgm:prSet custT="1"/>
+      <dgm:spPr/>
+      <dgm:t>
+        <a:bodyPr/>
+        <a:lstStyle/>
+        <a:p>
+          <a:pPr marL="114300" lvl="1" indent="-114300" algn="l" defTabSz="533400">
+            <a:lnSpc>
+              <a:spcPct val="90000"/>
+            </a:lnSpc>
+            <a:spcBef>
+              <a:spcPct val="0"/>
+            </a:spcBef>
+            <a:spcAft>
+              <a:spcPts val="600"/>
+            </a:spcAft>
+            <a:buChar char="•"/>
+          </a:pPr>
+          <a:r>
+            <a:rPr lang="en-US" sz="1200" kern="1200" dirty="0">
+              <a:solidFill>
+                <a:prstClr val="black">
+                  <a:hueOff val="0"/>
+                  <a:satOff val="0"/>
+                  <a:lumOff val="0"/>
+                  <a:alphaOff val="0"/>
+                </a:prstClr>
+              </a:solidFill>
+              <a:latin typeface="Trebuchet MS" panose="020B0603020202020204"/>
+              <a:ea typeface="+mn-ea"/>
+              <a:cs typeface="+mn-cs"/>
+            </a:rPr>
+            <a:t>Online Backup (No internet service, No, Yes)</a:t>
+          </a:r>
+          <a:endParaRPr lang="en-IN" sz="1200" kern="1200" dirty="0">
+            <a:solidFill>
+              <a:prstClr val="black">
+                <a:hueOff val="0"/>
+                <a:satOff val="0"/>
+                <a:lumOff val="0"/>
+                <a:alphaOff val="0"/>
+              </a:prstClr>
+            </a:solidFill>
+            <a:latin typeface="Trebuchet MS" panose="020B0603020202020204"/>
+            <a:ea typeface="+mn-ea"/>
+            <a:cs typeface="+mn-cs"/>
+          </a:endParaRPr>
+        </a:p>
+      </dgm:t>
+    </dgm:pt>
+    <dgm:pt modelId="{7B6C1FB3-4EB4-4DED-B24B-4AEE858621C1}" type="parTrans" cxnId="{82381217-7A91-4A9C-A754-E811AAB78F8C}">
+      <dgm:prSet/>
+      <dgm:spPr/>
+      <dgm:t>
+        <a:bodyPr/>
+        <a:lstStyle/>
+        <a:p>
+          <a:endParaRPr lang="en-IN"/>
+        </a:p>
+      </dgm:t>
+    </dgm:pt>
+    <dgm:pt modelId="{61AB0BE2-C4FB-4D99-A23A-229D7C650DAB}" type="sibTrans" cxnId="{82381217-7A91-4A9C-A754-E811AAB78F8C}">
+      <dgm:prSet/>
+      <dgm:spPr/>
+      <dgm:t>
+        <a:bodyPr/>
+        <a:lstStyle/>
+        <a:p>
+          <a:endParaRPr lang="en-IN"/>
+        </a:p>
+      </dgm:t>
+    </dgm:pt>
+    <dgm:pt modelId="{02F9C636-67EA-425A-8332-B8D9D546C2F9}">
+      <dgm:prSet custT="1"/>
+      <dgm:spPr/>
+      <dgm:t>
+        <a:bodyPr/>
+        <a:lstStyle/>
+        <a:p>
+          <a:pPr marL="114300" lvl="1" indent="-114300" algn="l" defTabSz="533400">
+            <a:lnSpc>
+              <a:spcPct val="90000"/>
+            </a:lnSpc>
+            <a:spcBef>
+              <a:spcPct val="0"/>
+            </a:spcBef>
+            <a:spcAft>
+              <a:spcPts val="600"/>
+            </a:spcAft>
+            <a:buChar char="•"/>
+          </a:pPr>
+          <a:r>
+            <a:rPr lang="en-US" sz="1200" kern="1200" dirty="0">
+              <a:solidFill>
+                <a:prstClr val="black">
+                  <a:hueOff val="0"/>
+                  <a:satOff val="0"/>
+                  <a:lumOff val="0"/>
+                  <a:alphaOff val="0"/>
+                </a:prstClr>
+              </a:solidFill>
+              <a:latin typeface="Trebuchet MS" panose="020B0603020202020204"/>
+              <a:ea typeface="+mn-ea"/>
+              <a:cs typeface="+mn-cs"/>
+            </a:rPr>
+            <a:t>Device Protection (No internet service, No, Yes)</a:t>
+          </a:r>
+          <a:endParaRPr lang="en-IN" sz="1200" kern="1200" dirty="0">
+            <a:solidFill>
+              <a:prstClr val="black">
+                <a:hueOff val="0"/>
+                <a:satOff val="0"/>
+                <a:lumOff val="0"/>
+                <a:alphaOff val="0"/>
+              </a:prstClr>
+            </a:solidFill>
+            <a:latin typeface="Trebuchet MS" panose="020B0603020202020204"/>
+            <a:ea typeface="+mn-ea"/>
+            <a:cs typeface="+mn-cs"/>
+          </a:endParaRPr>
+        </a:p>
+      </dgm:t>
+    </dgm:pt>
+    <dgm:pt modelId="{C3FA465A-6331-4F81-9005-E149CB48C575}" type="parTrans" cxnId="{6737B509-1BA7-45C1-9ED4-5F40ABFB2BFC}">
+      <dgm:prSet/>
+      <dgm:spPr/>
+      <dgm:t>
+        <a:bodyPr/>
+        <a:lstStyle/>
+        <a:p>
+          <a:endParaRPr lang="en-IN"/>
+        </a:p>
+      </dgm:t>
+    </dgm:pt>
+    <dgm:pt modelId="{7FEAFE4F-3E8C-4F0C-93B2-E56F49159D80}" type="sibTrans" cxnId="{6737B509-1BA7-45C1-9ED4-5F40ABFB2BFC}">
+      <dgm:prSet/>
+      <dgm:spPr/>
+      <dgm:t>
+        <a:bodyPr/>
+        <a:lstStyle/>
+        <a:p>
+          <a:endParaRPr lang="en-IN"/>
+        </a:p>
+      </dgm:t>
+    </dgm:pt>
+    <dgm:pt modelId="{7129D553-688F-4B00-958E-5BD6BE8450BA}">
+      <dgm:prSet custT="1"/>
+      <dgm:spPr/>
+      <dgm:t>
+        <a:bodyPr/>
+        <a:lstStyle/>
+        <a:p>
+          <a:pPr marL="114300" lvl="1" indent="-114300" algn="l" defTabSz="533400">
+            <a:lnSpc>
+              <a:spcPct val="90000"/>
+            </a:lnSpc>
+            <a:spcBef>
+              <a:spcPct val="0"/>
+            </a:spcBef>
+            <a:spcAft>
+              <a:spcPts val="600"/>
+            </a:spcAft>
+            <a:buChar char="•"/>
+          </a:pPr>
+          <a:r>
+            <a:rPr lang="en-US" sz="1200" kern="1200" dirty="0">
+              <a:solidFill>
+                <a:prstClr val="black">
+                  <a:hueOff val="0"/>
+                  <a:satOff val="0"/>
+                  <a:lumOff val="0"/>
+                  <a:alphaOff val="0"/>
+                </a:prstClr>
+              </a:solidFill>
+              <a:latin typeface="Trebuchet MS" panose="020B0603020202020204"/>
+              <a:ea typeface="+mn-ea"/>
+              <a:cs typeface="+mn-cs"/>
+            </a:rPr>
+            <a:t>Tech Support (No internet service, No, Yes)</a:t>
+          </a:r>
+          <a:endParaRPr lang="en-IN" sz="1200" kern="1200" dirty="0">
+            <a:solidFill>
+              <a:prstClr val="black">
+                <a:hueOff val="0"/>
+                <a:satOff val="0"/>
+                <a:lumOff val="0"/>
+                <a:alphaOff val="0"/>
+              </a:prstClr>
+            </a:solidFill>
+            <a:latin typeface="Trebuchet MS" panose="020B0603020202020204"/>
+            <a:ea typeface="+mn-ea"/>
+            <a:cs typeface="+mn-cs"/>
+          </a:endParaRPr>
+        </a:p>
+      </dgm:t>
+    </dgm:pt>
+    <dgm:pt modelId="{8D7A2E1F-C5DD-47C7-9188-F11D677855DA}" type="parTrans" cxnId="{65754F6B-9361-475D-962C-A2EAB188966E}">
+      <dgm:prSet/>
+      <dgm:spPr/>
+      <dgm:t>
+        <a:bodyPr/>
+        <a:lstStyle/>
+        <a:p>
+          <a:endParaRPr lang="en-IN"/>
+        </a:p>
+      </dgm:t>
+    </dgm:pt>
+    <dgm:pt modelId="{B7A9E48D-5ED5-4C74-8649-627D25C7B2B4}" type="sibTrans" cxnId="{65754F6B-9361-475D-962C-A2EAB188966E}">
+      <dgm:prSet/>
+      <dgm:spPr/>
+      <dgm:t>
+        <a:bodyPr/>
+        <a:lstStyle/>
+        <a:p>
+          <a:endParaRPr lang="en-IN"/>
+        </a:p>
+      </dgm:t>
+    </dgm:pt>
+    <dgm:pt modelId="{3FEC3582-D068-4561-9B1F-F06DDC5D4DC4}">
+      <dgm:prSet custT="1"/>
+      <dgm:spPr/>
+      <dgm:t>
+        <a:bodyPr/>
+        <a:lstStyle/>
+        <a:p>
+          <a:pPr marL="114300" lvl="1" indent="-114300" algn="l" defTabSz="533400">
+            <a:lnSpc>
+              <a:spcPct val="90000"/>
+            </a:lnSpc>
+            <a:spcBef>
+              <a:spcPct val="0"/>
+            </a:spcBef>
+            <a:spcAft>
+              <a:spcPts val="600"/>
+            </a:spcAft>
+            <a:buChar char="•"/>
+          </a:pPr>
+          <a:r>
+            <a:rPr lang="en-US" sz="1200" kern="1200" dirty="0">
+              <a:solidFill>
+                <a:prstClr val="black">
+                  <a:hueOff val="0"/>
+                  <a:satOff val="0"/>
+                  <a:lumOff val="0"/>
+                  <a:alphaOff val="0"/>
+                </a:prstClr>
+              </a:solidFill>
+              <a:latin typeface="Trebuchet MS" panose="020B0603020202020204"/>
+              <a:ea typeface="+mn-ea"/>
+              <a:cs typeface="+mn-cs"/>
+            </a:rPr>
+            <a:t>Streaming TV (No internet service, No, Yes)</a:t>
+          </a:r>
+          <a:endParaRPr lang="en-IN" sz="1200" kern="1200" dirty="0">
+            <a:solidFill>
+              <a:prstClr val="black">
+                <a:hueOff val="0"/>
+                <a:satOff val="0"/>
+                <a:lumOff val="0"/>
+                <a:alphaOff val="0"/>
+              </a:prstClr>
+            </a:solidFill>
+            <a:latin typeface="Trebuchet MS" panose="020B0603020202020204"/>
+            <a:ea typeface="+mn-ea"/>
+            <a:cs typeface="+mn-cs"/>
+          </a:endParaRPr>
+        </a:p>
+      </dgm:t>
+    </dgm:pt>
+    <dgm:pt modelId="{DAF9587E-BED0-4C96-A4B0-D0D4AB1D4B88}" type="parTrans" cxnId="{43278208-751B-499E-927B-7522FCAF080B}">
+      <dgm:prSet/>
+      <dgm:spPr/>
+      <dgm:t>
+        <a:bodyPr/>
+        <a:lstStyle/>
+        <a:p>
+          <a:endParaRPr lang="en-IN"/>
+        </a:p>
+      </dgm:t>
+    </dgm:pt>
+    <dgm:pt modelId="{A3C7754E-8206-464F-9B7A-6FADEBD8D5D8}" type="sibTrans" cxnId="{43278208-751B-499E-927B-7522FCAF080B}">
+      <dgm:prSet/>
+      <dgm:spPr/>
+      <dgm:t>
+        <a:bodyPr/>
+        <a:lstStyle/>
+        <a:p>
+          <a:endParaRPr lang="en-IN"/>
+        </a:p>
+      </dgm:t>
+    </dgm:pt>
+    <dgm:pt modelId="{6D0551C9-3303-4FC5-86AC-DC107D603A01}">
+      <dgm:prSet custT="1"/>
+      <dgm:spPr/>
+      <dgm:t>
+        <a:bodyPr/>
+        <a:lstStyle/>
+        <a:p>
+          <a:pPr marL="114300" lvl="1" indent="-114300" algn="l" defTabSz="533400">
+            <a:lnSpc>
+              <a:spcPct val="90000"/>
+            </a:lnSpc>
+            <a:spcBef>
+              <a:spcPct val="0"/>
+            </a:spcBef>
+            <a:spcAft>
+              <a:spcPts val="600"/>
+            </a:spcAft>
+            <a:buChar char="•"/>
+          </a:pPr>
+          <a:r>
+            <a:rPr lang="en-US" sz="1200" kern="1200" dirty="0">
+              <a:solidFill>
+                <a:prstClr val="black">
+                  <a:hueOff val="0"/>
+                  <a:satOff val="0"/>
+                  <a:lumOff val="0"/>
+                  <a:alphaOff val="0"/>
+                </a:prstClr>
+              </a:solidFill>
+              <a:latin typeface="Trebuchet MS" panose="020B0603020202020204"/>
+              <a:ea typeface="+mn-ea"/>
+              <a:cs typeface="+mn-cs"/>
+            </a:rPr>
+            <a:t>Streaming Movies (No internet service, No, Yes)</a:t>
+          </a:r>
+          <a:endParaRPr lang="en-IN" sz="1200" kern="1200" dirty="0">
+            <a:solidFill>
+              <a:prstClr val="black">
+                <a:hueOff val="0"/>
+                <a:satOff val="0"/>
+                <a:lumOff val="0"/>
+                <a:alphaOff val="0"/>
+              </a:prstClr>
+            </a:solidFill>
+            <a:latin typeface="Trebuchet MS" panose="020B0603020202020204"/>
+            <a:ea typeface="+mn-ea"/>
+            <a:cs typeface="+mn-cs"/>
+          </a:endParaRPr>
+        </a:p>
+      </dgm:t>
+    </dgm:pt>
+    <dgm:pt modelId="{06009591-7BAB-4CD1-876B-CCCD3CC26DDB}" type="parTrans" cxnId="{1813D95B-AC37-43A3-B937-5224985C3463}">
+      <dgm:prSet/>
+      <dgm:spPr/>
+      <dgm:t>
+        <a:bodyPr/>
+        <a:lstStyle/>
+        <a:p>
+          <a:endParaRPr lang="en-IN"/>
+        </a:p>
+      </dgm:t>
+    </dgm:pt>
+    <dgm:pt modelId="{D9F3FF9C-D9BA-489C-8136-D9EA5E7B8313}" type="sibTrans" cxnId="{1813D95B-AC37-43A3-B937-5224985C3463}">
+      <dgm:prSet/>
+      <dgm:spPr/>
+      <dgm:t>
+        <a:bodyPr/>
+        <a:lstStyle/>
+        <a:p>
+          <a:endParaRPr lang="en-IN"/>
+        </a:p>
+      </dgm:t>
+    </dgm:pt>
+    <dgm:pt modelId="{103F697E-F7FA-4130-8E29-8D6CEEBE2F76}" type="pres">
+      <dgm:prSet presAssocID="{A16D6936-60C2-40E0-AC18-CF294EC56CF0}" presName="Name0" presStyleCnt="0">
+        <dgm:presLayoutVars>
+          <dgm:dir/>
+          <dgm:animLvl val="lvl"/>
+          <dgm:resizeHandles val="exact"/>
+        </dgm:presLayoutVars>
+      </dgm:prSet>
+      <dgm:spPr/>
+    </dgm:pt>
+    <dgm:pt modelId="{F1E8F0CD-78D3-4D2E-85CB-086792D703A2}" type="pres">
+      <dgm:prSet presAssocID="{92438DEC-304E-49AF-AC9E-73F01BBD4D26}" presName="composite" presStyleCnt="0"/>
+      <dgm:spPr/>
+    </dgm:pt>
+    <dgm:pt modelId="{18555C1A-8DC7-452E-96B1-76272D461C65}" type="pres">
+      <dgm:prSet presAssocID="{92438DEC-304E-49AF-AC9E-73F01BBD4D26}" presName="parTx" presStyleLbl="alignNode1" presStyleIdx="0" presStyleCnt="3">
+        <dgm:presLayoutVars>
+          <dgm:chMax val="0"/>
+          <dgm:chPref val="0"/>
+          <dgm:bulletEnabled val="1"/>
+        </dgm:presLayoutVars>
+      </dgm:prSet>
+      <dgm:spPr/>
+    </dgm:pt>
+    <dgm:pt modelId="{5742524F-C8CB-4E56-9EB1-ACE5005E744D}" type="pres">
+      <dgm:prSet presAssocID="{92438DEC-304E-49AF-AC9E-73F01BBD4D26}" presName="desTx" presStyleLbl="alignAccFollowNode1" presStyleIdx="0" presStyleCnt="3">
+        <dgm:presLayoutVars>
+          <dgm:bulletEnabled val="1"/>
+        </dgm:presLayoutVars>
+      </dgm:prSet>
+      <dgm:spPr/>
+    </dgm:pt>
+    <dgm:pt modelId="{08D4B448-1F7A-4E08-B871-641C2DD8A91E}" type="pres">
+      <dgm:prSet presAssocID="{DF505F4B-1993-4563-B12E-5175FF96BFC1}" presName="space" presStyleCnt="0"/>
+      <dgm:spPr/>
+    </dgm:pt>
+    <dgm:pt modelId="{88CB0B04-A1BA-49F9-9224-F05FA517CE81}" type="pres">
+      <dgm:prSet presAssocID="{FF21CF87-F000-40D5-B0D4-D13EA6B657C4}" presName="composite" presStyleCnt="0"/>
+      <dgm:spPr/>
+    </dgm:pt>
+    <dgm:pt modelId="{027562BC-0540-4254-8F8F-B5CAEB53EBC3}" type="pres">
+      <dgm:prSet presAssocID="{FF21CF87-F000-40D5-B0D4-D13EA6B657C4}" presName="parTx" presStyleLbl="alignNode1" presStyleIdx="1" presStyleCnt="3">
+        <dgm:presLayoutVars>
+          <dgm:chMax val="0"/>
+          <dgm:chPref val="0"/>
+          <dgm:bulletEnabled val="1"/>
+        </dgm:presLayoutVars>
+      </dgm:prSet>
+      <dgm:spPr/>
+    </dgm:pt>
+    <dgm:pt modelId="{658EC68D-629A-4BAC-9D70-48FC7A30CE42}" type="pres">
+      <dgm:prSet presAssocID="{FF21CF87-F000-40D5-B0D4-D13EA6B657C4}" presName="desTx" presStyleLbl="alignAccFollowNode1" presStyleIdx="1" presStyleCnt="3">
+        <dgm:presLayoutVars>
+          <dgm:bulletEnabled val="1"/>
+        </dgm:presLayoutVars>
+      </dgm:prSet>
+      <dgm:spPr/>
+    </dgm:pt>
+    <dgm:pt modelId="{BE32DEB6-376E-469C-A06B-54E0A570094A}" type="pres">
+      <dgm:prSet presAssocID="{85D5D652-2DE4-41B4-93DD-987ABC7C5A91}" presName="space" presStyleCnt="0"/>
+      <dgm:spPr/>
+    </dgm:pt>
+    <dgm:pt modelId="{C2E98705-1543-4574-8EC4-AF7DBD08B136}" type="pres">
+      <dgm:prSet presAssocID="{0D4E03DF-9433-473A-B680-12CE1D0B5F4B}" presName="composite" presStyleCnt="0"/>
+      <dgm:spPr/>
+    </dgm:pt>
+    <dgm:pt modelId="{CB3E46C9-5376-47D6-9810-D46692FFD9FC}" type="pres">
+      <dgm:prSet presAssocID="{0D4E03DF-9433-473A-B680-12CE1D0B5F4B}" presName="parTx" presStyleLbl="alignNode1" presStyleIdx="2" presStyleCnt="3">
+        <dgm:presLayoutVars>
+          <dgm:chMax val="0"/>
+          <dgm:chPref val="0"/>
+          <dgm:bulletEnabled val="1"/>
+        </dgm:presLayoutVars>
+      </dgm:prSet>
+      <dgm:spPr/>
+    </dgm:pt>
+    <dgm:pt modelId="{32C57CDF-AB3C-413F-8B69-C552E6690F07}" type="pres">
+      <dgm:prSet presAssocID="{0D4E03DF-9433-473A-B680-12CE1D0B5F4B}" presName="desTx" presStyleLbl="alignAccFollowNode1" presStyleIdx="2" presStyleCnt="3">
+        <dgm:presLayoutVars>
+          <dgm:bulletEnabled val="1"/>
+        </dgm:presLayoutVars>
+      </dgm:prSet>
+      <dgm:spPr/>
+    </dgm:pt>
+  </dgm:ptLst>
+  <dgm:cxnLst>
+    <dgm:cxn modelId="{37037303-4775-4A2D-95B0-3568CCE0FCFE}" type="presOf" srcId="{3FEC3582-D068-4561-9B1F-F06DDC5D4DC4}" destId="{32C57CDF-AB3C-413F-8B69-C552E6690F07}" srcOrd="0" destOrd="7" presId="urn:microsoft.com/office/officeart/2005/8/layout/hList1"/>
+    <dgm:cxn modelId="{43278208-751B-499E-927B-7522FCAF080B}" srcId="{0D4E03DF-9433-473A-B680-12CE1D0B5F4B}" destId="{3FEC3582-D068-4561-9B1F-F06DDC5D4DC4}" srcOrd="7" destOrd="0" parTransId="{DAF9587E-BED0-4C96-A4B0-D0D4AB1D4B88}" sibTransId="{A3C7754E-8206-464F-9B7A-6FADEBD8D5D8}"/>
+    <dgm:cxn modelId="{5801A909-46C7-41B4-AF2D-8F8AF185012F}" type="presOf" srcId="{6D0551C9-3303-4FC5-86AC-DC107D603A01}" destId="{32C57CDF-AB3C-413F-8B69-C552E6690F07}" srcOrd="0" destOrd="8" presId="urn:microsoft.com/office/officeart/2005/8/layout/hList1"/>
+    <dgm:cxn modelId="{6737B509-1BA7-45C1-9ED4-5F40ABFB2BFC}" srcId="{0D4E03DF-9433-473A-B680-12CE1D0B5F4B}" destId="{02F9C636-67EA-425A-8332-B8D9D546C2F9}" srcOrd="5" destOrd="0" parTransId="{C3FA465A-6331-4F81-9005-E149CB48C575}" sibTransId="{7FEAFE4F-3E8C-4F0C-93B2-E56F49159D80}"/>
+    <dgm:cxn modelId="{194F2C0C-1B30-4CF2-BB3D-9590292DE9D4}" srcId="{FF21CF87-F000-40D5-B0D4-D13EA6B657C4}" destId="{B4A99861-9B9F-4818-BDC5-C460CA5C2298}" srcOrd="4" destOrd="0" parTransId="{352A1CCB-A845-4D9C-B550-9B1A4D9EB16C}" sibTransId="{E50A6D6E-A029-4E87-BC78-88CFC355BB31}"/>
+    <dgm:cxn modelId="{B5EB150F-795F-4C18-B3F8-868C680212D1}" type="presOf" srcId="{E18069FD-8D1F-4765-857D-733300EDFC83}" destId="{5742524F-C8CB-4E56-9EB1-ACE5005E744D}" srcOrd="0" destOrd="1" presId="urn:microsoft.com/office/officeart/2005/8/layout/hList1"/>
+    <dgm:cxn modelId="{82381217-7A91-4A9C-A754-E811AAB78F8C}" srcId="{0D4E03DF-9433-473A-B680-12CE1D0B5F4B}" destId="{3D4BD461-3C39-4B5E-A52F-EAE1CFD13495}" srcOrd="4" destOrd="0" parTransId="{7B6C1FB3-4EB4-4DED-B24B-4AEE858621C1}" sibTransId="{61AB0BE2-C4FB-4D99-A23A-229D7C650DAB}"/>
+    <dgm:cxn modelId="{B2A67717-89AC-43BB-A07B-175B3158B9DE}" srcId="{92438DEC-304E-49AF-AC9E-73F01BBD4D26}" destId="{E757BE40-F2B2-4F8C-95DA-C3EB197339D3}" srcOrd="2" destOrd="0" parTransId="{DD9162D4-AF65-40CC-BE56-4A767E400464}" sibTransId="{31BFFFCA-7216-4453-9236-4BC573CFDD8E}"/>
+    <dgm:cxn modelId="{D127812D-DC16-4104-9531-137AB8BF4D3D}" type="presOf" srcId="{0D4E03DF-9433-473A-B680-12CE1D0B5F4B}" destId="{CB3E46C9-5376-47D6-9810-D46692FFD9FC}" srcOrd="0" destOrd="0" presId="urn:microsoft.com/office/officeart/2005/8/layout/hList1"/>
+    <dgm:cxn modelId="{D0711730-3FED-4C4F-9FFF-4CA108FB7982}" type="presOf" srcId="{68C1C28A-5CBD-4BB4-ABF9-A202B255B7BD}" destId="{32C57CDF-AB3C-413F-8B69-C552E6690F07}" srcOrd="0" destOrd="2" presId="urn:microsoft.com/office/officeart/2005/8/layout/hList1"/>
+    <dgm:cxn modelId="{F157E830-154F-455C-8AFF-4F84DB7C7C17}" type="presOf" srcId="{7495EAF9-C937-4281-A04F-E9A10F2E2921}" destId="{658EC68D-629A-4BAC-9D70-48FC7A30CE42}" srcOrd="0" destOrd="3" presId="urn:microsoft.com/office/officeart/2005/8/layout/hList1"/>
+    <dgm:cxn modelId="{88FC5A31-310C-457A-9444-7A9724278C0C}" srcId="{0D4E03DF-9433-473A-B680-12CE1D0B5F4B}" destId="{68C1C28A-5CBD-4BB4-ABF9-A202B255B7BD}" srcOrd="2" destOrd="0" parTransId="{20BF6BFA-78A5-4133-8663-369FFEE4BAD7}" sibTransId="{CFAFBC63-723E-49C7-8F7F-545CB95A1D4B}"/>
+    <dgm:cxn modelId="{18E87339-D1AB-46F7-BC8E-3311A274D14E}" srcId="{FF21CF87-F000-40D5-B0D4-D13EA6B657C4}" destId="{C50CF636-6496-49F1-AA3C-2A52CAA23070}" srcOrd="1" destOrd="0" parTransId="{1B217112-763A-4DA3-85AF-8C8AFDF90EC8}" sibTransId="{B00BA470-EC75-49C1-997E-FE58AF485EFF}"/>
+    <dgm:cxn modelId="{1813D95B-AC37-43A3-B937-5224985C3463}" srcId="{0D4E03DF-9433-473A-B680-12CE1D0B5F4B}" destId="{6D0551C9-3303-4FC5-86AC-DC107D603A01}" srcOrd="8" destOrd="0" parTransId="{06009591-7BAB-4CD1-876B-CCCD3CC26DDB}" sibTransId="{D9F3FF9C-D9BA-489C-8136-D9EA5E7B8313}"/>
+    <dgm:cxn modelId="{FD094F41-9900-4552-8CF8-7798BE2C15AD}" type="presOf" srcId="{004A14BD-A58B-4AC2-9286-724B62B0215D}" destId="{5742524F-C8CB-4E56-9EB1-ACE5005E744D}" srcOrd="0" destOrd="0" presId="urn:microsoft.com/office/officeart/2005/8/layout/hList1"/>
+    <dgm:cxn modelId="{E5F32967-634B-4010-92F4-87EF327AF9DF}" type="presOf" srcId="{97367020-5D1D-4522-89D8-4AAC3F761BDE}" destId="{5742524F-C8CB-4E56-9EB1-ACE5005E744D}" srcOrd="0" destOrd="3" presId="urn:microsoft.com/office/officeart/2005/8/layout/hList1"/>
+    <dgm:cxn modelId="{65754F6B-9361-475D-962C-A2EAB188966E}" srcId="{0D4E03DF-9433-473A-B680-12CE1D0B5F4B}" destId="{7129D553-688F-4B00-958E-5BD6BE8450BA}" srcOrd="6" destOrd="0" parTransId="{8D7A2E1F-C5DD-47C7-9188-F11D677855DA}" sibTransId="{B7A9E48D-5ED5-4C74-8649-627D25C7B2B4}"/>
+    <dgm:cxn modelId="{84185074-24C7-4113-BC0A-8FCEB46C34B2}" type="presOf" srcId="{616A2396-DF90-492E-BF03-0246C02E704F}" destId="{658EC68D-629A-4BAC-9D70-48FC7A30CE42}" srcOrd="0" destOrd="0" presId="urn:microsoft.com/office/officeart/2005/8/layout/hList1"/>
+    <dgm:cxn modelId="{E5275D75-54ED-4C09-B828-7088BD3A1A39}" type="presOf" srcId="{92438DEC-304E-49AF-AC9E-73F01BBD4D26}" destId="{18555C1A-8DC7-452E-96B1-76272D461C65}" srcOrd="0" destOrd="0" presId="urn:microsoft.com/office/officeart/2005/8/layout/hList1"/>
+    <dgm:cxn modelId="{E97B7778-51D2-4324-A281-C48DEC7135F4}" type="presOf" srcId="{625F4A50-FDD7-4E52-AA29-C9BE3660B1C7}" destId="{32C57CDF-AB3C-413F-8B69-C552E6690F07}" srcOrd="0" destOrd="1" presId="urn:microsoft.com/office/officeart/2005/8/layout/hList1"/>
+    <dgm:cxn modelId="{914F8E80-66C7-442F-BD69-9FE6CCD47062}" type="presOf" srcId="{63FCE5AC-8511-4B8A-B91A-20B80F9E2F27}" destId="{32C57CDF-AB3C-413F-8B69-C552E6690F07}" srcOrd="0" destOrd="0" presId="urn:microsoft.com/office/officeart/2005/8/layout/hList1"/>
+    <dgm:cxn modelId="{87A6DE8D-2072-4DA6-8FB5-E49E107183D5}" srcId="{92438DEC-304E-49AF-AC9E-73F01BBD4D26}" destId="{E18069FD-8D1F-4765-857D-733300EDFC83}" srcOrd="1" destOrd="0" parTransId="{598DCB60-3EA9-45E5-87B9-1C161116879E}" sibTransId="{489E4C65-2C33-4B1A-B02B-15FC97032158}"/>
+    <dgm:cxn modelId="{3F945594-0749-4533-9011-7A8D8D049B04}" srcId="{92438DEC-304E-49AF-AC9E-73F01BBD4D26}" destId="{004A14BD-A58B-4AC2-9286-724B62B0215D}" srcOrd="0" destOrd="0" parTransId="{87C710F5-4850-42EE-8D2D-1D399CEB9D19}" sibTransId="{189DBCC6-278A-46A8-ABC9-783A57A08FC4}"/>
+    <dgm:cxn modelId="{2F5CCA95-10E1-4A5B-AD2A-9025007BFAB4}" srcId="{A16D6936-60C2-40E0-AC18-CF294EC56CF0}" destId="{92438DEC-304E-49AF-AC9E-73F01BBD4D26}" srcOrd="0" destOrd="0" parTransId="{410C30C7-6B23-42A6-BFD7-FA46B024F592}" sibTransId="{DF505F4B-1993-4563-B12E-5175FF96BFC1}"/>
+    <dgm:cxn modelId="{F66BC296-E0CD-453A-940A-24ABC1885FA3}" srcId="{0D4E03DF-9433-473A-B680-12CE1D0B5F4B}" destId="{63FCE5AC-8511-4B8A-B91A-20B80F9E2F27}" srcOrd="0" destOrd="0" parTransId="{237C4198-1885-4318-9E23-9FF74D41AAC6}" sibTransId="{340FBFF2-8E97-443A-A6D1-671065B0C8CD}"/>
+    <dgm:cxn modelId="{8920FC97-E6CA-434C-B12A-16602235DB29}" type="presOf" srcId="{F8061F5F-9935-42BB-8D7E-8AEB1C44B599}" destId="{658EC68D-629A-4BAC-9D70-48FC7A30CE42}" srcOrd="0" destOrd="5" presId="urn:microsoft.com/office/officeart/2005/8/layout/hList1"/>
+    <dgm:cxn modelId="{2572F799-8466-4501-836B-10C17FCD72F7}" type="presOf" srcId="{3D4BD461-3C39-4B5E-A52F-EAE1CFD13495}" destId="{32C57CDF-AB3C-413F-8B69-C552E6690F07}" srcOrd="0" destOrd="4" presId="urn:microsoft.com/office/officeart/2005/8/layout/hList1"/>
+    <dgm:cxn modelId="{A00BAC9A-0DA9-4C64-B4FD-E9A39FF8757B}" type="presOf" srcId="{7129D553-688F-4B00-958E-5BD6BE8450BA}" destId="{32C57CDF-AB3C-413F-8B69-C552E6690F07}" srcOrd="0" destOrd="6" presId="urn:microsoft.com/office/officeart/2005/8/layout/hList1"/>
+    <dgm:cxn modelId="{C73B4BA1-7BD8-49EF-8DD9-5733739B570E}" srcId="{92438DEC-304E-49AF-AC9E-73F01BBD4D26}" destId="{97367020-5D1D-4522-89D8-4AAC3F761BDE}" srcOrd="3" destOrd="0" parTransId="{76C19613-69FC-4509-89C8-A153E05692F3}" sibTransId="{6E16994A-D6B3-408E-8620-5C4CC5FB8E5D}"/>
+    <dgm:cxn modelId="{F489D0A4-C6D0-4D6F-BA61-B54BFD47FBFF}" srcId="{0D4E03DF-9433-473A-B680-12CE1D0B5F4B}" destId="{625F4A50-FDD7-4E52-AA29-C9BE3660B1C7}" srcOrd="1" destOrd="0" parTransId="{56AF76C8-BFE8-4F97-A79C-4D676B44BED7}" sibTransId="{0B5227B5-B335-4197-AB82-DFA90FCF24B4}"/>
+    <dgm:cxn modelId="{36364DB1-0D05-43E5-B61B-D28EEE480FB1}" srcId="{FF21CF87-F000-40D5-B0D4-D13EA6B657C4}" destId="{F8061F5F-9935-42BB-8D7E-8AEB1C44B599}" srcOrd="5" destOrd="0" parTransId="{90308DD9-5709-4508-B910-72F71C334ADF}" sibTransId="{FDBFF7A6-AA26-4FF1-97C7-63169126D584}"/>
+    <dgm:cxn modelId="{32F944BA-18CE-484D-A097-3B95886631F9}" type="presOf" srcId="{434DFE55-580F-4A4B-B564-C67E95769BED}" destId="{658EC68D-629A-4BAC-9D70-48FC7A30CE42}" srcOrd="0" destOrd="2" presId="urn:microsoft.com/office/officeart/2005/8/layout/hList1"/>
+    <dgm:cxn modelId="{269FF7BA-EBE6-43F0-8AAE-CDE06480F69E}" type="presOf" srcId="{FF21CF87-F000-40D5-B0D4-D13EA6B657C4}" destId="{027562BC-0540-4254-8F8F-B5CAEB53EBC3}" srcOrd="0" destOrd="0" presId="urn:microsoft.com/office/officeart/2005/8/layout/hList1"/>
+    <dgm:cxn modelId="{F17EF7C0-FDF9-4E3B-B4DB-2A5258FE78B6}" srcId="{0D4E03DF-9433-473A-B680-12CE1D0B5F4B}" destId="{63A4BB05-39F9-45F8-A875-6581DE534D7B}" srcOrd="3" destOrd="0" parTransId="{A5DE9062-3F58-4183-BF85-A3E165BBD1DE}" sibTransId="{E0C765E0-D9C2-49B5-9935-D2CFDF7896E4}"/>
+    <dgm:cxn modelId="{5478FEC5-F3E6-4E3D-98E2-C02523CFFD71}" type="presOf" srcId="{E757BE40-F2B2-4F8C-95DA-C3EB197339D3}" destId="{5742524F-C8CB-4E56-9EB1-ACE5005E744D}" srcOrd="0" destOrd="2" presId="urn:microsoft.com/office/officeart/2005/8/layout/hList1"/>
+    <dgm:cxn modelId="{505A02CA-ACA1-40AE-97DE-0D5D23767A3F}" type="presOf" srcId="{B4A99861-9B9F-4818-BDC5-C460CA5C2298}" destId="{658EC68D-629A-4BAC-9D70-48FC7A30CE42}" srcOrd="0" destOrd="4" presId="urn:microsoft.com/office/officeart/2005/8/layout/hList1"/>
+    <dgm:cxn modelId="{A6EAABCB-EA94-491B-8A3E-050A43F9A2A6}" srcId="{FF21CF87-F000-40D5-B0D4-D13EA6B657C4}" destId="{7495EAF9-C937-4281-A04F-E9A10F2E2921}" srcOrd="3" destOrd="0" parTransId="{0C17EEEE-4EF6-417C-9DC0-8483984231A5}" sibTransId="{970A1208-66B9-42AC-8981-A3B1CE7D1831}"/>
+    <dgm:cxn modelId="{99A023CE-333B-434C-8180-2E9D703646BF}" srcId="{FF21CF87-F000-40D5-B0D4-D13EA6B657C4}" destId="{616A2396-DF90-492E-BF03-0246C02E704F}" srcOrd="0" destOrd="0" parTransId="{926CB347-F83A-494C-A1C6-9585C0B0BC87}" sibTransId="{43E58899-FC81-4F0F-AAB7-1F9ED8F1DBF0}"/>
+    <dgm:cxn modelId="{37C7E5D0-36D3-4AAE-990D-3983B4249CFD}" srcId="{FF21CF87-F000-40D5-B0D4-D13EA6B657C4}" destId="{434DFE55-580F-4A4B-B564-C67E95769BED}" srcOrd="2" destOrd="0" parTransId="{133A1344-FCFC-41B7-B86D-B28F7FA44ACB}" sibTransId="{9A30BC66-C88B-4933-A236-ADCD2B7AC5CB}"/>
+    <dgm:cxn modelId="{13B3F3D0-863E-4416-B3D4-450A568FBFB1}" srcId="{A16D6936-60C2-40E0-AC18-CF294EC56CF0}" destId="{FF21CF87-F000-40D5-B0D4-D13EA6B657C4}" srcOrd="1" destOrd="0" parTransId="{BC12EDD2-14C9-4022-B82C-260A7035C5E5}" sibTransId="{85D5D652-2DE4-41B4-93DD-987ABC7C5A91}"/>
+    <dgm:cxn modelId="{486197DF-A05E-4326-A101-F6769C148534}" type="presOf" srcId="{C50CF636-6496-49F1-AA3C-2A52CAA23070}" destId="{658EC68D-629A-4BAC-9D70-48FC7A30CE42}" srcOrd="0" destOrd="1" presId="urn:microsoft.com/office/officeart/2005/8/layout/hList1"/>
+    <dgm:cxn modelId="{968C5AE1-81AA-41A1-807A-532B49FB20A7}" type="presOf" srcId="{02F9C636-67EA-425A-8332-B8D9D546C2F9}" destId="{32C57CDF-AB3C-413F-8B69-C552E6690F07}" srcOrd="0" destOrd="5" presId="urn:microsoft.com/office/officeart/2005/8/layout/hList1"/>
+    <dgm:cxn modelId="{FC72D1E7-3007-4EC3-A58A-97FAADA520FA}" type="presOf" srcId="{63A4BB05-39F9-45F8-A875-6581DE534D7B}" destId="{32C57CDF-AB3C-413F-8B69-C552E6690F07}" srcOrd="0" destOrd="3" presId="urn:microsoft.com/office/officeart/2005/8/layout/hList1"/>
+    <dgm:cxn modelId="{EDF0AAF1-5EC7-434B-8F75-F3B895D7388E}" type="presOf" srcId="{A16D6936-60C2-40E0-AC18-CF294EC56CF0}" destId="{103F697E-F7FA-4130-8E29-8D6CEEBE2F76}" srcOrd="0" destOrd="0" presId="urn:microsoft.com/office/officeart/2005/8/layout/hList1"/>
+    <dgm:cxn modelId="{F02071F8-719D-4455-91AD-B77100621E2D}" srcId="{A16D6936-60C2-40E0-AC18-CF294EC56CF0}" destId="{0D4E03DF-9433-473A-B680-12CE1D0B5F4B}" srcOrd="2" destOrd="0" parTransId="{8F87BAD7-F410-48F4-9E3E-695BC09CD89A}" sibTransId="{EBB817FE-509A-4695-80BB-25C34ABBE6F3}"/>
+    <dgm:cxn modelId="{30815A2F-5BD1-401E-8920-6CA0664A5516}" type="presParOf" srcId="{103F697E-F7FA-4130-8E29-8D6CEEBE2F76}" destId="{F1E8F0CD-78D3-4D2E-85CB-086792D703A2}" srcOrd="0" destOrd="0" presId="urn:microsoft.com/office/officeart/2005/8/layout/hList1"/>
+    <dgm:cxn modelId="{308AA4E5-94E4-437A-8E37-20562F1B149D}" type="presParOf" srcId="{F1E8F0CD-78D3-4D2E-85CB-086792D703A2}" destId="{18555C1A-8DC7-452E-96B1-76272D461C65}" srcOrd="0" destOrd="0" presId="urn:microsoft.com/office/officeart/2005/8/layout/hList1"/>
+    <dgm:cxn modelId="{ECE79139-5DCD-4B46-A8D6-47F350FBB6D6}" type="presParOf" srcId="{F1E8F0CD-78D3-4D2E-85CB-086792D703A2}" destId="{5742524F-C8CB-4E56-9EB1-ACE5005E744D}" srcOrd="1" destOrd="0" presId="urn:microsoft.com/office/officeart/2005/8/layout/hList1"/>
+    <dgm:cxn modelId="{4BF48515-864D-47B3-85D4-B67744F3B35E}" type="presParOf" srcId="{103F697E-F7FA-4130-8E29-8D6CEEBE2F76}" destId="{08D4B448-1F7A-4E08-B871-641C2DD8A91E}" srcOrd="1" destOrd="0" presId="urn:microsoft.com/office/officeart/2005/8/layout/hList1"/>
+    <dgm:cxn modelId="{B36208A6-5525-4360-AE6C-48773010C167}" type="presParOf" srcId="{103F697E-F7FA-4130-8E29-8D6CEEBE2F76}" destId="{88CB0B04-A1BA-49F9-9224-F05FA517CE81}" srcOrd="2" destOrd="0" presId="urn:microsoft.com/office/officeart/2005/8/layout/hList1"/>
+    <dgm:cxn modelId="{2A8EC25F-A5E8-46A6-BE96-38785A97176D}" type="presParOf" srcId="{88CB0B04-A1BA-49F9-9224-F05FA517CE81}" destId="{027562BC-0540-4254-8F8F-B5CAEB53EBC3}" srcOrd="0" destOrd="0" presId="urn:microsoft.com/office/officeart/2005/8/layout/hList1"/>
+    <dgm:cxn modelId="{2E3C9AF2-E94C-4084-A171-66D732671759}" type="presParOf" srcId="{88CB0B04-A1BA-49F9-9224-F05FA517CE81}" destId="{658EC68D-629A-4BAC-9D70-48FC7A30CE42}" srcOrd="1" destOrd="0" presId="urn:microsoft.com/office/officeart/2005/8/layout/hList1"/>
+    <dgm:cxn modelId="{75DDEE70-94CD-44C0-985D-A565BC998CF6}" type="presParOf" srcId="{103F697E-F7FA-4130-8E29-8D6CEEBE2F76}" destId="{BE32DEB6-376E-469C-A06B-54E0A570094A}" srcOrd="3" destOrd="0" presId="urn:microsoft.com/office/officeart/2005/8/layout/hList1"/>
+    <dgm:cxn modelId="{3C182589-90C8-4A89-A08B-6203A16BA2DA}" type="presParOf" srcId="{103F697E-F7FA-4130-8E29-8D6CEEBE2F76}" destId="{C2E98705-1543-4574-8EC4-AF7DBD08B136}" srcOrd="4" destOrd="0" presId="urn:microsoft.com/office/officeart/2005/8/layout/hList1"/>
+    <dgm:cxn modelId="{7D80F102-7A29-41A8-8031-EC88CCAE4D4D}" type="presParOf" srcId="{C2E98705-1543-4574-8EC4-AF7DBD08B136}" destId="{CB3E46C9-5376-47D6-9810-D46692FFD9FC}" srcOrd="0" destOrd="0" presId="urn:microsoft.com/office/officeart/2005/8/layout/hList1"/>
+    <dgm:cxn modelId="{3FD15722-20C6-4942-B73D-C5659D908D2B}" type="presParOf" srcId="{C2E98705-1543-4574-8EC4-AF7DBD08B136}" destId="{32C57CDF-AB3C-413F-8B69-C552E6690F07}" srcOrd="1" destOrd="0" presId="urn:microsoft.com/office/officeart/2005/8/layout/hList1"/>
   </dgm:cxnLst>
   <dgm:bg/>
   <dgm:whole/>
@@ -1546,7 +3694,7 @@
         <a:fontRef idx="minor"/>
       </dsp:style>
     </dsp:sp>
-    <dsp:sp modelId="{76DF6F2D-C959-47D4-893D-3CF261A01DF1}">
+    <dsp:sp modelId="{EDFF3247-D9D1-46D7-9911-D5F9783E4079}">
       <dsp:nvSpPr>
         <dsp:cNvPr id="0" name=""/>
         <dsp:cNvSpPr/>
@@ -1624,7 +3772,7 @@
           </a:pPr>
           <a:r>
             <a:rPr lang="en-US" sz="2400" kern="1200" dirty="0"/>
-            <a:t>Data cleaning</a:t>
+            <a:t>Data Visualization</a:t>
           </a:r>
           <a:endParaRPr lang="en-IN" sz="2400" kern="1200" dirty="0"/>
         </a:p>
@@ -1634,7 +3782,7 @@
         <a:ext cx="5408811" cy="446281"/>
       </dsp:txXfrm>
     </dsp:sp>
-    <dsp:sp modelId="{C63ABEC6-0792-411E-96CA-81072ABC3938}">
+    <dsp:sp modelId="{0E28F517-AA14-4125-8FEC-5902D95B0534}">
       <dsp:nvSpPr>
         <dsp:cNvPr id="0" name=""/>
         <dsp:cNvSpPr/>
@@ -1685,7 +3833,7 @@
         <a:fontRef idx="minor"/>
       </dsp:style>
     </dsp:sp>
-    <dsp:sp modelId="{03833176-FC39-41D1-9420-7FCD042E1965}">
+    <dsp:sp modelId="{8F4B445B-0634-41B5-A759-EF71E8A373DB}">
       <dsp:nvSpPr>
         <dsp:cNvPr id="0" name=""/>
         <dsp:cNvSpPr/>
@@ -1763,7 +3911,7 @@
           </a:pPr>
           <a:r>
             <a:rPr lang="en-US" sz="2400" kern="1200" dirty="0"/>
-            <a:t>Data Visualization</a:t>
+            <a:t>Feature Engineering</a:t>
           </a:r>
           <a:endParaRPr lang="en-IN" sz="2400" kern="1200" dirty="0"/>
         </a:p>
@@ -1773,7 +3921,7 @@
         <a:ext cx="5187340" cy="446281"/>
       </dsp:txXfrm>
     </dsp:sp>
-    <dsp:sp modelId="{0E28F517-AA14-4125-8FEC-5902D95B0534}">
+    <dsp:sp modelId="{440DEB32-FA64-4A00-9532-BFE1721CF593}">
       <dsp:nvSpPr>
         <dsp:cNvPr id="0" name=""/>
         <dsp:cNvSpPr/>
@@ -1824,7 +3972,7 @@
         <a:fontRef idx="minor"/>
       </dsp:style>
     </dsp:sp>
-    <dsp:sp modelId="{422BCAAE-BFFC-4FFB-B38F-513D89E85177}">
+    <dsp:sp modelId="{AE12E3B6-A59A-476C-B1C6-061FF450ACD7}">
       <dsp:nvSpPr>
         <dsp:cNvPr id="0" name=""/>
         <dsp:cNvSpPr/>
@@ -1902,7 +4050,7 @@
           </a:pPr>
           <a:r>
             <a:rPr lang="en-US" sz="2400" kern="1200" dirty="0"/>
-            <a:t>Feature Engineering</a:t>
+            <a:t>Assess Multiple Algorithms</a:t>
           </a:r>
           <a:endParaRPr lang="en-IN" sz="2400" kern="1200" dirty="0"/>
         </a:p>
@@ -1912,7 +4060,7 @@
         <a:ext cx="5116626" cy="446281"/>
       </dsp:txXfrm>
     </dsp:sp>
-    <dsp:sp modelId="{440DEB32-FA64-4A00-9532-BFE1721CF593}">
+    <dsp:sp modelId="{DCD31C6F-B4A4-441B-9ABA-6E5299A15EF4}">
       <dsp:nvSpPr>
         <dsp:cNvPr id="0" name=""/>
         <dsp:cNvSpPr/>
@@ -1963,7 +4111,7 @@
         <a:fontRef idx="minor"/>
       </dsp:style>
     </dsp:sp>
-    <dsp:sp modelId="{85296A55-DB25-4815-9DB1-21A93877A88F}">
+    <dsp:sp modelId="{32B19852-7F64-4EF2-920C-949D6E6B9955}">
       <dsp:nvSpPr>
         <dsp:cNvPr id="0" name=""/>
         <dsp:cNvSpPr/>
@@ -2041,7 +4189,7 @@
           </a:pPr>
           <a:r>
             <a:rPr lang="en-US" sz="2400" kern="1200" dirty="0"/>
-            <a:t>Assess Multiple Algorithms</a:t>
+            <a:t>Hyperparameter tuning</a:t>
           </a:r>
           <a:endParaRPr lang="en-IN" sz="2400" kern="1200" dirty="0"/>
         </a:p>
@@ -2051,7 +4199,7 @@
         <a:ext cx="5187340" cy="446281"/>
       </dsp:txXfrm>
     </dsp:sp>
-    <dsp:sp modelId="{DCD31C6F-B4A4-441B-9ABA-6E5299A15EF4}">
+    <dsp:sp modelId="{DB86C76E-C45B-4057-BE63-E4AFB0ED6DEC}">
       <dsp:nvSpPr>
         <dsp:cNvPr id="0" name=""/>
         <dsp:cNvSpPr/>
@@ -2102,7 +4250,7 @@
         <a:fontRef idx="minor"/>
       </dsp:style>
     </dsp:sp>
-    <dsp:sp modelId="{9F2DB428-75DD-4C2C-A060-7FE857D37D29}">
+    <dsp:sp modelId="{2E93C458-0F1B-41C3-B165-E176C19542EE}">
       <dsp:nvSpPr>
         <dsp:cNvPr id="0" name=""/>
         <dsp:cNvSpPr/>
@@ -2241,7 +4389,7 @@
         <a:fontRef idx="minor"/>
       </dsp:style>
     </dsp:sp>
-    <dsp:sp modelId="{C59A9846-A037-4826-B39A-E22268528F73}">
+    <dsp:sp modelId="{C8157EB5-A734-40C6-9AF8-6D1A8603E736}">
       <dsp:nvSpPr>
         <dsp:cNvPr id="0" name=""/>
         <dsp:cNvSpPr/>
@@ -2379,6 +4527,1051 @@
         </a:effectRef>
         <a:fontRef idx="minor"/>
       </dsp:style>
+    </dsp:sp>
+  </dsp:spTree>
+</dsp:drawing>
+</file>
+
+<file path=ppt/diagrams/drawing2.xml><?xml version="1.0" encoding="utf-8"?>
+<dsp:drawing xmlns:dgm="http://schemas.openxmlformats.org/drawingml/2006/diagram" xmlns:dsp="http://schemas.microsoft.com/office/drawing/2008/diagram" xmlns:a="http://schemas.openxmlformats.org/drawingml/2006/main">
+  <dsp:spTree>
+    <dsp:nvGrpSpPr>
+      <dsp:cNvPr id="0" name=""/>
+      <dsp:cNvGrpSpPr/>
+    </dsp:nvGrpSpPr>
+    <dsp:grpSpPr/>
+    <dsp:sp modelId="{18555C1A-8DC7-452E-96B1-76272D461C65}">
+      <dsp:nvSpPr>
+        <dsp:cNvPr id="0" name=""/>
+        <dsp:cNvSpPr/>
+      </dsp:nvSpPr>
+      <dsp:spPr>
+        <a:xfrm>
+          <a:off x="2446" y="366833"/>
+          <a:ext cx="2385295" cy="694161"/>
+        </a:xfrm>
+        <a:prstGeom prst="rect">
+          <a:avLst/>
+        </a:prstGeom>
+        <a:solidFill>
+          <a:schemeClr val="accent1">
+            <a:hueOff val="0"/>
+            <a:satOff val="0"/>
+            <a:lumOff val="0"/>
+            <a:alphaOff val="0"/>
+          </a:schemeClr>
+        </a:solidFill>
+        <a:ln w="19050" cap="rnd" cmpd="sng" algn="ctr">
+          <a:solidFill>
+            <a:schemeClr val="accent1">
+              <a:hueOff val="0"/>
+              <a:satOff val="0"/>
+              <a:lumOff val="0"/>
+              <a:alphaOff val="0"/>
+            </a:schemeClr>
+          </a:solidFill>
+          <a:prstDash val="solid"/>
+        </a:ln>
+        <a:effectLst/>
+      </dsp:spPr>
+      <dsp:style>
+        <a:lnRef idx="2">
+          <a:scrgbClr r="0" g="0" b="0"/>
+        </a:lnRef>
+        <a:fillRef idx="1">
+          <a:scrgbClr r="0" g="0" b="0"/>
+        </a:fillRef>
+        <a:effectRef idx="0">
+          <a:scrgbClr r="0" g="0" b="0"/>
+        </a:effectRef>
+        <a:fontRef idx="minor">
+          <a:schemeClr val="lt1"/>
+        </a:fontRef>
+      </dsp:style>
+      <dsp:txBody>
+        <a:bodyPr spcFirstLastPara="0" vert="horz" wrap="square" lIns="142240" tIns="81280" rIns="142240" bIns="81280" numCol="1" spcCol="1270" anchor="ctr" anchorCtr="0">
+          <a:noAutofit/>
+        </a:bodyPr>
+        <a:lstStyle/>
+        <a:p>
+          <a:pPr marL="0" lvl="0" indent="0" algn="ctr" defTabSz="889000">
+            <a:lnSpc>
+              <a:spcPct val="90000"/>
+            </a:lnSpc>
+            <a:spcBef>
+              <a:spcPct val="0"/>
+            </a:spcBef>
+            <a:spcAft>
+              <a:spcPct val="35000"/>
+            </a:spcAft>
+            <a:buNone/>
+          </a:pPr>
+          <a:r>
+            <a:rPr lang="en-US" sz="2000" kern="1200" dirty="0"/>
+            <a:t>Demographic Information</a:t>
+          </a:r>
+          <a:endParaRPr lang="en-IN" sz="2000" kern="1200" dirty="0"/>
+        </a:p>
+      </dsp:txBody>
+      <dsp:txXfrm>
+        <a:off x="2446" y="366833"/>
+        <a:ext cx="2385295" cy="694161"/>
+      </dsp:txXfrm>
+    </dsp:sp>
+    <dsp:sp modelId="{5742524F-C8CB-4E56-9EB1-ACE5005E744D}">
+      <dsp:nvSpPr>
+        <dsp:cNvPr id="0" name=""/>
+        <dsp:cNvSpPr/>
+      </dsp:nvSpPr>
+      <dsp:spPr>
+        <a:xfrm>
+          <a:off x="2446" y="1060995"/>
+          <a:ext cx="2385295" cy="3508238"/>
+        </a:xfrm>
+        <a:prstGeom prst="rect">
+          <a:avLst/>
+        </a:prstGeom>
+        <a:solidFill>
+          <a:schemeClr val="accent1">
+            <a:alpha val="90000"/>
+            <a:tint val="40000"/>
+            <a:hueOff val="0"/>
+            <a:satOff val="0"/>
+            <a:lumOff val="0"/>
+            <a:alphaOff val="0"/>
+          </a:schemeClr>
+        </a:solidFill>
+        <a:ln w="19050" cap="rnd" cmpd="sng" algn="ctr">
+          <a:solidFill>
+            <a:schemeClr val="accent1">
+              <a:alpha val="90000"/>
+              <a:tint val="40000"/>
+              <a:hueOff val="0"/>
+              <a:satOff val="0"/>
+              <a:lumOff val="0"/>
+              <a:alphaOff val="0"/>
+            </a:schemeClr>
+          </a:solidFill>
+          <a:prstDash val="solid"/>
+        </a:ln>
+        <a:effectLst/>
+      </dsp:spPr>
+      <dsp:style>
+        <a:lnRef idx="2">
+          <a:scrgbClr r="0" g="0" b="0"/>
+        </a:lnRef>
+        <a:fillRef idx="1">
+          <a:scrgbClr r="0" g="0" b="0"/>
+        </a:fillRef>
+        <a:effectRef idx="0">
+          <a:scrgbClr r="0" g="0" b="0"/>
+        </a:effectRef>
+        <a:fontRef idx="minor"/>
+      </dsp:style>
+      <dsp:txBody>
+        <a:bodyPr spcFirstLastPara="0" vert="horz" wrap="square" lIns="64008" tIns="64008" rIns="85344" bIns="96012" numCol="1" spcCol="1270" anchor="t" anchorCtr="0">
+          <a:noAutofit/>
+        </a:bodyPr>
+        <a:lstStyle/>
+        <a:p>
+          <a:pPr marL="114300" lvl="1" indent="-114300" algn="l" defTabSz="533400">
+            <a:lnSpc>
+              <a:spcPct val="90000"/>
+            </a:lnSpc>
+            <a:spcBef>
+              <a:spcPct val="0"/>
+            </a:spcBef>
+            <a:spcAft>
+              <a:spcPts val="600"/>
+            </a:spcAft>
+            <a:buChar char="•"/>
+          </a:pPr>
+          <a:r>
+            <a:rPr lang="en-US" sz="1200" kern="1200" dirty="0"/>
+            <a:t>Gender (M, F)</a:t>
+          </a:r>
+          <a:endParaRPr lang="en-IN" sz="1200" kern="1200" dirty="0"/>
+        </a:p>
+        <a:p>
+          <a:pPr marL="114300" lvl="1" indent="-114300" algn="l" defTabSz="533400">
+            <a:lnSpc>
+              <a:spcPct val="90000"/>
+            </a:lnSpc>
+            <a:spcBef>
+              <a:spcPct val="0"/>
+            </a:spcBef>
+            <a:spcAft>
+              <a:spcPts val="600"/>
+            </a:spcAft>
+            <a:buChar char="•"/>
+          </a:pPr>
+          <a:r>
+            <a:rPr lang="en-US" sz="1200" kern="1200" dirty="0"/>
+            <a:t>Senior citizen (0,1)</a:t>
+          </a:r>
+          <a:endParaRPr lang="en-IN" sz="1200" kern="1200" dirty="0"/>
+        </a:p>
+        <a:p>
+          <a:pPr marL="114300" lvl="1" indent="-114300" algn="l" defTabSz="533400">
+            <a:lnSpc>
+              <a:spcPct val="90000"/>
+            </a:lnSpc>
+            <a:spcBef>
+              <a:spcPct val="0"/>
+            </a:spcBef>
+            <a:spcAft>
+              <a:spcPts val="600"/>
+            </a:spcAft>
+            <a:buChar char="•"/>
+          </a:pPr>
+          <a:r>
+            <a:rPr lang="en-US" sz="1200" kern="1200" dirty="0"/>
+            <a:t>Partner (Yes, No)</a:t>
+          </a:r>
+          <a:endParaRPr lang="en-IN" sz="1200" kern="1200" dirty="0"/>
+        </a:p>
+        <a:p>
+          <a:pPr marL="114300" lvl="1" indent="-114300" algn="l" defTabSz="533400">
+            <a:lnSpc>
+              <a:spcPct val="90000"/>
+            </a:lnSpc>
+            <a:spcBef>
+              <a:spcPct val="0"/>
+            </a:spcBef>
+            <a:spcAft>
+              <a:spcPts val="600"/>
+            </a:spcAft>
+            <a:buChar char="•"/>
+          </a:pPr>
+          <a:r>
+            <a:rPr lang="en-US" sz="1200" kern="1200" dirty="0"/>
+            <a:t>Dependents(Yes, No)</a:t>
+          </a:r>
+          <a:endParaRPr lang="en-IN" sz="1300" kern="1200" dirty="0"/>
+        </a:p>
+      </dsp:txBody>
+      <dsp:txXfrm>
+        <a:off x="2446" y="1060995"/>
+        <a:ext cx="2385295" cy="3508238"/>
+      </dsp:txXfrm>
+    </dsp:sp>
+    <dsp:sp modelId="{027562BC-0540-4254-8F8F-B5CAEB53EBC3}">
+      <dsp:nvSpPr>
+        <dsp:cNvPr id="0" name=""/>
+        <dsp:cNvSpPr/>
+      </dsp:nvSpPr>
+      <dsp:spPr>
+        <a:xfrm>
+          <a:off x="2721683" y="366833"/>
+          <a:ext cx="2385295" cy="694161"/>
+        </a:xfrm>
+        <a:prstGeom prst="rect">
+          <a:avLst/>
+        </a:prstGeom>
+        <a:solidFill>
+          <a:schemeClr val="accent1">
+            <a:hueOff val="0"/>
+            <a:satOff val="0"/>
+            <a:lumOff val="0"/>
+            <a:alphaOff val="0"/>
+          </a:schemeClr>
+        </a:solidFill>
+        <a:ln w="19050" cap="rnd" cmpd="sng" algn="ctr">
+          <a:solidFill>
+            <a:schemeClr val="accent1">
+              <a:hueOff val="0"/>
+              <a:satOff val="0"/>
+              <a:lumOff val="0"/>
+              <a:alphaOff val="0"/>
+            </a:schemeClr>
+          </a:solidFill>
+          <a:prstDash val="solid"/>
+        </a:ln>
+        <a:effectLst/>
+      </dsp:spPr>
+      <dsp:style>
+        <a:lnRef idx="2">
+          <a:scrgbClr r="0" g="0" b="0"/>
+        </a:lnRef>
+        <a:fillRef idx="1">
+          <a:scrgbClr r="0" g="0" b="0"/>
+        </a:fillRef>
+        <a:effectRef idx="0">
+          <a:scrgbClr r="0" g="0" b="0"/>
+        </a:effectRef>
+        <a:fontRef idx="minor">
+          <a:schemeClr val="lt1"/>
+        </a:fontRef>
+      </dsp:style>
+      <dsp:txBody>
+        <a:bodyPr spcFirstLastPara="0" vert="horz" wrap="square" lIns="142240" tIns="81280" rIns="142240" bIns="81280" numCol="1" spcCol="1270" anchor="ctr" anchorCtr="0">
+          <a:noAutofit/>
+        </a:bodyPr>
+        <a:lstStyle/>
+        <a:p>
+          <a:pPr marL="0" lvl="0" indent="0" algn="ctr" defTabSz="889000">
+            <a:lnSpc>
+              <a:spcPct val="90000"/>
+            </a:lnSpc>
+            <a:spcBef>
+              <a:spcPct val="0"/>
+            </a:spcBef>
+            <a:spcAft>
+              <a:spcPct val="35000"/>
+            </a:spcAft>
+            <a:buNone/>
+          </a:pPr>
+          <a:r>
+            <a:rPr lang="en-US" sz="2000" kern="1200" dirty="0"/>
+            <a:t>Customer Account information</a:t>
+          </a:r>
+          <a:endParaRPr lang="en-IN" sz="2000" kern="1200" dirty="0"/>
+        </a:p>
+      </dsp:txBody>
+      <dsp:txXfrm>
+        <a:off x="2721683" y="366833"/>
+        <a:ext cx="2385295" cy="694161"/>
+      </dsp:txXfrm>
+    </dsp:sp>
+    <dsp:sp modelId="{658EC68D-629A-4BAC-9D70-48FC7A30CE42}">
+      <dsp:nvSpPr>
+        <dsp:cNvPr id="0" name=""/>
+        <dsp:cNvSpPr/>
+      </dsp:nvSpPr>
+      <dsp:spPr>
+        <a:xfrm>
+          <a:off x="2721683" y="1060995"/>
+          <a:ext cx="2385295" cy="3508238"/>
+        </a:xfrm>
+        <a:prstGeom prst="rect">
+          <a:avLst/>
+        </a:prstGeom>
+        <a:solidFill>
+          <a:schemeClr val="accent1">
+            <a:alpha val="90000"/>
+            <a:tint val="40000"/>
+            <a:hueOff val="0"/>
+            <a:satOff val="0"/>
+            <a:lumOff val="0"/>
+            <a:alphaOff val="0"/>
+          </a:schemeClr>
+        </a:solidFill>
+        <a:ln w="19050" cap="rnd" cmpd="sng" algn="ctr">
+          <a:solidFill>
+            <a:schemeClr val="accent1">
+              <a:alpha val="90000"/>
+              <a:tint val="40000"/>
+              <a:hueOff val="0"/>
+              <a:satOff val="0"/>
+              <a:lumOff val="0"/>
+              <a:alphaOff val="0"/>
+            </a:schemeClr>
+          </a:solidFill>
+          <a:prstDash val="solid"/>
+        </a:ln>
+        <a:effectLst/>
+      </dsp:spPr>
+      <dsp:style>
+        <a:lnRef idx="2">
+          <a:scrgbClr r="0" g="0" b="0"/>
+        </a:lnRef>
+        <a:fillRef idx="1">
+          <a:scrgbClr r="0" g="0" b="0"/>
+        </a:fillRef>
+        <a:effectRef idx="0">
+          <a:scrgbClr r="0" g="0" b="0"/>
+        </a:effectRef>
+        <a:fontRef idx="minor"/>
+      </dsp:style>
+      <dsp:txBody>
+        <a:bodyPr spcFirstLastPara="0" vert="horz" wrap="square" lIns="64008" tIns="64008" rIns="85344" bIns="96012" numCol="1" spcCol="1270" anchor="t" anchorCtr="0">
+          <a:noAutofit/>
+        </a:bodyPr>
+        <a:lstStyle/>
+        <a:p>
+          <a:pPr marL="114300" lvl="1" indent="-114300" algn="l" defTabSz="533400">
+            <a:lnSpc>
+              <a:spcPct val="90000"/>
+            </a:lnSpc>
+            <a:spcBef>
+              <a:spcPct val="0"/>
+            </a:spcBef>
+            <a:spcAft>
+              <a:spcPts val="600"/>
+            </a:spcAft>
+            <a:buChar char="•"/>
+          </a:pPr>
+          <a:r>
+            <a:rPr lang="en-US" sz="1200" kern="1200" dirty="0"/>
+            <a:t>Tenure: # of months (Numeric value)</a:t>
+          </a:r>
+          <a:endParaRPr lang="en-IN" sz="1200" kern="1200" dirty="0"/>
+        </a:p>
+        <a:p>
+          <a:pPr marL="114300" lvl="1" indent="-114300" algn="l" defTabSz="533400">
+            <a:lnSpc>
+              <a:spcPct val="90000"/>
+            </a:lnSpc>
+            <a:spcBef>
+              <a:spcPct val="0"/>
+            </a:spcBef>
+            <a:spcAft>
+              <a:spcPts val="600"/>
+            </a:spcAft>
+            <a:buChar char="•"/>
+          </a:pPr>
+          <a:r>
+            <a:rPr lang="en-US" sz="1200" kern="1200" dirty="0"/>
+            <a:t>Contract (Month-to-month, One Year, Two Year)</a:t>
+          </a:r>
+          <a:endParaRPr lang="en-IN" sz="1200" kern="1200" dirty="0"/>
+        </a:p>
+        <a:p>
+          <a:pPr marL="114300" lvl="1" indent="-114300" algn="l" defTabSz="533400">
+            <a:lnSpc>
+              <a:spcPct val="90000"/>
+            </a:lnSpc>
+            <a:spcBef>
+              <a:spcPct val="0"/>
+            </a:spcBef>
+            <a:spcAft>
+              <a:spcPts val="600"/>
+            </a:spcAft>
+            <a:buChar char="•"/>
+          </a:pPr>
+          <a:r>
+            <a:rPr lang="en-US" sz="1200" kern="1200" dirty="0"/>
+            <a:t>Paperless Billing (Yes, No)</a:t>
+          </a:r>
+          <a:endParaRPr lang="en-IN" sz="1200" kern="1200" dirty="0"/>
+        </a:p>
+        <a:p>
+          <a:pPr marL="114300" lvl="1" indent="-114300" algn="l" defTabSz="533400">
+            <a:lnSpc>
+              <a:spcPct val="90000"/>
+            </a:lnSpc>
+            <a:spcBef>
+              <a:spcPct val="0"/>
+            </a:spcBef>
+            <a:spcAft>
+              <a:spcPts val="600"/>
+            </a:spcAft>
+            <a:buChar char="•"/>
+          </a:pPr>
+          <a:r>
+            <a:rPr lang="en-IN" sz="1200" kern="1200" dirty="0"/>
+            <a:t>Payment Method </a:t>
+          </a:r>
+          <a:r>
+            <a:rPr lang="en-US" sz="1200" kern="1200" dirty="0"/>
+            <a:t>(Electronic check, Mailed check, Bank transfer (automatic), Credit Card (automatic))</a:t>
+          </a:r>
+          <a:endParaRPr lang="en-IN" sz="1200" kern="1200" dirty="0"/>
+        </a:p>
+        <a:p>
+          <a:pPr marL="114300" lvl="1" indent="-114300" algn="l" defTabSz="533400">
+            <a:lnSpc>
+              <a:spcPct val="90000"/>
+            </a:lnSpc>
+            <a:spcBef>
+              <a:spcPct val="0"/>
+            </a:spcBef>
+            <a:spcAft>
+              <a:spcPts val="600"/>
+            </a:spcAft>
+            <a:buChar char="•"/>
+          </a:pPr>
+          <a:r>
+            <a:rPr lang="en-US" sz="1200" kern="1200" dirty="0"/>
+            <a:t>Monthly Charges: Amount (Numeric Value)</a:t>
+          </a:r>
+          <a:endParaRPr lang="en-IN" sz="1200" kern="1200" dirty="0"/>
+        </a:p>
+        <a:p>
+          <a:pPr marL="114300" lvl="1" indent="-114300" algn="l" defTabSz="533400">
+            <a:lnSpc>
+              <a:spcPct val="90000"/>
+            </a:lnSpc>
+            <a:spcBef>
+              <a:spcPct val="0"/>
+            </a:spcBef>
+            <a:spcAft>
+              <a:spcPts val="600"/>
+            </a:spcAft>
+            <a:buChar char="•"/>
+          </a:pPr>
+          <a:r>
+            <a:rPr lang="en-US" sz="1200" kern="1200" dirty="0"/>
+            <a:t>Total Charges: Amount (Numeric Value)</a:t>
+          </a:r>
+          <a:endParaRPr lang="en-IN" sz="1300" kern="1200" dirty="0"/>
+        </a:p>
+      </dsp:txBody>
+      <dsp:txXfrm>
+        <a:off x="2721683" y="1060995"/>
+        <a:ext cx="2385295" cy="3508238"/>
+      </dsp:txXfrm>
+    </dsp:sp>
+    <dsp:sp modelId="{CB3E46C9-5376-47D6-9810-D46692FFD9FC}">
+      <dsp:nvSpPr>
+        <dsp:cNvPr id="0" name=""/>
+        <dsp:cNvSpPr/>
+      </dsp:nvSpPr>
+      <dsp:spPr>
+        <a:xfrm>
+          <a:off x="5440920" y="366833"/>
+          <a:ext cx="2385295" cy="694161"/>
+        </a:xfrm>
+        <a:prstGeom prst="rect">
+          <a:avLst/>
+        </a:prstGeom>
+        <a:solidFill>
+          <a:schemeClr val="accent1">
+            <a:hueOff val="0"/>
+            <a:satOff val="0"/>
+            <a:lumOff val="0"/>
+            <a:alphaOff val="0"/>
+          </a:schemeClr>
+        </a:solidFill>
+        <a:ln w="19050" cap="rnd" cmpd="sng" algn="ctr">
+          <a:solidFill>
+            <a:schemeClr val="accent1">
+              <a:hueOff val="0"/>
+              <a:satOff val="0"/>
+              <a:lumOff val="0"/>
+              <a:alphaOff val="0"/>
+            </a:schemeClr>
+          </a:solidFill>
+          <a:prstDash val="solid"/>
+        </a:ln>
+        <a:effectLst/>
+      </dsp:spPr>
+      <dsp:style>
+        <a:lnRef idx="2">
+          <a:scrgbClr r="0" g="0" b="0"/>
+        </a:lnRef>
+        <a:fillRef idx="1">
+          <a:scrgbClr r="0" g="0" b="0"/>
+        </a:fillRef>
+        <a:effectRef idx="0">
+          <a:scrgbClr r="0" g="0" b="0"/>
+        </a:effectRef>
+        <a:fontRef idx="minor">
+          <a:schemeClr val="lt1"/>
+        </a:fontRef>
+      </dsp:style>
+      <dsp:txBody>
+        <a:bodyPr spcFirstLastPara="0" vert="horz" wrap="square" lIns="142240" tIns="81280" rIns="142240" bIns="81280" numCol="1" spcCol="1270" anchor="ctr" anchorCtr="0">
+          <a:noAutofit/>
+        </a:bodyPr>
+        <a:lstStyle/>
+        <a:p>
+          <a:pPr marL="0" lvl="0" indent="0" algn="ctr" defTabSz="889000">
+            <a:lnSpc>
+              <a:spcPct val="90000"/>
+            </a:lnSpc>
+            <a:spcBef>
+              <a:spcPct val="0"/>
+            </a:spcBef>
+            <a:spcAft>
+              <a:spcPct val="35000"/>
+            </a:spcAft>
+            <a:buNone/>
+          </a:pPr>
+          <a:r>
+            <a:rPr lang="en-US" sz="2000" kern="1200" dirty="0"/>
+            <a:t>Service Information</a:t>
+          </a:r>
+          <a:endParaRPr lang="en-IN" sz="2000" kern="1200" dirty="0"/>
+        </a:p>
+      </dsp:txBody>
+      <dsp:txXfrm>
+        <a:off x="5440920" y="366833"/>
+        <a:ext cx="2385295" cy="694161"/>
+      </dsp:txXfrm>
+    </dsp:sp>
+    <dsp:sp modelId="{32C57CDF-AB3C-413F-8B69-C552E6690F07}">
+      <dsp:nvSpPr>
+        <dsp:cNvPr id="0" name=""/>
+        <dsp:cNvSpPr/>
+      </dsp:nvSpPr>
+      <dsp:spPr>
+        <a:xfrm>
+          <a:off x="5440920" y="1060995"/>
+          <a:ext cx="2385295" cy="3508238"/>
+        </a:xfrm>
+        <a:prstGeom prst="rect">
+          <a:avLst/>
+        </a:prstGeom>
+        <a:solidFill>
+          <a:schemeClr val="accent1">
+            <a:alpha val="90000"/>
+            <a:tint val="40000"/>
+            <a:hueOff val="0"/>
+            <a:satOff val="0"/>
+            <a:lumOff val="0"/>
+            <a:alphaOff val="0"/>
+          </a:schemeClr>
+        </a:solidFill>
+        <a:ln w="19050" cap="rnd" cmpd="sng" algn="ctr">
+          <a:solidFill>
+            <a:schemeClr val="accent1">
+              <a:alpha val="90000"/>
+              <a:tint val="40000"/>
+              <a:hueOff val="0"/>
+              <a:satOff val="0"/>
+              <a:lumOff val="0"/>
+              <a:alphaOff val="0"/>
+            </a:schemeClr>
+          </a:solidFill>
+          <a:prstDash val="solid"/>
+        </a:ln>
+        <a:effectLst/>
+      </dsp:spPr>
+      <dsp:style>
+        <a:lnRef idx="2">
+          <a:scrgbClr r="0" g="0" b="0"/>
+        </a:lnRef>
+        <a:fillRef idx="1">
+          <a:scrgbClr r="0" g="0" b="0"/>
+        </a:fillRef>
+        <a:effectRef idx="0">
+          <a:scrgbClr r="0" g="0" b="0"/>
+        </a:effectRef>
+        <a:fontRef idx="minor"/>
+      </dsp:style>
+      <dsp:txBody>
+        <a:bodyPr spcFirstLastPara="0" vert="horz" wrap="square" lIns="64008" tIns="64008" rIns="85344" bIns="96012" numCol="1" spcCol="1270" anchor="t" anchorCtr="0">
+          <a:noAutofit/>
+        </a:bodyPr>
+        <a:lstStyle/>
+        <a:p>
+          <a:pPr marL="114300" lvl="1" indent="-114300" algn="l" defTabSz="533400">
+            <a:lnSpc>
+              <a:spcPct val="90000"/>
+            </a:lnSpc>
+            <a:spcBef>
+              <a:spcPct val="0"/>
+            </a:spcBef>
+            <a:spcAft>
+              <a:spcPts val="600"/>
+            </a:spcAft>
+            <a:buChar char="•"/>
+          </a:pPr>
+          <a:r>
+            <a:rPr lang="en-US" sz="1200" kern="1200" dirty="0">
+              <a:solidFill>
+                <a:prstClr val="black">
+                  <a:hueOff val="0"/>
+                  <a:satOff val="0"/>
+                  <a:lumOff val="0"/>
+                  <a:alphaOff val="0"/>
+                </a:prstClr>
+              </a:solidFill>
+              <a:latin typeface="Trebuchet MS" panose="020B0603020202020204"/>
+              <a:ea typeface="+mn-ea"/>
+              <a:cs typeface="+mn-cs"/>
+            </a:rPr>
+            <a:t>Phone Service (Yes, No)</a:t>
+          </a:r>
+          <a:endParaRPr lang="en-IN" sz="1200" kern="1200" dirty="0">
+            <a:solidFill>
+              <a:prstClr val="black">
+                <a:hueOff val="0"/>
+                <a:satOff val="0"/>
+                <a:lumOff val="0"/>
+                <a:alphaOff val="0"/>
+              </a:prstClr>
+            </a:solidFill>
+            <a:latin typeface="Trebuchet MS" panose="020B0603020202020204"/>
+            <a:ea typeface="+mn-ea"/>
+            <a:cs typeface="+mn-cs"/>
+          </a:endParaRPr>
+        </a:p>
+        <a:p>
+          <a:pPr marL="114300" lvl="1" indent="-114300" algn="l" defTabSz="533400">
+            <a:lnSpc>
+              <a:spcPct val="90000"/>
+            </a:lnSpc>
+            <a:spcBef>
+              <a:spcPct val="0"/>
+            </a:spcBef>
+            <a:spcAft>
+              <a:spcPts val="600"/>
+            </a:spcAft>
+            <a:buChar char="•"/>
+          </a:pPr>
+          <a:r>
+            <a:rPr lang="en-US" sz="1200" kern="1200" dirty="0">
+              <a:solidFill>
+                <a:prstClr val="black">
+                  <a:hueOff val="0"/>
+                  <a:satOff val="0"/>
+                  <a:lumOff val="0"/>
+                  <a:alphaOff val="0"/>
+                </a:prstClr>
+              </a:solidFill>
+              <a:latin typeface="Trebuchet MS" panose="020B0603020202020204"/>
+              <a:ea typeface="+mn-ea"/>
+              <a:cs typeface="+mn-cs"/>
+            </a:rPr>
+            <a:t>Multiple Lines (No Phone, Yes, No)</a:t>
+          </a:r>
+          <a:endParaRPr lang="en-IN" sz="1200" kern="1200" dirty="0">
+            <a:solidFill>
+              <a:prstClr val="black">
+                <a:hueOff val="0"/>
+                <a:satOff val="0"/>
+                <a:lumOff val="0"/>
+                <a:alphaOff val="0"/>
+              </a:prstClr>
+            </a:solidFill>
+            <a:latin typeface="Trebuchet MS" panose="020B0603020202020204"/>
+            <a:ea typeface="+mn-ea"/>
+            <a:cs typeface="+mn-cs"/>
+          </a:endParaRPr>
+        </a:p>
+        <a:p>
+          <a:pPr marL="114300" lvl="1" indent="-114300" algn="l" defTabSz="533400">
+            <a:lnSpc>
+              <a:spcPct val="90000"/>
+            </a:lnSpc>
+            <a:spcBef>
+              <a:spcPct val="0"/>
+            </a:spcBef>
+            <a:spcAft>
+              <a:spcPts val="600"/>
+            </a:spcAft>
+            <a:buChar char="•"/>
+          </a:pPr>
+          <a:r>
+            <a:rPr lang="en-US" sz="1200" kern="1200" dirty="0">
+              <a:solidFill>
+                <a:prstClr val="black">
+                  <a:hueOff val="0"/>
+                  <a:satOff val="0"/>
+                  <a:lumOff val="0"/>
+                  <a:alphaOff val="0"/>
+                </a:prstClr>
+              </a:solidFill>
+              <a:latin typeface="Trebuchet MS" panose="020B0603020202020204"/>
+              <a:ea typeface="+mn-ea"/>
+              <a:cs typeface="+mn-cs"/>
+            </a:rPr>
+            <a:t>Internet Services </a:t>
+          </a:r>
+          <a:r>
+            <a:rPr lang="en-IN" sz="1200" kern="1200" dirty="0">
+              <a:solidFill>
+                <a:prstClr val="black">
+                  <a:hueOff val="0"/>
+                  <a:satOff val="0"/>
+                  <a:lumOff val="0"/>
+                  <a:alphaOff val="0"/>
+                </a:prstClr>
+              </a:solidFill>
+              <a:latin typeface="Trebuchet MS" panose="020B0603020202020204"/>
+              <a:ea typeface="+mn-ea"/>
+              <a:cs typeface="+mn-cs"/>
+            </a:rPr>
+            <a:t>(DSL, </a:t>
+          </a:r>
+          <a:r>
+            <a:rPr lang="en-IN" sz="1200" kern="1200" dirty="0" err="1">
+              <a:solidFill>
+                <a:prstClr val="black">
+                  <a:hueOff val="0"/>
+                  <a:satOff val="0"/>
+                  <a:lumOff val="0"/>
+                  <a:alphaOff val="0"/>
+                </a:prstClr>
+              </a:solidFill>
+              <a:latin typeface="Trebuchet MS" panose="020B0603020202020204"/>
+              <a:ea typeface="+mn-ea"/>
+              <a:cs typeface="+mn-cs"/>
+            </a:rPr>
+            <a:t>Fiber</a:t>
+          </a:r>
+          <a:r>
+            <a:rPr lang="en-IN" sz="1200" kern="1200" dirty="0">
+              <a:solidFill>
+                <a:prstClr val="black">
+                  <a:hueOff val="0"/>
+                  <a:satOff val="0"/>
+                  <a:lumOff val="0"/>
+                  <a:alphaOff val="0"/>
+                </a:prstClr>
+              </a:solidFill>
+              <a:latin typeface="Trebuchet MS" panose="020B0603020202020204"/>
+              <a:ea typeface="+mn-ea"/>
+              <a:cs typeface="+mn-cs"/>
+            </a:rPr>
+            <a:t> optic, No)</a:t>
+          </a:r>
+        </a:p>
+        <a:p>
+          <a:pPr marL="114300" lvl="1" indent="-114300" algn="l" defTabSz="533400">
+            <a:lnSpc>
+              <a:spcPct val="90000"/>
+            </a:lnSpc>
+            <a:spcBef>
+              <a:spcPct val="0"/>
+            </a:spcBef>
+            <a:spcAft>
+              <a:spcPts val="600"/>
+            </a:spcAft>
+            <a:buChar char="•"/>
+          </a:pPr>
+          <a:r>
+            <a:rPr lang="en-US" sz="1200" kern="1200" dirty="0">
+              <a:solidFill>
+                <a:prstClr val="black">
+                  <a:hueOff val="0"/>
+                  <a:satOff val="0"/>
+                  <a:lumOff val="0"/>
+                  <a:alphaOff val="0"/>
+                </a:prstClr>
+              </a:solidFill>
+              <a:latin typeface="Trebuchet MS" panose="020B0603020202020204"/>
+              <a:ea typeface="+mn-ea"/>
+              <a:cs typeface="+mn-cs"/>
+            </a:rPr>
+            <a:t>Online Security: (No internet service, No, Yes)</a:t>
+          </a:r>
+          <a:endParaRPr lang="en-IN" sz="1200" kern="1200" dirty="0">
+            <a:solidFill>
+              <a:prstClr val="black">
+                <a:hueOff val="0"/>
+                <a:satOff val="0"/>
+                <a:lumOff val="0"/>
+                <a:alphaOff val="0"/>
+              </a:prstClr>
+            </a:solidFill>
+            <a:latin typeface="Trebuchet MS" panose="020B0603020202020204"/>
+            <a:ea typeface="+mn-ea"/>
+            <a:cs typeface="+mn-cs"/>
+          </a:endParaRPr>
+        </a:p>
+        <a:p>
+          <a:pPr marL="114300" lvl="1" indent="-114300" algn="l" defTabSz="533400">
+            <a:lnSpc>
+              <a:spcPct val="90000"/>
+            </a:lnSpc>
+            <a:spcBef>
+              <a:spcPct val="0"/>
+            </a:spcBef>
+            <a:spcAft>
+              <a:spcPts val="600"/>
+            </a:spcAft>
+            <a:buChar char="•"/>
+          </a:pPr>
+          <a:r>
+            <a:rPr lang="en-US" sz="1200" kern="1200" dirty="0">
+              <a:solidFill>
+                <a:prstClr val="black">
+                  <a:hueOff val="0"/>
+                  <a:satOff val="0"/>
+                  <a:lumOff val="0"/>
+                  <a:alphaOff val="0"/>
+                </a:prstClr>
+              </a:solidFill>
+              <a:latin typeface="Trebuchet MS" panose="020B0603020202020204"/>
+              <a:ea typeface="+mn-ea"/>
+              <a:cs typeface="+mn-cs"/>
+            </a:rPr>
+            <a:t>Online Backup (No internet service, No, Yes)</a:t>
+          </a:r>
+          <a:endParaRPr lang="en-IN" sz="1200" kern="1200" dirty="0">
+            <a:solidFill>
+              <a:prstClr val="black">
+                <a:hueOff val="0"/>
+                <a:satOff val="0"/>
+                <a:lumOff val="0"/>
+                <a:alphaOff val="0"/>
+              </a:prstClr>
+            </a:solidFill>
+            <a:latin typeface="Trebuchet MS" panose="020B0603020202020204"/>
+            <a:ea typeface="+mn-ea"/>
+            <a:cs typeface="+mn-cs"/>
+          </a:endParaRPr>
+        </a:p>
+        <a:p>
+          <a:pPr marL="114300" lvl="1" indent="-114300" algn="l" defTabSz="533400">
+            <a:lnSpc>
+              <a:spcPct val="90000"/>
+            </a:lnSpc>
+            <a:spcBef>
+              <a:spcPct val="0"/>
+            </a:spcBef>
+            <a:spcAft>
+              <a:spcPts val="600"/>
+            </a:spcAft>
+            <a:buChar char="•"/>
+          </a:pPr>
+          <a:r>
+            <a:rPr lang="en-US" sz="1200" kern="1200" dirty="0">
+              <a:solidFill>
+                <a:prstClr val="black">
+                  <a:hueOff val="0"/>
+                  <a:satOff val="0"/>
+                  <a:lumOff val="0"/>
+                  <a:alphaOff val="0"/>
+                </a:prstClr>
+              </a:solidFill>
+              <a:latin typeface="Trebuchet MS" panose="020B0603020202020204"/>
+              <a:ea typeface="+mn-ea"/>
+              <a:cs typeface="+mn-cs"/>
+            </a:rPr>
+            <a:t>Device Protection (No internet service, No, Yes)</a:t>
+          </a:r>
+          <a:endParaRPr lang="en-IN" sz="1200" kern="1200" dirty="0">
+            <a:solidFill>
+              <a:prstClr val="black">
+                <a:hueOff val="0"/>
+                <a:satOff val="0"/>
+                <a:lumOff val="0"/>
+                <a:alphaOff val="0"/>
+              </a:prstClr>
+            </a:solidFill>
+            <a:latin typeface="Trebuchet MS" panose="020B0603020202020204"/>
+            <a:ea typeface="+mn-ea"/>
+            <a:cs typeface="+mn-cs"/>
+          </a:endParaRPr>
+        </a:p>
+        <a:p>
+          <a:pPr marL="114300" lvl="1" indent="-114300" algn="l" defTabSz="533400">
+            <a:lnSpc>
+              <a:spcPct val="90000"/>
+            </a:lnSpc>
+            <a:spcBef>
+              <a:spcPct val="0"/>
+            </a:spcBef>
+            <a:spcAft>
+              <a:spcPts val="600"/>
+            </a:spcAft>
+            <a:buChar char="•"/>
+          </a:pPr>
+          <a:r>
+            <a:rPr lang="en-US" sz="1200" kern="1200" dirty="0">
+              <a:solidFill>
+                <a:prstClr val="black">
+                  <a:hueOff val="0"/>
+                  <a:satOff val="0"/>
+                  <a:lumOff val="0"/>
+                  <a:alphaOff val="0"/>
+                </a:prstClr>
+              </a:solidFill>
+              <a:latin typeface="Trebuchet MS" panose="020B0603020202020204"/>
+              <a:ea typeface="+mn-ea"/>
+              <a:cs typeface="+mn-cs"/>
+            </a:rPr>
+            <a:t>Tech Support (No internet service, No, Yes)</a:t>
+          </a:r>
+          <a:endParaRPr lang="en-IN" sz="1200" kern="1200" dirty="0">
+            <a:solidFill>
+              <a:prstClr val="black">
+                <a:hueOff val="0"/>
+                <a:satOff val="0"/>
+                <a:lumOff val="0"/>
+                <a:alphaOff val="0"/>
+              </a:prstClr>
+            </a:solidFill>
+            <a:latin typeface="Trebuchet MS" panose="020B0603020202020204"/>
+            <a:ea typeface="+mn-ea"/>
+            <a:cs typeface="+mn-cs"/>
+          </a:endParaRPr>
+        </a:p>
+        <a:p>
+          <a:pPr marL="114300" lvl="1" indent="-114300" algn="l" defTabSz="533400">
+            <a:lnSpc>
+              <a:spcPct val="90000"/>
+            </a:lnSpc>
+            <a:spcBef>
+              <a:spcPct val="0"/>
+            </a:spcBef>
+            <a:spcAft>
+              <a:spcPts val="600"/>
+            </a:spcAft>
+            <a:buChar char="•"/>
+          </a:pPr>
+          <a:r>
+            <a:rPr lang="en-US" sz="1200" kern="1200" dirty="0">
+              <a:solidFill>
+                <a:prstClr val="black">
+                  <a:hueOff val="0"/>
+                  <a:satOff val="0"/>
+                  <a:lumOff val="0"/>
+                  <a:alphaOff val="0"/>
+                </a:prstClr>
+              </a:solidFill>
+              <a:latin typeface="Trebuchet MS" panose="020B0603020202020204"/>
+              <a:ea typeface="+mn-ea"/>
+              <a:cs typeface="+mn-cs"/>
+            </a:rPr>
+            <a:t>Streaming TV (No internet service, No, Yes)</a:t>
+          </a:r>
+          <a:endParaRPr lang="en-IN" sz="1200" kern="1200" dirty="0">
+            <a:solidFill>
+              <a:prstClr val="black">
+                <a:hueOff val="0"/>
+                <a:satOff val="0"/>
+                <a:lumOff val="0"/>
+                <a:alphaOff val="0"/>
+              </a:prstClr>
+            </a:solidFill>
+            <a:latin typeface="Trebuchet MS" panose="020B0603020202020204"/>
+            <a:ea typeface="+mn-ea"/>
+            <a:cs typeface="+mn-cs"/>
+          </a:endParaRPr>
+        </a:p>
+        <a:p>
+          <a:pPr marL="114300" lvl="1" indent="-114300" algn="l" defTabSz="533400">
+            <a:lnSpc>
+              <a:spcPct val="90000"/>
+            </a:lnSpc>
+            <a:spcBef>
+              <a:spcPct val="0"/>
+            </a:spcBef>
+            <a:spcAft>
+              <a:spcPts val="600"/>
+            </a:spcAft>
+            <a:buChar char="•"/>
+          </a:pPr>
+          <a:r>
+            <a:rPr lang="en-US" sz="1200" kern="1200" dirty="0">
+              <a:solidFill>
+                <a:prstClr val="black">
+                  <a:hueOff val="0"/>
+                  <a:satOff val="0"/>
+                  <a:lumOff val="0"/>
+                  <a:alphaOff val="0"/>
+                </a:prstClr>
+              </a:solidFill>
+              <a:latin typeface="Trebuchet MS" panose="020B0603020202020204"/>
+              <a:ea typeface="+mn-ea"/>
+              <a:cs typeface="+mn-cs"/>
+            </a:rPr>
+            <a:t>Streaming Movies (No internet service, No, Yes)</a:t>
+          </a:r>
+          <a:endParaRPr lang="en-IN" sz="1200" kern="1200" dirty="0">
+            <a:solidFill>
+              <a:prstClr val="black">
+                <a:hueOff val="0"/>
+                <a:satOff val="0"/>
+                <a:lumOff val="0"/>
+                <a:alphaOff val="0"/>
+              </a:prstClr>
+            </a:solidFill>
+            <a:latin typeface="Trebuchet MS" panose="020B0603020202020204"/>
+            <a:ea typeface="+mn-ea"/>
+            <a:cs typeface="+mn-cs"/>
+          </a:endParaRPr>
+        </a:p>
+      </dsp:txBody>
+      <dsp:txXfrm>
+        <a:off x="5440920" y="1060995"/>
+        <a:ext cx="2385295" cy="3508238"/>
+      </dsp:txXfrm>
     </dsp:sp>
   </dsp:spTree>
 </dsp:drawing>
@@ -3662,6 +6855,223 @@
 </dgm:layoutDef>
 </file>
 
+<file path=ppt/diagrams/layout2.xml><?xml version="1.0" encoding="utf-8"?>
+<dgm:layoutDef xmlns:dgm="http://schemas.openxmlformats.org/drawingml/2006/diagram" xmlns:a="http://schemas.openxmlformats.org/drawingml/2006/main" uniqueId="urn:microsoft.com/office/officeart/2005/8/layout/hList1">
+  <dgm:title val=""/>
+  <dgm:desc val=""/>
+  <dgm:catLst>
+    <dgm:cat type="list" pri="5000"/>
+    <dgm:cat type="convert" pri="5000"/>
+  </dgm:catLst>
+  <dgm:sampData>
+    <dgm:dataModel>
+      <dgm:ptLst>
+        <dgm:pt modelId="0" type="doc"/>
+        <dgm:pt modelId="1">
+          <dgm:prSet phldr="1"/>
+        </dgm:pt>
+        <dgm:pt modelId="11">
+          <dgm:prSet phldr="1"/>
+        </dgm:pt>
+        <dgm:pt modelId="12">
+          <dgm:prSet phldr="1"/>
+        </dgm:pt>
+        <dgm:pt modelId="2">
+          <dgm:prSet phldr="1"/>
+        </dgm:pt>
+        <dgm:pt modelId="21">
+          <dgm:prSet phldr="1"/>
+        </dgm:pt>
+        <dgm:pt modelId="22">
+          <dgm:prSet phldr="1"/>
+        </dgm:pt>
+        <dgm:pt modelId="3">
+          <dgm:prSet phldr="1"/>
+        </dgm:pt>
+        <dgm:pt modelId="31">
+          <dgm:prSet phldr="1"/>
+        </dgm:pt>
+        <dgm:pt modelId="32">
+          <dgm:prSet phldr="1"/>
+        </dgm:pt>
+      </dgm:ptLst>
+      <dgm:cxnLst>
+        <dgm:cxn modelId="4" srcId="0" destId="1" srcOrd="0" destOrd="0"/>
+        <dgm:cxn modelId="5" srcId="0" destId="2" srcOrd="1" destOrd="0"/>
+        <dgm:cxn modelId="6" srcId="0" destId="3" srcOrd="2" destOrd="0"/>
+        <dgm:cxn modelId="13" srcId="1" destId="11" srcOrd="0" destOrd="0"/>
+        <dgm:cxn modelId="14" srcId="1" destId="12" srcOrd="1" destOrd="0"/>
+        <dgm:cxn modelId="23" srcId="2" destId="21" srcOrd="0" destOrd="0"/>
+        <dgm:cxn modelId="24" srcId="2" destId="22" srcOrd="1" destOrd="0"/>
+        <dgm:cxn modelId="33" srcId="3" destId="31" srcOrd="0" destOrd="0"/>
+        <dgm:cxn modelId="34" srcId="3" destId="32" srcOrd="1" destOrd="0"/>
+      </dgm:cxnLst>
+      <dgm:bg/>
+      <dgm:whole/>
+    </dgm:dataModel>
+  </dgm:sampData>
+  <dgm:styleData>
+    <dgm:dataModel>
+      <dgm:ptLst>
+        <dgm:pt modelId="0" type="doc"/>
+        <dgm:pt modelId="1">
+          <dgm:prSet phldr="1"/>
+        </dgm:pt>
+        <dgm:pt modelId="2">
+          <dgm:prSet phldr="1"/>
+        </dgm:pt>
+      </dgm:ptLst>
+      <dgm:cxnLst>
+        <dgm:cxn modelId="3" srcId="0" destId="1" srcOrd="0" destOrd="0"/>
+        <dgm:cxn modelId="4" srcId="0" destId="2" srcOrd="1" destOrd="0"/>
+      </dgm:cxnLst>
+      <dgm:bg/>
+      <dgm:whole/>
+    </dgm:dataModel>
+  </dgm:styleData>
+  <dgm:clrData>
+    <dgm:dataModel>
+      <dgm:ptLst>
+        <dgm:pt modelId="0" type="doc"/>
+        <dgm:pt modelId="1">
+          <dgm:prSet phldr="1"/>
+        </dgm:pt>
+        <dgm:pt modelId="2">
+          <dgm:prSet phldr="1"/>
+        </dgm:pt>
+        <dgm:pt modelId="3">
+          <dgm:prSet phldr="1"/>
+        </dgm:pt>
+        <dgm:pt modelId="4">
+          <dgm:prSet phldr="1"/>
+        </dgm:pt>
+      </dgm:ptLst>
+      <dgm:cxnLst>
+        <dgm:cxn modelId="5" srcId="0" destId="1" srcOrd="0" destOrd="0"/>
+        <dgm:cxn modelId="6" srcId="0" destId="2" srcOrd="1" destOrd="0"/>
+        <dgm:cxn modelId="7" srcId="0" destId="3" srcOrd="2" destOrd="0"/>
+        <dgm:cxn modelId="8" srcId="0" destId="4" srcOrd="3" destOrd="0"/>
+      </dgm:cxnLst>
+      <dgm:bg/>
+      <dgm:whole/>
+    </dgm:dataModel>
+  </dgm:clrData>
+  <dgm:layoutNode name="Name0">
+    <dgm:varLst>
+      <dgm:dir/>
+      <dgm:animLvl val="lvl"/>
+      <dgm:resizeHandles val="exact"/>
+    </dgm:varLst>
+    <dgm:choose name="Name1">
+      <dgm:if name="Name2" func="var" arg="dir" op="equ" val="norm">
+        <dgm:alg type="lin"/>
+      </dgm:if>
+      <dgm:else name="Name3">
+        <dgm:alg type="lin">
+          <dgm:param type="linDir" val="fromR"/>
+        </dgm:alg>
+      </dgm:else>
+    </dgm:choose>
+    <dgm:shape xmlns:r="http://schemas.openxmlformats.org/officeDocument/2006/relationships" r:blip="">
+      <dgm:adjLst/>
+    </dgm:shape>
+    <dgm:presOf/>
+    <dgm:constrLst>
+      <dgm:constr type="h" for="ch" forName="composite" refType="h"/>
+      <dgm:constr type="w" for="ch" forName="composite" refType="w"/>
+      <dgm:constr type="w" for="des" forName="parTx"/>
+      <dgm:constr type="h" for="des" forName="parTx" op="equ"/>
+      <dgm:constr type="w" for="des" forName="desTx"/>
+      <dgm:constr type="h" for="des" forName="desTx" op="equ"/>
+      <dgm:constr type="primFontSz" for="des" forName="parTx" val="65"/>
+      <dgm:constr type="secFontSz" for="des" forName="desTx" refType="primFontSz" refFor="des" refForName="parTx" op="equ"/>
+      <dgm:constr type="h" for="des" forName="parTx" refType="primFontSz" refFor="des" refForName="parTx" fact="0.8"/>
+      <dgm:constr type="h" for="des" forName="desTx" refType="primFontSz" refFor="des" refForName="parTx" fact="1.22"/>
+      <dgm:constr type="w" for="ch" forName="space" refType="w" refFor="ch" refForName="composite" op="equ" fact="0.14"/>
+    </dgm:constrLst>
+    <dgm:ruleLst>
+      <dgm:rule type="w" for="ch" forName="composite" val="0" fact="NaN" max="NaN"/>
+      <dgm:rule type="primFontSz" for="des" forName="parTx" val="5" fact="NaN" max="NaN"/>
+    </dgm:ruleLst>
+    <dgm:forEach name="Name4" axis="ch" ptType="node">
+      <dgm:layoutNode name="composite">
+        <dgm:alg type="composite"/>
+        <dgm:shape xmlns:r="http://schemas.openxmlformats.org/officeDocument/2006/relationships" r:blip="">
+          <dgm:adjLst/>
+        </dgm:shape>
+        <dgm:presOf/>
+        <dgm:constrLst>
+          <dgm:constr type="l" for="ch" forName="parTx"/>
+          <dgm:constr type="w" for="ch" forName="parTx" refType="w"/>
+          <dgm:constr type="t" for="ch" forName="parTx"/>
+          <dgm:constr type="l" for="ch" forName="desTx"/>
+          <dgm:constr type="w" for="ch" forName="desTx" refType="w" refFor="ch" refForName="parTx"/>
+          <dgm:constr type="t" for="ch" forName="desTx" refType="h" refFor="ch" refForName="parTx"/>
+        </dgm:constrLst>
+        <dgm:ruleLst>
+          <dgm:rule type="h" val="INF" fact="NaN" max="NaN"/>
+        </dgm:ruleLst>
+        <dgm:layoutNode name="parTx" styleLbl="alignNode1">
+          <dgm:varLst>
+            <dgm:chMax val="0"/>
+            <dgm:chPref val="0"/>
+            <dgm:bulletEnabled val="1"/>
+          </dgm:varLst>
+          <dgm:alg type="tx"/>
+          <dgm:shape xmlns:r="http://schemas.openxmlformats.org/officeDocument/2006/relationships" type="rect" r:blip="">
+            <dgm:adjLst/>
+          </dgm:shape>
+          <dgm:presOf axis="self" ptType="node"/>
+          <dgm:constrLst>
+            <dgm:constr type="h" refType="w" op="lte" fact="0.4"/>
+            <dgm:constr type="h"/>
+            <dgm:constr type="tMarg" refType="primFontSz" fact="0.32"/>
+            <dgm:constr type="bMarg" refType="primFontSz" fact="0.32"/>
+          </dgm:constrLst>
+          <dgm:ruleLst>
+            <dgm:rule type="h" val="INF" fact="NaN" max="NaN"/>
+          </dgm:ruleLst>
+        </dgm:layoutNode>
+        <dgm:layoutNode name="desTx" styleLbl="alignAccFollowNode1">
+          <dgm:varLst>
+            <dgm:bulletEnabled val="1"/>
+          </dgm:varLst>
+          <dgm:alg type="tx">
+            <dgm:param type="stBulletLvl" val="1"/>
+          </dgm:alg>
+          <dgm:shape xmlns:r="http://schemas.openxmlformats.org/officeDocument/2006/relationships" type="rect" r:blip="">
+            <dgm:adjLst/>
+          </dgm:shape>
+          <dgm:presOf axis="des" ptType="node"/>
+          <dgm:constrLst>
+            <dgm:constr type="secFontSz" val="65"/>
+            <dgm:constr type="primFontSz" refType="secFontSz"/>
+            <dgm:constr type="h"/>
+            <dgm:constr type="lMarg" refType="primFontSz" fact="0.42"/>
+            <dgm:constr type="tMarg" refType="primFontSz" fact="0.42"/>
+            <dgm:constr type="bMarg" refType="primFontSz" fact="0.63"/>
+          </dgm:constrLst>
+          <dgm:ruleLst>
+            <dgm:rule type="h" val="INF" fact="NaN" max="NaN"/>
+          </dgm:ruleLst>
+        </dgm:layoutNode>
+      </dgm:layoutNode>
+      <dgm:forEach name="Name5" axis="followSib" ptType="sibTrans" cnt="1">
+        <dgm:layoutNode name="space">
+          <dgm:alg type="sp"/>
+          <dgm:shape xmlns:r="http://schemas.openxmlformats.org/officeDocument/2006/relationships" r:blip="">
+            <dgm:adjLst/>
+          </dgm:shape>
+          <dgm:presOf/>
+          <dgm:constrLst/>
+          <dgm:ruleLst/>
+        </dgm:layoutNode>
+      </dgm:forEach>
+    </dgm:forEach>
+  </dgm:layoutNode>
+</dgm:layoutDef>
+</file>
+
 <file path=ppt/diagrams/quickStyle1.xml><?xml version="1.0" encoding="utf-8"?>
 <dgm:styleDef xmlns:dgm="http://schemas.openxmlformats.org/drawingml/2006/diagram" xmlns:a="http://schemas.openxmlformats.org/drawingml/2006/main" uniqueId="urn:microsoft.com/office/officeart/2005/8/quickstyle/3d3">
   <dgm:title val=""/>
@@ -4978,6 +8388,1040 @@
     <dgm:txPr/>
     <dgm:style>
       <a:lnRef idx="1">
+        <a:scrgbClr r="0" g="0" b="0"/>
+      </a:lnRef>
+      <a:fillRef idx="0">
+        <a:scrgbClr r="0" g="0" b="0"/>
+      </a:fillRef>
+      <a:effectRef idx="0">
+        <a:scrgbClr r="0" g="0" b="0"/>
+      </a:effectRef>
+      <a:fontRef idx="minor"/>
+    </dgm:style>
+  </dgm:styleLbl>
+</dgm:styleDef>
+</file>
+
+<file path=ppt/diagrams/quickStyle2.xml><?xml version="1.0" encoding="utf-8"?>
+<dgm:styleDef xmlns:dgm="http://schemas.openxmlformats.org/drawingml/2006/diagram" xmlns:a="http://schemas.openxmlformats.org/drawingml/2006/main" uniqueId="urn:microsoft.com/office/officeart/2005/8/quickstyle/simple1">
+  <dgm:title val=""/>
+  <dgm:desc val=""/>
+  <dgm:catLst>
+    <dgm:cat type="simple" pri="10100"/>
+  </dgm:catLst>
+  <dgm:scene3d>
+    <a:camera prst="orthographicFront"/>
+    <a:lightRig rig="threePt" dir="t"/>
+  </dgm:scene3d>
+  <dgm:styleLbl name="node0">
+    <dgm:scene3d>
+      <a:camera prst="orthographicFront"/>
+      <a:lightRig rig="threePt" dir="t"/>
+    </dgm:scene3d>
+    <dgm:sp3d/>
+    <dgm:txPr/>
+    <dgm:style>
+      <a:lnRef idx="2">
+        <a:scrgbClr r="0" g="0" b="0"/>
+      </a:lnRef>
+      <a:fillRef idx="1">
+        <a:scrgbClr r="0" g="0" b="0"/>
+      </a:fillRef>
+      <a:effectRef idx="0">
+        <a:scrgbClr r="0" g="0" b="0"/>
+      </a:effectRef>
+      <a:fontRef idx="minor">
+        <a:schemeClr val="lt1"/>
+      </a:fontRef>
+    </dgm:style>
+  </dgm:styleLbl>
+  <dgm:styleLbl name="lnNode1">
+    <dgm:scene3d>
+      <a:camera prst="orthographicFront"/>
+      <a:lightRig rig="threePt" dir="t"/>
+    </dgm:scene3d>
+    <dgm:sp3d/>
+    <dgm:txPr/>
+    <dgm:style>
+      <a:lnRef idx="2">
+        <a:scrgbClr r="0" g="0" b="0"/>
+      </a:lnRef>
+      <a:fillRef idx="1">
+        <a:scrgbClr r="0" g="0" b="0"/>
+      </a:fillRef>
+      <a:effectRef idx="0">
+        <a:scrgbClr r="0" g="0" b="0"/>
+      </a:effectRef>
+      <a:fontRef idx="minor">
+        <a:schemeClr val="lt1"/>
+      </a:fontRef>
+    </dgm:style>
+  </dgm:styleLbl>
+  <dgm:styleLbl name="vennNode1">
+    <dgm:scene3d>
+      <a:camera prst="orthographicFront"/>
+      <a:lightRig rig="threePt" dir="t"/>
+    </dgm:scene3d>
+    <dgm:sp3d/>
+    <dgm:txPr/>
+    <dgm:style>
+      <a:lnRef idx="2">
+        <a:scrgbClr r="0" g="0" b="0"/>
+      </a:lnRef>
+      <a:fillRef idx="1">
+        <a:scrgbClr r="0" g="0" b="0"/>
+      </a:fillRef>
+      <a:effectRef idx="0">
+        <a:scrgbClr r="0" g="0" b="0"/>
+      </a:effectRef>
+      <a:fontRef idx="minor">
+        <a:schemeClr val="tx1"/>
+      </a:fontRef>
+    </dgm:style>
+  </dgm:styleLbl>
+  <dgm:styleLbl name="alignNode1">
+    <dgm:scene3d>
+      <a:camera prst="orthographicFront"/>
+      <a:lightRig rig="threePt" dir="t"/>
+    </dgm:scene3d>
+    <dgm:sp3d/>
+    <dgm:txPr/>
+    <dgm:style>
+      <a:lnRef idx="2">
+        <a:scrgbClr r="0" g="0" b="0"/>
+      </a:lnRef>
+      <a:fillRef idx="1">
+        <a:scrgbClr r="0" g="0" b="0"/>
+      </a:fillRef>
+      <a:effectRef idx="0">
+        <a:scrgbClr r="0" g="0" b="0"/>
+      </a:effectRef>
+      <a:fontRef idx="minor">
+        <a:schemeClr val="lt1"/>
+      </a:fontRef>
+    </dgm:style>
+  </dgm:styleLbl>
+  <dgm:styleLbl name="node1">
+    <dgm:scene3d>
+      <a:camera prst="orthographicFront"/>
+      <a:lightRig rig="threePt" dir="t"/>
+    </dgm:scene3d>
+    <dgm:sp3d/>
+    <dgm:txPr/>
+    <dgm:style>
+      <a:lnRef idx="2">
+        <a:scrgbClr r="0" g="0" b="0"/>
+      </a:lnRef>
+      <a:fillRef idx="1">
+        <a:scrgbClr r="0" g="0" b="0"/>
+      </a:fillRef>
+      <a:effectRef idx="0">
+        <a:scrgbClr r="0" g="0" b="0"/>
+      </a:effectRef>
+      <a:fontRef idx="minor">
+        <a:schemeClr val="lt1"/>
+      </a:fontRef>
+    </dgm:style>
+  </dgm:styleLbl>
+  <dgm:styleLbl name="node2">
+    <dgm:scene3d>
+      <a:camera prst="orthographicFront"/>
+      <a:lightRig rig="threePt" dir="t"/>
+    </dgm:scene3d>
+    <dgm:sp3d/>
+    <dgm:txPr/>
+    <dgm:style>
+      <a:lnRef idx="2">
+        <a:scrgbClr r="0" g="0" b="0"/>
+      </a:lnRef>
+      <a:fillRef idx="1">
+        <a:scrgbClr r="0" g="0" b="0"/>
+      </a:fillRef>
+      <a:effectRef idx="0">
+        <a:scrgbClr r="0" g="0" b="0"/>
+      </a:effectRef>
+      <a:fontRef idx="minor">
+        <a:schemeClr val="lt1"/>
+      </a:fontRef>
+    </dgm:style>
+  </dgm:styleLbl>
+  <dgm:styleLbl name="node3">
+    <dgm:scene3d>
+      <a:camera prst="orthographicFront"/>
+      <a:lightRig rig="threePt" dir="t"/>
+    </dgm:scene3d>
+    <dgm:sp3d/>
+    <dgm:txPr/>
+    <dgm:style>
+      <a:lnRef idx="2">
+        <a:scrgbClr r="0" g="0" b="0"/>
+      </a:lnRef>
+      <a:fillRef idx="1">
+        <a:scrgbClr r="0" g="0" b="0"/>
+      </a:fillRef>
+      <a:effectRef idx="0">
+        <a:scrgbClr r="0" g="0" b="0"/>
+      </a:effectRef>
+      <a:fontRef idx="minor">
+        <a:schemeClr val="lt1"/>
+      </a:fontRef>
+    </dgm:style>
+  </dgm:styleLbl>
+  <dgm:styleLbl name="node4">
+    <dgm:scene3d>
+      <a:camera prst="orthographicFront"/>
+      <a:lightRig rig="threePt" dir="t"/>
+    </dgm:scene3d>
+    <dgm:sp3d/>
+    <dgm:txPr/>
+    <dgm:style>
+      <a:lnRef idx="2">
+        <a:scrgbClr r="0" g="0" b="0"/>
+      </a:lnRef>
+      <a:fillRef idx="1">
+        <a:scrgbClr r="0" g="0" b="0"/>
+      </a:fillRef>
+      <a:effectRef idx="0">
+        <a:scrgbClr r="0" g="0" b="0"/>
+      </a:effectRef>
+      <a:fontRef idx="minor">
+        <a:schemeClr val="lt1"/>
+      </a:fontRef>
+    </dgm:style>
+  </dgm:styleLbl>
+  <dgm:styleLbl name="fgImgPlace1">
+    <dgm:scene3d>
+      <a:camera prst="orthographicFront"/>
+      <a:lightRig rig="threePt" dir="t"/>
+    </dgm:scene3d>
+    <dgm:sp3d/>
+    <dgm:txPr/>
+    <dgm:style>
+      <a:lnRef idx="2">
+        <a:scrgbClr r="0" g="0" b="0"/>
+      </a:lnRef>
+      <a:fillRef idx="1">
+        <a:scrgbClr r="0" g="0" b="0"/>
+      </a:fillRef>
+      <a:effectRef idx="0">
+        <a:scrgbClr r="0" g="0" b="0"/>
+      </a:effectRef>
+      <a:fontRef idx="minor"/>
+    </dgm:style>
+  </dgm:styleLbl>
+  <dgm:styleLbl name="alignImgPlace1">
+    <dgm:scene3d>
+      <a:camera prst="orthographicFront"/>
+      <a:lightRig rig="threePt" dir="t"/>
+    </dgm:scene3d>
+    <dgm:sp3d/>
+    <dgm:txPr/>
+    <dgm:style>
+      <a:lnRef idx="2">
+        <a:scrgbClr r="0" g="0" b="0"/>
+      </a:lnRef>
+      <a:fillRef idx="1">
+        <a:scrgbClr r="0" g="0" b="0"/>
+      </a:fillRef>
+      <a:effectRef idx="0">
+        <a:scrgbClr r="0" g="0" b="0"/>
+      </a:effectRef>
+      <a:fontRef idx="minor"/>
+    </dgm:style>
+  </dgm:styleLbl>
+  <dgm:styleLbl name="bgImgPlace1">
+    <dgm:scene3d>
+      <a:camera prst="orthographicFront"/>
+      <a:lightRig rig="threePt" dir="t"/>
+    </dgm:scene3d>
+    <dgm:sp3d/>
+    <dgm:txPr/>
+    <dgm:style>
+      <a:lnRef idx="2">
+        <a:scrgbClr r="0" g="0" b="0"/>
+      </a:lnRef>
+      <a:fillRef idx="1">
+        <a:scrgbClr r="0" g="0" b="0"/>
+      </a:fillRef>
+      <a:effectRef idx="0">
+        <a:scrgbClr r="0" g="0" b="0"/>
+      </a:effectRef>
+      <a:fontRef idx="minor"/>
+    </dgm:style>
+  </dgm:styleLbl>
+  <dgm:styleLbl name="sibTrans2D1">
+    <dgm:scene3d>
+      <a:camera prst="orthographicFront"/>
+      <a:lightRig rig="threePt" dir="t"/>
+    </dgm:scene3d>
+    <dgm:sp3d/>
+    <dgm:txPr/>
+    <dgm:style>
+      <a:lnRef idx="0">
+        <a:scrgbClr r="0" g="0" b="0"/>
+      </a:lnRef>
+      <a:fillRef idx="1">
+        <a:scrgbClr r="0" g="0" b="0"/>
+      </a:fillRef>
+      <a:effectRef idx="0">
+        <a:scrgbClr r="0" g="0" b="0"/>
+      </a:effectRef>
+      <a:fontRef idx="minor">
+        <a:schemeClr val="lt1"/>
+      </a:fontRef>
+    </dgm:style>
+  </dgm:styleLbl>
+  <dgm:styleLbl name="fgSibTrans2D1">
+    <dgm:scene3d>
+      <a:camera prst="orthographicFront"/>
+      <a:lightRig rig="threePt" dir="t"/>
+    </dgm:scene3d>
+    <dgm:sp3d/>
+    <dgm:txPr/>
+    <dgm:style>
+      <a:lnRef idx="0">
+        <a:scrgbClr r="0" g="0" b="0"/>
+      </a:lnRef>
+      <a:fillRef idx="1">
+        <a:scrgbClr r="0" g="0" b="0"/>
+      </a:fillRef>
+      <a:effectRef idx="0">
+        <a:scrgbClr r="0" g="0" b="0"/>
+      </a:effectRef>
+      <a:fontRef idx="minor">
+        <a:schemeClr val="lt1"/>
+      </a:fontRef>
+    </dgm:style>
+  </dgm:styleLbl>
+  <dgm:styleLbl name="bgSibTrans2D1">
+    <dgm:scene3d>
+      <a:camera prst="orthographicFront"/>
+      <a:lightRig rig="threePt" dir="t"/>
+    </dgm:scene3d>
+    <dgm:sp3d/>
+    <dgm:txPr/>
+    <dgm:style>
+      <a:lnRef idx="0">
+        <a:scrgbClr r="0" g="0" b="0"/>
+      </a:lnRef>
+      <a:fillRef idx="1">
+        <a:scrgbClr r="0" g="0" b="0"/>
+      </a:fillRef>
+      <a:effectRef idx="0">
+        <a:scrgbClr r="0" g="0" b="0"/>
+      </a:effectRef>
+      <a:fontRef idx="minor">
+        <a:schemeClr val="lt1"/>
+      </a:fontRef>
+    </dgm:style>
+  </dgm:styleLbl>
+  <dgm:styleLbl name="sibTrans1D1">
+    <dgm:scene3d>
+      <a:camera prst="orthographicFront"/>
+      <a:lightRig rig="threePt" dir="t"/>
+    </dgm:scene3d>
+    <dgm:sp3d/>
+    <dgm:txPr/>
+    <dgm:style>
+      <a:lnRef idx="1">
+        <a:scrgbClr r="0" g="0" b="0"/>
+      </a:lnRef>
+      <a:fillRef idx="0">
+        <a:scrgbClr r="0" g="0" b="0"/>
+      </a:fillRef>
+      <a:effectRef idx="0">
+        <a:scrgbClr r="0" g="0" b="0"/>
+      </a:effectRef>
+      <a:fontRef idx="minor"/>
+    </dgm:style>
+  </dgm:styleLbl>
+  <dgm:styleLbl name="callout">
+    <dgm:scene3d>
+      <a:camera prst="orthographicFront"/>
+      <a:lightRig rig="threePt" dir="t"/>
+    </dgm:scene3d>
+    <dgm:sp3d/>
+    <dgm:txPr/>
+    <dgm:style>
+      <a:lnRef idx="2">
+        <a:scrgbClr r="0" g="0" b="0"/>
+      </a:lnRef>
+      <a:fillRef idx="1">
+        <a:scrgbClr r="0" g="0" b="0"/>
+      </a:fillRef>
+      <a:effectRef idx="0">
+        <a:scrgbClr r="0" g="0" b="0"/>
+      </a:effectRef>
+      <a:fontRef idx="minor"/>
+    </dgm:style>
+  </dgm:styleLbl>
+  <dgm:styleLbl name="asst0">
+    <dgm:scene3d>
+      <a:camera prst="orthographicFront"/>
+      <a:lightRig rig="threePt" dir="t"/>
+    </dgm:scene3d>
+    <dgm:sp3d/>
+    <dgm:txPr/>
+    <dgm:style>
+      <a:lnRef idx="2">
+        <a:scrgbClr r="0" g="0" b="0"/>
+      </a:lnRef>
+      <a:fillRef idx="1">
+        <a:scrgbClr r="0" g="0" b="0"/>
+      </a:fillRef>
+      <a:effectRef idx="0">
+        <a:scrgbClr r="0" g="0" b="0"/>
+      </a:effectRef>
+      <a:fontRef idx="minor">
+        <a:schemeClr val="lt1"/>
+      </a:fontRef>
+    </dgm:style>
+  </dgm:styleLbl>
+  <dgm:styleLbl name="asst1">
+    <dgm:scene3d>
+      <a:camera prst="orthographicFront"/>
+      <a:lightRig rig="threePt" dir="t"/>
+    </dgm:scene3d>
+    <dgm:sp3d/>
+    <dgm:txPr/>
+    <dgm:style>
+      <a:lnRef idx="2">
+        <a:scrgbClr r="0" g="0" b="0"/>
+      </a:lnRef>
+      <a:fillRef idx="1">
+        <a:scrgbClr r="0" g="0" b="0"/>
+      </a:fillRef>
+      <a:effectRef idx="0">
+        <a:scrgbClr r="0" g="0" b="0"/>
+      </a:effectRef>
+      <a:fontRef idx="minor">
+        <a:schemeClr val="lt1"/>
+      </a:fontRef>
+    </dgm:style>
+  </dgm:styleLbl>
+  <dgm:styleLbl name="asst2">
+    <dgm:scene3d>
+      <a:camera prst="orthographicFront"/>
+      <a:lightRig rig="threePt" dir="t"/>
+    </dgm:scene3d>
+    <dgm:sp3d/>
+    <dgm:txPr/>
+    <dgm:style>
+      <a:lnRef idx="2">
+        <a:scrgbClr r="0" g="0" b="0"/>
+      </a:lnRef>
+      <a:fillRef idx="1">
+        <a:scrgbClr r="0" g="0" b="0"/>
+      </a:fillRef>
+      <a:effectRef idx="0">
+        <a:scrgbClr r="0" g="0" b="0"/>
+      </a:effectRef>
+      <a:fontRef idx="minor">
+        <a:schemeClr val="lt1"/>
+      </a:fontRef>
+    </dgm:style>
+  </dgm:styleLbl>
+  <dgm:styleLbl name="asst3">
+    <dgm:scene3d>
+      <a:camera prst="orthographicFront"/>
+      <a:lightRig rig="threePt" dir="t"/>
+    </dgm:scene3d>
+    <dgm:sp3d/>
+    <dgm:txPr/>
+    <dgm:style>
+      <a:lnRef idx="2">
+        <a:scrgbClr r="0" g="0" b="0"/>
+      </a:lnRef>
+      <a:fillRef idx="1">
+        <a:scrgbClr r="0" g="0" b="0"/>
+      </a:fillRef>
+      <a:effectRef idx="0">
+        <a:scrgbClr r="0" g="0" b="0"/>
+      </a:effectRef>
+      <a:fontRef idx="minor">
+        <a:schemeClr val="lt1"/>
+      </a:fontRef>
+    </dgm:style>
+  </dgm:styleLbl>
+  <dgm:styleLbl name="asst4">
+    <dgm:scene3d>
+      <a:camera prst="orthographicFront"/>
+      <a:lightRig rig="threePt" dir="t"/>
+    </dgm:scene3d>
+    <dgm:sp3d/>
+    <dgm:txPr/>
+    <dgm:style>
+      <a:lnRef idx="2">
+        <a:scrgbClr r="0" g="0" b="0"/>
+      </a:lnRef>
+      <a:fillRef idx="1">
+        <a:scrgbClr r="0" g="0" b="0"/>
+      </a:fillRef>
+      <a:effectRef idx="0">
+        <a:scrgbClr r="0" g="0" b="0"/>
+      </a:effectRef>
+      <a:fontRef idx="minor">
+        <a:schemeClr val="lt1"/>
+      </a:fontRef>
+    </dgm:style>
+  </dgm:styleLbl>
+  <dgm:styleLbl name="parChTrans2D1">
+    <dgm:scene3d>
+      <a:camera prst="orthographicFront"/>
+      <a:lightRig rig="threePt" dir="t"/>
+    </dgm:scene3d>
+    <dgm:sp3d/>
+    <dgm:txPr/>
+    <dgm:style>
+      <a:lnRef idx="2">
+        <a:scrgbClr r="0" g="0" b="0"/>
+      </a:lnRef>
+      <a:fillRef idx="1">
+        <a:scrgbClr r="0" g="0" b="0"/>
+      </a:fillRef>
+      <a:effectRef idx="0">
+        <a:scrgbClr r="0" g="0" b="0"/>
+      </a:effectRef>
+      <a:fontRef idx="minor">
+        <a:schemeClr val="lt1"/>
+      </a:fontRef>
+    </dgm:style>
+  </dgm:styleLbl>
+  <dgm:styleLbl name="parChTrans2D2">
+    <dgm:scene3d>
+      <a:camera prst="orthographicFront"/>
+      <a:lightRig rig="threePt" dir="t"/>
+    </dgm:scene3d>
+    <dgm:sp3d/>
+    <dgm:txPr/>
+    <dgm:style>
+      <a:lnRef idx="2">
+        <a:scrgbClr r="0" g="0" b="0"/>
+      </a:lnRef>
+      <a:fillRef idx="1">
+        <a:scrgbClr r="0" g="0" b="0"/>
+      </a:fillRef>
+      <a:effectRef idx="0">
+        <a:scrgbClr r="0" g="0" b="0"/>
+      </a:effectRef>
+      <a:fontRef idx="minor">
+        <a:schemeClr val="lt1"/>
+      </a:fontRef>
+    </dgm:style>
+  </dgm:styleLbl>
+  <dgm:styleLbl name="parChTrans2D3">
+    <dgm:scene3d>
+      <a:camera prst="orthographicFront"/>
+      <a:lightRig rig="threePt" dir="t"/>
+    </dgm:scene3d>
+    <dgm:sp3d/>
+    <dgm:txPr/>
+    <dgm:style>
+      <a:lnRef idx="2">
+        <a:scrgbClr r="0" g="0" b="0"/>
+      </a:lnRef>
+      <a:fillRef idx="1">
+        <a:scrgbClr r="0" g="0" b="0"/>
+      </a:fillRef>
+      <a:effectRef idx="0">
+        <a:scrgbClr r="0" g="0" b="0"/>
+      </a:effectRef>
+      <a:fontRef idx="minor">
+        <a:schemeClr val="lt1"/>
+      </a:fontRef>
+    </dgm:style>
+  </dgm:styleLbl>
+  <dgm:styleLbl name="parChTrans2D4">
+    <dgm:scene3d>
+      <a:camera prst="orthographicFront"/>
+      <a:lightRig rig="threePt" dir="t"/>
+    </dgm:scene3d>
+    <dgm:sp3d/>
+    <dgm:txPr/>
+    <dgm:style>
+      <a:lnRef idx="2">
+        <a:scrgbClr r="0" g="0" b="0"/>
+      </a:lnRef>
+      <a:fillRef idx="1">
+        <a:scrgbClr r="0" g="0" b="0"/>
+      </a:fillRef>
+      <a:effectRef idx="0">
+        <a:scrgbClr r="0" g="0" b="0"/>
+      </a:effectRef>
+      <a:fontRef idx="minor">
+        <a:schemeClr val="lt1"/>
+      </a:fontRef>
+    </dgm:style>
+  </dgm:styleLbl>
+  <dgm:styleLbl name="parChTrans1D1">
+    <dgm:scene3d>
+      <a:camera prst="orthographicFront"/>
+      <a:lightRig rig="threePt" dir="t"/>
+    </dgm:scene3d>
+    <dgm:sp3d/>
+    <dgm:txPr/>
+    <dgm:style>
+      <a:lnRef idx="2">
+        <a:scrgbClr r="0" g="0" b="0"/>
+      </a:lnRef>
+      <a:fillRef idx="0">
+        <a:scrgbClr r="0" g="0" b="0"/>
+      </a:fillRef>
+      <a:effectRef idx="0">
+        <a:scrgbClr r="0" g="0" b="0"/>
+      </a:effectRef>
+      <a:fontRef idx="minor"/>
+    </dgm:style>
+  </dgm:styleLbl>
+  <dgm:styleLbl name="parChTrans1D2">
+    <dgm:scene3d>
+      <a:camera prst="orthographicFront"/>
+      <a:lightRig rig="threePt" dir="t"/>
+    </dgm:scene3d>
+    <dgm:sp3d/>
+    <dgm:txPr/>
+    <dgm:style>
+      <a:lnRef idx="2">
+        <a:scrgbClr r="0" g="0" b="0"/>
+      </a:lnRef>
+      <a:fillRef idx="0">
+        <a:scrgbClr r="0" g="0" b="0"/>
+      </a:fillRef>
+      <a:effectRef idx="0">
+        <a:scrgbClr r="0" g="0" b="0"/>
+      </a:effectRef>
+      <a:fontRef idx="minor"/>
+    </dgm:style>
+  </dgm:styleLbl>
+  <dgm:styleLbl name="parChTrans1D3">
+    <dgm:scene3d>
+      <a:camera prst="orthographicFront"/>
+      <a:lightRig rig="threePt" dir="t"/>
+    </dgm:scene3d>
+    <dgm:sp3d/>
+    <dgm:txPr/>
+    <dgm:style>
+      <a:lnRef idx="2">
+        <a:scrgbClr r="0" g="0" b="0"/>
+      </a:lnRef>
+      <a:fillRef idx="0">
+        <a:scrgbClr r="0" g="0" b="0"/>
+      </a:fillRef>
+      <a:effectRef idx="0">
+        <a:scrgbClr r="0" g="0" b="0"/>
+      </a:effectRef>
+      <a:fontRef idx="minor"/>
+    </dgm:style>
+  </dgm:styleLbl>
+  <dgm:styleLbl name="parChTrans1D4">
+    <dgm:scene3d>
+      <a:camera prst="orthographicFront"/>
+      <a:lightRig rig="threePt" dir="t"/>
+    </dgm:scene3d>
+    <dgm:sp3d/>
+    <dgm:txPr/>
+    <dgm:style>
+      <a:lnRef idx="2">
+        <a:scrgbClr r="0" g="0" b="0"/>
+      </a:lnRef>
+      <a:fillRef idx="0">
+        <a:scrgbClr r="0" g="0" b="0"/>
+      </a:fillRef>
+      <a:effectRef idx="0">
+        <a:scrgbClr r="0" g="0" b="0"/>
+      </a:effectRef>
+      <a:fontRef idx="minor"/>
+    </dgm:style>
+  </dgm:styleLbl>
+  <dgm:styleLbl name="fgAcc1">
+    <dgm:scene3d>
+      <a:camera prst="orthographicFront"/>
+      <a:lightRig rig="threePt" dir="t"/>
+    </dgm:scene3d>
+    <dgm:sp3d/>
+    <dgm:txPr/>
+    <dgm:style>
+      <a:lnRef idx="2">
+        <a:scrgbClr r="0" g="0" b="0"/>
+      </a:lnRef>
+      <a:fillRef idx="1">
+        <a:scrgbClr r="0" g="0" b="0"/>
+      </a:fillRef>
+      <a:effectRef idx="0">
+        <a:scrgbClr r="0" g="0" b="0"/>
+      </a:effectRef>
+      <a:fontRef idx="minor"/>
+    </dgm:style>
+  </dgm:styleLbl>
+  <dgm:styleLbl name="conFgAcc1">
+    <dgm:scene3d>
+      <a:camera prst="orthographicFront"/>
+      <a:lightRig rig="threePt" dir="t"/>
+    </dgm:scene3d>
+    <dgm:sp3d/>
+    <dgm:txPr/>
+    <dgm:style>
+      <a:lnRef idx="2">
+        <a:scrgbClr r="0" g="0" b="0"/>
+      </a:lnRef>
+      <a:fillRef idx="1">
+        <a:scrgbClr r="0" g="0" b="0"/>
+      </a:fillRef>
+      <a:effectRef idx="0">
+        <a:scrgbClr r="0" g="0" b="0"/>
+      </a:effectRef>
+      <a:fontRef idx="minor"/>
+    </dgm:style>
+  </dgm:styleLbl>
+  <dgm:styleLbl name="alignAcc1">
+    <dgm:scene3d>
+      <a:camera prst="orthographicFront"/>
+      <a:lightRig rig="threePt" dir="t"/>
+    </dgm:scene3d>
+    <dgm:sp3d/>
+    <dgm:txPr/>
+    <dgm:style>
+      <a:lnRef idx="2">
+        <a:scrgbClr r="0" g="0" b="0"/>
+      </a:lnRef>
+      <a:fillRef idx="1">
+        <a:scrgbClr r="0" g="0" b="0"/>
+      </a:fillRef>
+      <a:effectRef idx="0">
+        <a:scrgbClr r="0" g="0" b="0"/>
+      </a:effectRef>
+      <a:fontRef idx="minor"/>
+    </dgm:style>
+  </dgm:styleLbl>
+  <dgm:styleLbl name="trAlignAcc1">
+    <dgm:scene3d>
+      <a:camera prst="orthographicFront"/>
+      <a:lightRig rig="threePt" dir="t"/>
+    </dgm:scene3d>
+    <dgm:sp3d/>
+    <dgm:txPr/>
+    <dgm:style>
+      <a:lnRef idx="1">
+        <a:scrgbClr r="0" g="0" b="0"/>
+      </a:lnRef>
+      <a:fillRef idx="1">
+        <a:scrgbClr r="0" g="0" b="0"/>
+      </a:fillRef>
+      <a:effectRef idx="0">
+        <a:scrgbClr r="0" g="0" b="0"/>
+      </a:effectRef>
+      <a:fontRef idx="minor"/>
+    </dgm:style>
+  </dgm:styleLbl>
+  <dgm:styleLbl name="bgAcc1">
+    <dgm:scene3d>
+      <a:camera prst="orthographicFront"/>
+      <a:lightRig rig="threePt" dir="t"/>
+    </dgm:scene3d>
+    <dgm:sp3d/>
+    <dgm:txPr/>
+    <dgm:style>
+      <a:lnRef idx="2">
+        <a:scrgbClr r="0" g="0" b="0"/>
+      </a:lnRef>
+      <a:fillRef idx="1">
+        <a:scrgbClr r="0" g="0" b="0"/>
+      </a:fillRef>
+      <a:effectRef idx="0">
+        <a:scrgbClr r="0" g="0" b="0"/>
+      </a:effectRef>
+      <a:fontRef idx="minor"/>
+    </dgm:style>
+  </dgm:styleLbl>
+  <dgm:styleLbl name="solidFgAcc1">
+    <dgm:scene3d>
+      <a:camera prst="orthographicFront"/>
+      <a:lightRig rig="threePt" dir="t"/>
+    </dgm:scene3d>
+    <dgm:sp3d/>
+    <dgm:txPr/>
+    <dgm:style>
+      <a:lnRef idx="2">
+        <a:scrgbClr r="0" g="0" b="0"/>
+      </a:lnRef>
+      <a:fillRef idx="1">
+        <a:scrgbClr r="0" g="0" b="0"/>
+      </a:fillRef>
+      <a:effectRef idx="0">
+        <a:scrgbClr r="0" g="0" b="0"/>
+      </a:effectRef>
+      <a:fontRef idx="minor"/>
+    </dgm:style>
+  </dgm:styleLbl>
+  <dgm:styleLbl name="solidAlignAcc1">
+    <dgm:scene3d>
+      <a:camera prst="orthographicFront"/>
+      <a:lightRig rig="threePt" dir="t"/>
+    </dgm:scene3d>
+    <dgm:sp3d/>
+    <dgm:txPr/>
+    <dgm:style>
+      <a:lnRef idx="2">
+        <a:scrgbClr r="0" g="0" b="0"/>
+      </a:lnRef>
+      <a:fillRef idx="1">
+        <a:scrgbClr r="0" g="0" b="0"/>
+      </a:fillRef>
+      <a:effectRef idx="0">
+        <a:scrgbClr r="0" g="0" b="0"/>
+      </a:effectRef>
+      <a:fontRef idx="minor"/>
+    </dgm:style>
+  </dgm:styleLbl>
+  <dgm:styleLbl name="solidBgAcc1">
+    <dgm:scene3d>
+      <a:camera prst="orthographicFront"/>
+      <a:lightRig rig="threePt" dir="t"/>
+    </dgm:scene3d>
+    <dgm:sp3d/>
+    <dgm:txPr/>
+    <dgm:style>
+      <a:lnRef idx="2">
+        <a:scrgbClr r="0" g="0" b="0"/>
+      </a:lnRef>
+      <a:fillRef idx="1">
+        <a:scrgbClr r="0" g="0" b="0"/>
+      </a:fillRef>
+      <a:effectRef idx="0">
+        <a:scrgbClr r="0" g="0" b="0"/>
+      </a:effectRef>
+      <a:fontRef idx="minor"/>
+    </dgm:style>
+  </dgm:styleLbl>
+  <dgm:styleLbl name="fgAccFollowNode1">
+    <dgm:scene3d>
+      <a:camera prst="orthographicFront"/>
+      <a:lightRig rig="threePt" dir="t"/>
+    </dgm:scene3d>
+    <dgm:sp3d/>
+    <dgm:txPr/>
+    <dgm:style>
+      <a:lnRef idx="2">
+        <a:scrgbClr r="0" g="0" b="0"/>
+      </a:lnRef>
+      <a:fillRef idx="1">
+        <a:scrgbClr r="0" g="0" b="0"/>
+      </a:fillRef>
+      <a:effectRef idx="0">
+        <a:scrgbClr r="0" g="0" b="0"/>
+      </a:effectRef>
+      <a:fontRef idx="minor"/>
+    </dgm:style>
+  </dgm:styleLbl>
+  <dgm:styleLbl name="alignAccFollowNode1">
+    <dgm:scene3d>
+      <a:camera prst="orthographicFront"/>
+      <a:lightRig rig="threePt" dir="t"/>
+    </dgm:scene3d>
+    <dgm:sp3d/>
+    <dgm:txPr/>
+    <dgm:style>
+      <a:lnRef idx="2">
+        <a:scrgbClr r="0" g="0" b="0"/>
+      </a:lnRef>
+      <a:fillRef idx="1">
+        <a:scrgbClr r="0" g="0" b="0"/>
+      </a:fillRef>
+      <a:effectRef idx="0">
+        <a:scrgbClr r="0" g="0" b="0"/>
+      </a:effectRef>
+      <a:fontRef idx="minor"/>
+    </dgm:style>
+  </dgm:styleLbl>
+  <dgm:styleLbl name="bgAccFollowNode1">
+    <dgm:scene3d>
+      <a:camera prst="orthographicFront"/>
+      <a:lightRig rig="threePt" dir="t"/>
+    </dgm:scene3d>
+    <dgm:sp3d/>
+    <dgm:txPr/>
+    <dgm:style>
+      <a:lnRef idx="2">
+        <a:scrgbClr r="0" g="0" b="0"/>
+      </a:lnRef>
+      <a:fillRef idx="1">
+        <a:scrgbClr r="0" g="0" b="0"/>
+      </a:fillRef>
+      <a:effectRef idx="0">
+        <a:scrgbClr r="0" g="0" b="0"/>
+      </a:effectRef>
+      <a:fontRef idx="minor"/>
+    </dgm:style>
+  </dgm:styleLbl>
+  <dgm:styleLbl name="fgAcc0">
+    <dgm:scene3d>
+      <a:camera prst="orthographicFront"/>
+      <a:lightRig rig="threePt" dir="t"/>
+    </dgm:scene3d>
+    <dgm:sp3d/>
+    <dgm:txPr/>
+    <dgm:style>
+      <a:lnRef idx="2">
+        <a:scrgbClr r="0" g="0" b="0"/>
+      </a:lnRef>
+      <a:fillRef idx="1">
+        <a:scrgbClr r="0" g="0" b="0"/>
+      </a:fillRef>
+      <a:effectRef idx="0">
+        <a:scrgbClr r="0" g="0" b="0"/>
+      </a:effectRef>
+      <a:fontRef idx="minor"/>
+    </dgm:style>
+  </dgm:styleLbl>
+  <dgm:styleLbl name="fgAcc2">
+    <dgm:scene3d>
+      <a:camera prst="orthographicFront"/>
+      <a:lightRig rig="threePt" dir="t"/>
+    </dgm:scene3d>
+    <dgm:sp3d/>
+    <dgm:txPr/>
+    <dgm:style>
+      <a:lnRef idx="2">
+        <a:scrgbClr r="0" g="0" b="0"/>
+      </a:lnRef>
+      <a:fillRef idx="1">
+        <a:scrgbClr r="0" g="0" b="0"/>
+      </a:fillRef>
+      <a:effectRef idx="0">
+        <a:scrgbClr r="0" g="0" b="0"/>
+      </a:effectRef>
+      <a:fontRef idx="minor"/>
+    </dgm:style>
+  </dgm:styleLbl>
+  <dgm:styleLbl name="fgAcc3">
+    <dgm:scene3d>
+      <a:camera prst="orthographicFront"/>
+      <a:lightRig rig="threePt" dir="t"/>
+    </dgm:scene3d>
+    <dgm:sp3d/>
+    <dgm:txPr/>
+    <dgm:style>
+      <a:lnRef idx="2">
+        <a:scrgbClr r="0" g="0" b="0"/>
+      </a:lnRef>
+      <a:fillRef idx="1">
+        <a:scrgbClr r="0" g="0" b="0"/>
+      </a:fillRef>
+      <a:effectRef idx="0">
+        <a:scrgbClr r="0" g="0" b="0"/>
+      </a:effectRef>
+      <a:fontRef idx="minor"/>
+    </dgm:style>
+  </dgm:styleLbl>
+  <dgm:styleLbl name="fgAcc4">
+    <dgm:scene3d>
+      <a:camera prst="orthographicFront"/>
+      <a:lightRig rig="threePt" dir="t"/>
+    </dgm:scene3d>
+    <dgm:sp3d/>
+    <dgm:txPr/>
+    <dgm:style>
+      <a:lnRef idx="2">
+        <a:scrgbClr r="0" g="0" b="0"/>
+      </a:lnRef>
+      <a:fillRef idx="1">
+        <a:scrgbClr r="0" g="0" b="0"/>
+      </a:fillRef>
+      <a:effectRef idx="0">
+        <a:scrgbClr r="0" g="0" b="0"/>
+      </a:effectRef>
+      <a:fontRef idx="minor"/>
+    </dgm:style>
+  </dgm:styleLbl>
+  <dgm:styleLbl name="bgShp">
+    <dgm:scene3d>
+      <a:camera prst="orthographicFront"/>
+      <a:lightRig rig="threePt" dir="t"/>
+    </dgm:scene3d>
+    <dgm:sp3d/>
+    <dgm:txPr/>
+    <dgm:style>
+      <a:lnRef idx="0">
+        <a:scrgbClr r="0" g="0" b="0"/>
+      </a:lnRef>
+      <a:fillRef idx="1">
+        <a:scrgbClr r="0" g="0" b="0"/>
+      </a:fillRef>
+      <a:effectRef idx="0">
+        <a:scrgbClr r="0" g="0" b="0"/>
+      </a:effectRef>
+      <a:fontRef idx="minor"/>
+    </dgm:style>
+  </dgm:styleLbl>
+  <dgm:styleLbl name="dkBgShp">
+    <dgm:scene3d>
+      <a:camera prst="orthographicFront"/>
+      <a:lightRig rig="threePt" dir="t"/>
+    </dgm:scene3d>
+    <dgm:sp3d/>
+    <dgm:txPr/>
+    <dgm:style>
+      <a:lnRef idx="0">
+        <a:scrgbClr r="0" g="0" b="0"/>
+      </a:lnRef>
+      <a:fillRef idx="1">
+        <a:scrgbClr r="0" g="0" b="0"/>
+      </a:fillRef>
+      <a:effectRef idx="0">
+        <a:scrgbClr r="0" g="0" b="0"/>
+      </a:effectRef>
+      <a:fontRef idx="minor"/>
+    </dgm:style>
+  </dgm:styleLbl>
+  <dgm:styleLbl name="trBgShp">
+    <dgm:scene3d>
+      <a:camera prst="orthographicFront"/>
+      <a:lightRig rig="threePt" dir="t"/>
+    </dgm:scene3d>
+    <dgm:sp3d/>
+    <dgm:txPr/>
+    <dgm:style>
+      <a:lnRef idx="0">
+        <a:scrgbClr r="0" g="0" b="0"/>
+      </a:lnRef>
+      <a:fillRef idx="1">
+        <a:scrgbClr r="0" g="0" b="0"/>
+      </a:fillRef>
+      <a:effectRef idx="0">
+        <a:scrgbClr r="0" g="0" b="0"/>
+      </a:effectRef>
+      <a:fontRef idx="minor"/>
+    </dgm:style>
+  </dgm:styleLbl>
+  <dgm:styleLbl name="fgShp">
+    <dgm:scene3d>
+      <a:camera prst="orthographicFront"/>
+      <a:lightRig rig="threePt" dir="t"/>
+    </dgm:scene3d>
+    <dgm:sp3d/>
+    <dgm:txPr/>
+    <dgm:style>
+      <a:lnRef idx="2">
+        <a:scrgbClr r="0" g="0" b="0"/>
+      </a:lnRef>
+      <a:fillRef idx="1">
+        <a:scrgbClr r="0" g="0" b="0"/>
+      </a:fillRef>
+      <a:effectRef idx="0">
+        <a:scrgbClr r="0" g="0" b="0"/>
+      </a:effectRef>
+      <a:fontRef idx="minor"/>
+    </dgm:style>
+  </dgm:styleLbl>
+  <dgm:styleLbl name="revTx">
+    <dgm:scene3d>
+      <a:camera prst="orthographicFront"/>
+      <a:lightRig rig="threePt" dir="t"/>
+    </dgm:scene3d>
+    <dgm:sp3d/>
+    <dgm:txPr/>
+    <dgm:style>
+      <a:lnRef idx="0">
         <a:scrgbClr r="0" g="0" b="0"/>
       </a:lnRef>
       <a:fillRef idx="0">
@@ -5714,7 +10158,7 @@
           <a:p>
             <a:fld id="{48A87A34-81AB-432B-8DAE-1953F412C126}" type="datetimeFigureOut">
               <a:rPr lang="en-US" smtClean="0"/>
-              <a:t>10/15/2022</a:t>
+              <a:t>10/26/2022</a:t>
             </a:fld>
             <a:endParaRPr lang="en-US" dirty="0"/>
           </a:p>
@@ -5966,7 +10410,7 @@
             <a:fld id="{48A87A34-81AB-432B-8DAE-1953F412C126}" type="datetimeFigureOut">
               <a:rPr lang="en-US" smtClean="0"/>
               <a:pPr/>
-              <a:t>10/15/2022</a:t>
+              <a:t>10/26/2022</a:t>
             </a:fld>
             <a:endParaRPr lang="en-US" dirty="0"/>
           </a:p>
@@ -6282,7 +10726,7 @@
             <a:fld id="{48A87A34-81AB-432B-8DAE-1953F412C126}" type="datetimeFigureOut">
               <a:rPr lang="en-US" smtClean="0"/>
               <a:pPr/>
-              <a:t>10/15/2022</a:t>
+              <a:t>10/26/2022</a:t>
             </a:fld>
             <a:endParaRPr lang="en-US" dirty="0"/>
           </a:p>
@@ -6625,7 +11069,7 @@
             <a:fld id="{48A87A34-81AB-432B-8DAE-1953F412C126}" type="datetimeFigureOut">
               <a:rPr lang="en-US" smtClean="0"/>
               <a:pPr/>
-              <a:t>10/15/2022</a:t>
+              <a:t>10/26/2022</a:t>
             </a:fld>
             <a:endParaRPr lang="en-US" dirty="0"/>
           </a:p>
@@ -6941,7 +11385,7 @@
             <a:fld id="{48A87A34-81AB-432B-8DAE-1953F412C126}" type="datetimeFigureOut">
               <a:rPr lang="en-US" smtClean="0"/>
               <a:pPr/>
-              <a:t>10/15/2022</a:t>
+              <a:t>10/26/2022</a:t>
             </a:fld>
             <a:endParaRPr lang="en-US" dirty="0"/>
           </a:p>
@@ -7336,7 +11780,7 @@
             <a:fld id="{48A87A34-81AB-432B-8DAE-1953F412C126}" type="datetimeFigureOut">
               <a:rPr lang="en-US" smtClean="0"/>
               <a:pPr/>
-              <a:t>10/15/2022</a:t>
+              <a:t>10/26/2022</a:t>
             </a:fld>
             <a:endParaRPr lang="en-US" dirty="0"/>
           </a:p>
@@ -7507,7 +11951,7 @@
           <a:p>
             <a:fld id="{48A87A34-81AB-432B-8DAE-1953F412C126}" type="datetimeFigureOut">
               <a:rPr lang="en-US" smtClean="0"/>
-              <a:t>10/15/2022</a:t>
+              <a:t>10/26/2022</a:t>
             </a:fld>
             <a:endParaRPr lang="en-US" dirty="0"/>
           </a:p>
@@ -7687,7 +12131,7 @@
           <a:p>
             <a:fld id="{48A87A34-81AB-432B-8DAE-1953F412C126}" type="datetimeFigureOut">
               <a:rPr lang="en-US" smtClean="0"/>
-              <a:t>10/15/2022</a:t>
+              <a:t>10/26/2022</a:t>
             </a:fld>
             <a:endParaRPr lang="en-US" dirty="0"/>
           </a:p>
@@ -7863,7 +12307,7 @@
           <a:p>
             <a:fld id="{48A87A34-81AB-432B-8DAE-1953F412C126}" type="datetimeFigureOut">
               <a:rPr lang="en-US" smtClean="0"/>
-              <a:t>10/15/2022</a:t>
+              <a:t>10/26/2022</a:t>
             </a:fld>
             <a:endParaRPr lang="en-US" dirty="0"/>
           </a:p>
@@ -8110,7 +12554,7 @@
           <a:p>
             <a:fld id="{48A87A34-81AB-432B-8DAE-1953F412C126}" type="datetimeFigureOut">
               <a:rPr lang="en-US" smtClean="0"/>
-              <a:t>10/15/2022</a:t>
+              <a:t>10/26/2022</a:t>
             </a:fld>
             <a:endParaRPr lang="en-US" dirty="0"/>
           </a:p>
@@ -8342,7 +12786,7 @@
           <a:p>
             <a:fld id="{48A87A34-81AB-432B-8DAE-1953F412C126}" type="datetimeFigureOut">
               <a:rPr lang="en-US" smtClean="0"/>
-              <a:t>10/15/2022</a:t>
+              <a:t>10/26/2022</a:t>
             </a:fld>
             <a:endParaRPr lang="en-US" dirty="0"/>
           </a:p>
@@ -8716,7 +13160,7 @@
           <a:p>
             <a:fld id="{48A87A34-81AB-432B-8DAE-1953F412C126}" type="datetimeFigureOut">
               <a:rPr lang="en-US" smtClean="0"/>
-              <a:t>10/15/2022</a:t>
+              <a:t>10/26/2022</a:t>
             </a:fld>
             <a:endParaRPr lang="en-US" dirty="0"/>
           </a:p>
@@ -8839,7 +13283,7 @@
           <a:p>
             <a:fld id="{48A87A34-81AB-432B-8DAE-1953F412C126}" type="datetimeFigureOut">
               <a:rPr lang="en-US" smtClean="0"/>
-              <a:t>10/15/2022</a:t>
+              <a:t>10/26/2022</a:t>
             </a:fld>
             <a:endParaRPr lang="en-US" dirty="0"/>
           </a:p>
@@ -8934,7 +13378,7 @@
           <a:p>
             <a:fld id="{48A87A34-81AB-432B-8DAE-1953F412C126}" type="datetimeFigureOut">
               <a:rPr lang="en-US" smtClean="0"/>
-              <a:t>10/15/2022</a:t>
+              <a:t>10/26/2022</a:t>
             </a:fld>
             <a:endParaRPr lang="en-US" dirty="0"/>
           </a:p>
@@ -9189,7 +13633,7 @@
           <a:p>
             <a:fld id="{48A87A34-81AB-432B-8DAE-1953F412C126}" type="datetimeFigureOut">
               <a:rPr lang="en-US" smtClean="0"/>
-              <a:t>10/15/2022</a:t>
+              <a:t>10/26/2022</a:t>
             </a:fld>
             <a:endParaRPr lang="en-US" dirty="0"/>
           </a:p>
@@ -9452,7 +13896,7 @@
           <a:p>
             <a:fld id="{48A87A34-81AB-432B-8DAE-1953F412C126}" type="datetimeFigureOut">
               <a:rPr lang="en-US" smtClean="0"/>
-              <a:t>10/15/2022</a:t>
+              <a:t>10/26/2022</a:t>
             </a:fld>
             <a:endParaRPr lang="en-US" dirty="0"/>
           </a:p>
@@ -10196,7 +14640,7 @@
             <a:fld id="{48A87A34-81AB-432B-8DAE-1953F412C126}" type="datetimeFigureOut">
               <a:rPr lang="en-US" smtClean="0"/>
               <a:pPr/>
-              <a:t>10/15/2022</a:t>
+              <a:t>10/26/2022</a:t>
             </a:fld>
             <a:endParaRPr lang="en-US" dirty="0"/>
           </a:p>
@@ -10837,6 +15281,287 @@
         <p:spPr>
           <a:xfrm>
             <a:off x="372707" y="186267"/>
+            <a:ext cx="8596668" cy="524933"/>
+          </a:xfrm>
+        </p:spPr>
+        <p:txBody>
+          <a:bodyPr>
+            <a:noAutofit/>
+          </a:bodyPr>
+          <a:lstStyle/>
+          <a:p>
+            <a:r>
+              <a:rPr lang="en-US" sz="2400" dirty="0"/>
+              <a:t>Customer Account Information – Categorical Variables</a:t>
+            </a:r>
+            <a:endParaRPr lang="en-IN" sz="2400" dirty="0"/>
+          </a:p>
+        </p:txBody>
+      </p:sp>
+      <p:pic>
+        <p:nvPicPr>
+          <p:cNvPr id="3" name="Picture 2">
+            <a:extLst>
+              <a:ext uri="{FF2B5EF4-FFF2-40B4-BE49-F238E27FC236}">
+                <a16:creationId xmlns:a16="http://schemas.microsoft.com/office/drawing/2014/main" id="{1B8D9C37-FFC0-5BF0-91C8-E104B5D53AD7}"/>
+              </a:ext>
+            </a:extLst>
+          </p:cNvPr>
+          <p:cNvPicPr>
+            <a:picLocks noChangeAspect="1"/>
+          </p:cNvPicPr>
+          <p:nvPr/>
+        </p:nvPicPr>
+        <p:blipFill rotWithShape="1">
+          <a:blip r:embed="rId2"/>
+          <a:srcRect t="4104"/>
+          <a:stretch/>
+        </p:blipFill>
+        <p:spPr>
+          <a:xfrm>
+            <a:off x="1393825" y="778933"/>
+            <a:ext cx="7372350" cy="5836709"/>
+          </a:xfrm>
+          <a:prstGeom prst="rect">
+            <a:avLst/>
+          </a:prstGeom>
+        </p:spPr>
+      </p:pic>
+    </p:spTree>
+    <p:extLst>
+      <p:ext uri="{BB962C8B-B14F-4D97-AF65-F5344CB8AC3E}">
+        <p14:creationId xmlns:p14="http://schemas.microsoft.com/office/powerpoint/2010/main" val="890980595"/>
+      </p:ext>
+    </p:extLst>
+  </p:cSld>
+  <p:clrMapOvr>
+    <a:masterClrMapping/>
+  </p:clrMapOvr>
+</p:sld>
+</file>
+
+<file path=ppt/slides/slide11.xml><?xml version="1.0" encoding="utf-8"?>
+<p:sld xmlns:a="http://schemas.openxmlformats.org/drawingml/2006/main" xmlns:r="http://schemas.openxmlformats.org/officeDocument/2006/relationships" xmlns:p="http://schemas.openxmlformats.org/presentationml/2006/main">
+  <p:cSld>
+    <p:spTree>
+      <p:nvGrpSpPr>
+        <p:cNvPr id="1" name=""/>
+        <p:cNvGrpSpPr/>
+        <p:nvPr/>
+      </p:nvGrpSpPr>
+      <p:grpSpPr>
+        <a:xfrm>
+          <a:off x="0" y="0"/>
+          <a:ext cx="0" cy="0"/>
+          <a:chOff x="0" y="0"/>
+          <a:chExt cx="0" cy="0"/>
+        </a:xfrm>
+      </p:grpSpPr>
+      <p:sp>
+        <p:nvSpPr>
+          <p:cNvPr id="2" name="Title 1">
+            <a:extLst>
+              <a:ext uri="{FF2B5EF4-FFF2-40B4-BE49-F238E27FC236}">
+                <a16:creationId xmlns:a16="http://schemas.microsoft.com/office/drawing/2014/main" id="{ED577C92-6B48-0950-4CE1-754FEA603557}"/>
+              </a:ext>
+            </a:extLst>
+          </p:cNvPr>
+          <p:cNvSpPr>
+            <a:spLocks noGrp="1"/>
+          </p:cNvSpPr>
+          <p:nvPr>
+            <p:ph type="title"/>
+          </p:nvPr>
+        </p:nvSpPr>
+        <p:spPr>
+          <a:xfrm>
+            <a:off x="677334" y="609600"/>
+            <a:ext cx="8596668" cy="778933"/>
+          </a:xfrm>
+        </p:spPr>
+        <p:txBody>
+          <a:bodyPr>
+            <a:normAutofit fontScale="90000"/>
+          </a:bodyPr>
+          <a:lstStyle/>
+          <a:p>
+            <a:r>
+              <a:rPr lang="en-US" dirty="0"/>
+              <a:t>Customer Account Information - Inference</a:t>
+            </a:r>
+            <a:endParaRPr lang="en-IN" dirty="0"/>
+          </a:p>
+        </p:txBody>
+      </p:sp>
+      <p:sp>
+        <p:nvSpPr>
+          <p:cNvPr id="4" name="TextBox 3">
+            <a:extLst>
+              <a:ext uri="{FF2B5EF4-FFF2-40B4-BE49-F238E27FC236}">
+                <a16:creationId xmlns:a16="http://schemas.microsoft.com/office/drawing/2014/main" id="{B0E978B1-153C-3829-B72E-4DCDB6C8D68B}"/>
+              </a:ext>
+            </a:extLst>
+          </p:cNvPr>
+          <p:cNvSpPr txBox="1"/>
+          <p:nvPr/>
+        </p:nvSpPr>
+        <p:spPr>
+          <a:xfrm>
+            <a:off x="787400" y="1524000"/>
+            <a:ext cx="7780867" cy="4154984"/>
+          </a:xfrm>
+          <a:prstGeom prst="rect">
+            <a:avLst/>
+          </a:prstGeom>
+          <a:noFill/>
+        </p:spPr>
+        <p:txBody>
+          <a:bodyPr wrap="square" rtlCol="0">
+            <a:spAutoFit/>
+          </a:bodyPr>
+          <a:lstStyle/>
+          <a:p>
+            <a:r>
+              <a:rPr lang="en-US" dirty="0"/>
+              <a:t>We can extract the following conclusions by analyzing customer account attributes:</a:t>
+            </a:r>
+          </a:p>
+          <a:p>
+            <a:endParaRPr lang="en-US" dirty="0"/>
+          </a:p>
+          <a:p>
+            <a:pPr marL="285750" indent="-285750">
+              <a:lnSpc>
+                <a:spcPct val="150000"/>
+              </a:lnSpc>
+              <a:spcBef>
+                <a:spcPts val="600"/>
+              </a:spcBef>
+              <a:spcAft>
+                <a:spcPts val="600"/>
+              </a:spcAft>
+              <a:buFont typeface="Wingdings" panose="05000000000000000000" pitchFamily="2" charset="2"/>
+              <a:buChar char="v"/>
+            </a:pPr>
+            <a:r>
+              <a:rPr lang="en-US" i="0" dirty="0">
+                <a:solidFill>
+                  <a:srgbClr val="000000"/>
+                </a:solidFill>
+                <a:effectLst/>
+                <a:latin typeface="Helvetica Neue"/>
+              </a:rPr>
+              <a:t>Customers with month-to-month contracts have higher churn rates compared to clients with yearly contracts</a:t>
+            </a:r>
+          </a:p>
+          <a:p>
+            <a:pPr marL="285750" indent="-285750">
+              <a:lnSpc>
+                <a:spcPct val="150000"/>
+              </a:lnSpc>
+              <a:spcBef>
+                <a:spcPts val="600"/>
+              </a:spcBef>
+              <a:spcAft>
+                <a:spcPts val="600"/>
+              </a:spcAft>
+              <a:buFont typeface="Wingdings" panose="05000000000000000000" pitchFamily="2" charset="2"/>
+              <a:buChar char="v"/>
+            </a:pPr>
+            <a:r>
+              <a:rPr lang="en-US" i="0" dirty="0">
+                <a:solidFill>
+                  <a:srgbClr val="000000"/>
+                </a:solidFill>
+                <a:effectLst/>
+                <a:latin typeface="Helvetica Neue"/>
+              </a:rPr>
+              <a:t>Customers who opted for an electronic check as paying method are more likely to leave the company</a:t>
+            </a:r>
+          </a:p>
+          <a:p>
+            <a:pPr marL="285750" indent="-285750">
+              <a:lnSpc>
+                <a:spcPct val="150000"/>
+              </a:lnSpc>
+              <a:spcBef>
+                <a:spcPts val="600"/>
+              </a:spcBef>
+              <a:spcAft>
+                <a:spcPts val="600"/>
+              </a:spcAft>
+              <a:buFont typeface="Wingdings" panose="05000000000000000000" pitchFamily="2" charset="2"/>
+              <a:buChar char="v"/>
+            </a:pPr>
+            <a:r>
+              <a:rPr lang="en-US" i="0" dirty="0">
+                <a:solidFill>
+                  <a:srgbClr val="000000"/>
+                </a:solidFill>
+                <a:effectLst/>
+                <a:latin typeface="Helvetica Neue"/>
+              </a:rPr>
+              <a:t>Customers subscribed to paperless billing churn more than those who are not subscribed</a:t>
+            </a:r>
+          </a:p>
+          <a:p>
+            <a:pPr marL="285750" indent="-285750">
+              <a:buFont typeface="Wingdings" panose="05000000000000000000" pitchFamily="2" charset="2"/>
+              <a:buChar char="v"/>
+            </a:pPr>
+            <a:endParaRPr lang="en-IN" dirty="0"/>
+          </a:p>
+        </p:txBody>
+      </p:sp>
+    </p:spTree>
+    <p:extLst>
+      <p:ext uri="{BB962C8B-B14F-4D97-AF65-F5344CB8AC3E}">
+        <p14:creationId xmlns:p14="http://schemas.microsoft.com/office/powerpoint/2010/main" val="884295732"/>
+      </p:ext>
+    </p:extLst>
+  </p:cSld>
+  <p:clrMapOvr>
+    <a:masterClrMapping/>
+  </p:clrMapOvr>
+</p:sld>
+</file>
+
+<file path=ppt/slides/slide12.xml><?xml version="1.0" encoding="utf-8"?>
+<p:sld xmlns:a="http://schemas.openxmlformats.org/drawingml/2006/main" xmlns:r="http://schemas.openxmlformats.org/officeDocument/2006/relationships" xmlns:p="http://schemas.openxmlformats.org/presentationml/2006/main">
+  <p:cSld>
+    <p:spTree>
+      <p:nvGrpSpPr>
+        <p:cNvPr id="1" name=""/>
+        <p:cNvGrpSpPr/>
+        <p:nvPr/>
+      </p:nvGrpSpPr>
+      <p:grpSpPr>
+        <a:xfrm>
+          <a:off x="0" y="0"/>
+          <a:ext cx="0" cy="0"/>
+          <a:chOff x="0" y="0"/>
+          <a:chExt cx="0" cy="0"/>
+        </a:xfrm>
+      </p:grpSpPr>
+      <p:sp>
+        <p:nvSpPr>
+          <p:cNvPr id="2" name="Title 1">
+            <a:extLst>
+              <a:ext uri="{FF2B5EF4-FFF2-40B4-BE49-F238E27FC236}">
+                <a16:creationId xmlns:a16="http://schemas.microsoft.com/office/drawing/2014/main" id="{8AC5EF58-8701-72D3-E608-6BC0674BA03A}"/>
+              </a:ext>
+            </a:extLst>
+          </p:cNvPr>
+          <p:cNvSpPr>
+            <a:spLocks noGrp="1"/>
+          </p:cNvSpPr>
+          <p:nvPr>
+            <p:ph type="title"/>
+          </p:nvPr>
+        </p:nvSpPr>
+        <p:spPr>
+          <a:xfrm>
+            <a:off x="372707" y="186267"/>
             <a:ext cx="8596668" cy="685800"/>
           </a:xfrm>
         </p:spPr>
@@ -10912,7 +15637,7 @@
 </p:sld>
 </file>
 
-<file path=ppt/slides/slide11.xml><?xml version="1.0" encoding="utf-8"?>
+<file path=ppt/slides/slide13.xml><?xml version="1.0" encoding="utf-8"?>
 <p:sld xmlns:a="http://schemas.openxmlformats.org/drawingml/2006/main" xmlns:r="http://schemas.openxmlformats.org/officeDocument/2006/relationships" xmlns:p="http://schemas.openxmlformats.org/presentationml/2006/main">
   <p:cSld>
     <p:spTree>
@@ -11092,7 +15817,7 @@
 </p:sld>
 </file>
 
-<file path=ppt/slides/slide12.xml><?xml version="1.0" encoding="utf-8"?>
+<file path=ppt/slides/slide14.xml><?xml version="1.0" encoding="utf-8"?>
 <p:sld xmlns:a="http://schemas.openxmlformats.org/drawingml/2006/main" xmlns:r="http://schemas.openxmlformats.org/officeDocument/2006/relationships" xmlns:p="http://schemas.openxmlformats.org/presentationml/2006/main">
   <p:cSld>
     <p:spTree>
@@ -11188,7 +15913,7 @@
 </p:sld>
 </file>
 
-<file path=ppt/slides/slide13.xml><?xml version="1.0" encoding="utf-8"?>
+<file path=ppt/slides/slide15.xml><?xml version="1.0" encoding="utf-8"?>
 <p:sld xmlns:a="http://schemas.openxmlformats.org/drawingml/2006/main" xmlns:r="http://schemas.openxmlformats.org/officeDocument/2006/relationships" xmlns:p="http://schemas.openxmlformats.org/presentationml/2006/main">
   <p:cSld>
     <p:spTree>
@@ -11283,7 +16008,7 @@
 </p:sld>
 </file>
 
-<file path=ppt/slides/slide14.xml><?xml version="1.0" encoding="utf-8"?>
+<file path=ppt/slides/slide16.xml><?xml version="1.0" encoding="utf-8"?>
 <p:sld xmlns:a="http://schemas.openxmlformats.org/drawingml/2006/main" xmlns:r="http://schemas.openxmlformats.org/officeDocument/2006/relationships" xmlns:p="http://schemas.openxmlformats.org/presentationml/2006/main">
   <p:cSld>
     <p:spTree>
@@ -11394,7 +16119,7 @@
 </p:sld>
 </file>
 
-<file path=ppt/slides/slide15.xml><?xml version="1.0" encoding="utf-8"?>
+<file path=ppt/slides/slide17.xml><?xml version="1.0" encoding="utf-8"?>
 <p:sld xmlns:a="http://schemas.openxmlformats.org/drawingml/2006/main" xmlns:r="http://schemas.openxmlformats.org/officeDocument/2006/relationships" xmlns:p="http://schemas.openxmlformats.org/presentationml/2006/main">
   <p:cSld>
     <p:spTree>
@@ -11580,7 +16305,7 @@
 </p:sld>
 </file>
 
-<file path=ppt/slides/slide16.xml><?xml version="1.0" encoding="utf-8"?>
+<file path=ppt/slides/slide18.xml><?xml version="1.0" encoding="utf-8"?>
 <p:sld xmlns:a="http://schemas.openxmlformats.org/drawingml/2006/main" xmlns:r="http://schemas.openxmlformats.org/officeDocument/2006/relationships" xmlns:p="http://schemas.openxmlformats.org/presentationml/2006/main">
   <p:cSld>
     <p:spTree>
@@ -11655,7 +16380,7 @@
 </p:sld>
 </file>
 
-<file path=ppt/slides/slide17.xml><?xml version="1.0" encoding="utf-8"?>
+<file path=ppt/slides/slide19.xml><?xml version="1.0" encoding="utf-8"?>
 <p:sld xmlns:a="http://schemas.openxmlformats.org/drawingml/2006/main" xmlns:r="http://schemas.openxmlformats.org/officeDocument/2006/relationships" xmlns:p="http://schemas.openxmlformats.org/presentationml/2006/main">
   <p:cSld>
     <p:spTree>
@@ -12300,7 +17025,7 @@
         </p:spPr>
         <p:txBody>
           <a:bodyPr vert="horz" lIns="91440" tIns="45720" rIns="91440" bIns="45720" rtlCol="0">
-            <a:normAutofit fontScale="77500" lnSpcReduction="20000"/>
+            <a:normAutofit fontScale="55000" lnSpcReduction="20000"/>
           </a:bodyPr>
           <a:lstStyle>
             <a:lvl1pPr indent="0">
@@ -12698,7 +17423,7 @@
           <p:nvPr>
             <p:extLst>
               <p:ext uri="{D42A27DB-BD31-4B8C-83A1-F6EECF244321}">
-                <p14:modId xmlns:p14="http://schemas.microsoft.com/office/powerpoint/2010/main" val="3469882562"/>
+                <p14:modId xmlns:p14="http://schemas.microsoft.com/office/powerpoint/2010/main" val="3699304129"/>
               </p:ext>
             </p:extLst>
           </p:nvPr>
@@ -12748,7 +17473,7 @@
           <p:cNvPr id="2" name="Title 1">
             <a:extLst>
               <a:ext uri="{FF2B5EF4-FFF2-40B4-BE49-F238E27FC236}">
-                <a16:creationId xmlns:a16="http://schemas.microsoft.com/office/drawing/2014/main" id="{8AC5EF58-8701-72D3-E608-6BC0674BA03A}"/>
+                <a16:creationId xmlns:a16="http://schemas.microsoft.com/office/drawing/2014/main" id="{5F132A36-975D-F516-D2F1-7FA611A3F559}"/>
               </a:ext>
             </a:extLst>
           </p:cNvPr>
@@ -12762,72 +17487,91 @@
         <p:spPr>
           <a:xfrm>
             <a:off x="677334" y="609600"/>
-            <a:ext cx="8596668" cy="685800"/>
+            <a:ext cx="8596668" cy="626533"/>
           </a:xfrm>
         </p:spPr>
         <p:txBody>
-          <a:bodyPr/>
+          <a:bodyPr>
+            <a:normAutofit fontScale="90000"/>
+          </a:bodyPr>
           <a:lstStyle/>
           <a:p>
             <a:r>
               <a:rPr lang="en-US" dirty="0"/>
-              <a:t>Data Visualization</a:t>
+              <a:t>Data Set</a:t>
             </a:r>
             <a:endParaRPr lang="en-IN" dirty="0"/>
           </a:p>
         </p:txBody>
       </p:sp>
-      <p:pic>
-        <p:nvPicPr>
-          <p:cNvPr id="1026" name="Picture 2" descr="Search in sidebar query">
+      <p:sp>
+        <p:nvSpPr>
+          <p:cNvPr id="3" name="TextBox 2">
             <a:extLst>
               <a:ext uri="{FF2B5EF4-FFF2-40B4-BE49-F238E27FC236}">
-                <a16:creationId xmlns:a16="http://schemas.microsoft.com/office/drawing/2014/main" id="{1047B6A5-BDD8-F6A5-5262-A1C809FFC69C}"/>
+                <a16:creationId xmlns:a16="http://schemas.microsoft.com/office/drawing/2014/main" id="{CBF55E4C-AE9D-888A-A9AA-1406F543E4A5}"/>
               </a:ext>
             </a:extLst>
           </p:cNvPr>
-          <p:cNvPicPr>
-            <a:picLocks noChangeAspect="1" noChangeArrowheads="1"/>
-          </p:cNvPicPr>
+          <p:cNvSpPr txBox="1"/>
           <p:nvPr/>
-        </p:nvPicPr>
-        <p:blipFill>
-          <a:blip r:embed="rId2">
-            <a:extLst>
-              <a:ext uri="{28A0092B-C50C-407E-A947-70E740481C1C}">
-                <a14:useLocalDpi xmlns:a14="http://schemas.microsoft.com/office/drawing/2010/main" val="0"/>
-              </a:ext>
-            </a:extLst>
-          </a:blip>
-          <a:srcRect/>
-          <a:stretch>
-            <a:fillRect/>
-          </a:stretch>
-        </p:blipFill>
-        <p:spPr bwMode="auto">
+        </p:nvSpPr>
+        <p:spPr>
           <a:xfrm>
-            <a:off x="1727200" y="1367896"/>
-            <a:ext cx="5751204" cy="4880504"/>
+            <a:off x="677334" y="1236133"/>
+            <a:ext cx="8376535" cy="369332"/>
           </a:xfrm>
           <a:prstGeom prst="rect">
             <a:avLst/>
           </a:prstGeom>
           <a:noFill/>
-          <a:extLst>
-            <a:ext uri="{909E8E84-426E-40DD-AFC4-6F175D3DCCD1}">
-              <a14:hiddenFill xmlns:a14="http://schemas.microsoft.com/office/drawing/2010/main">
-                <a:solidFill>
-                  <a:srgbClr val="FFFFFF"/>
-                </a:solidFill>
-              </a14:hiddenFill>
-            </a:ext>
-          </a:extLst>
         </p:spPr>
-      </p:pic>
+        <p:txBody>
+          <a:bodyPr wrap="square" rtlCol="0">
+            <a:spAutoFit/>
+          </a:bodyPr>
+          <a:lstStyle/>
+          <a:p>
+            <a:r>
+              <a:rPr lang="en-US" dirty="0"/>
+              <a:t>The dataset “Telco_Customer_Churn.csv” contains 19 independent variables</a:t>
+            </a:r>
+            <a:endParaRPr lang="en-IN" dirty="0"/>
+          </a:p>
+        </p:txBody>
+      </p:sp>
+      <p:graphicFrame>
+        <p:nvGraphicFramePr>
+          <p:cNvPr id="4" name="Diagram 3">
+            <a:extLst>
+              <a:ext uri="{FF2B5EF4-FFF2-40B4-BE49-F238E27FC236}">
+                <a16:creationId xmlns:a16="http://schemas.microsoft.com/office/drawing/2014/main" id="{421A3758-1A4A-70B5-7767-B4F0FB8539FE}"/>
+              </a:ext>
+            </a:extLst>
+          </p:cNvPr>
+          <p:cNvGraphicFramePr/>
+          <p:nvPr>
+            <p:extLst>
+              <p:ext uri="{D42A27DB-BD31-4B8C-83A1-F6EECF244321}">
+                <p14:modId xmlns:p14="http://schemas.microsoft.com/office/powerpoint/2010/main" val="3374694107"/>
+              </p:ext>
+            </p:extLst>
+          </p:nvPr>
+        </p:nvGraphicFramePr>
+        <p:xfrm>
+          <a:off x="1061336" y="1529265"/>
+          <a:ext cx="7828663" cy="4936067"/>
+        </p:xfrm>
+        <a:graphic>
+          <a:graphicData uri="http://schemas.openxmlformats.org/drawingml/2006/diagram">
+            <dgm:relIds xmlns:dgm="http://schemas.openxmlformats.org/drawingml/2006/diagram" xmlns:r="http://schemas.openxmlformats.org/officeDocument/2006/relationships" r:dm="rId2" r:lo="rId3" r:qs="rId4" r:cs="rId5"/>
+          </a:graphicData>
+        </a:graphic>
+      </p:graphicFrame>
     </p:spTree>
     <p:extLst>
       <p:ext uri="{BB962C8B-B14F-4D97-AF65-F5344CB8AC3E}">
-        <p14:creationId xmlns:p14="http://schemas.microsoft.com/office/powerpoint/2010/main" val="2944712829"/>
+        <p14:creationId xmlns:p14="http://schemas.microsoft.com/office/powerpoint/2010/main" val="1896597095"/>
       </p:ext>
     </p:extLst>
   </p:cSld>
@@ -12859,7 +17603,7 @@
           <p:cNvPr id="2" name="Title 1">
             <a:extLst>
               <a:ext uri="{FF2B5EF4-FFF2-40B4-BE49-F238E27FC236}">
-                <a16:creationId xmlns:a16="http://schemas.microsoft.com/office/drawing/2014/main" id="{ED577C92-6B48-0950-4CE1-754FEA603557}"/>
+                <a16:creationId xmlns:a16="http://schemas.microsoft.com/office/drawing/2014/main" id="{E7F429F4-F503-3E6A-E514-71ADF3B979D5}"/>
               </a:ext>
             </a:extLst>
           </p:cNvPr>
@@ -12870,19 +17614,14 @@
             <p:ph type="title"/>
           </p:nvPr>
         </p:nvSpPr>
-        <p:spPr>
-          <a:xfrm>
-            <a:off x="677334" y="609600"/>
-            <a:ext cx="8596668" cy="778933"/>
-          </a:xfrm>
-        </p:spPr>
+        <p:spPr/>
         <p:txBody>
           <a:bodyPr/>
           <a:lstStyle/>
           <a:p>
             <a:r>
               <a:rPr lang="en-US" dirty="0"/>
-              <a:t>Demographic Information - Inference</a:t>
+              <a:t>Data cleaning</a:t>
             </a:r>
             <a:endParaRPr lang="en-IN" dirty="0"/>
           </a:p>
@@ -12890,10 +17629,10 @@
       </p:sp>
       <p:sp>
         <p:nvSpPr>
-          <p:cNvPr id="3" name="TextBox 2">
+          <p:cNvPr id="4" name="TextBox 3">
             <a:extLst>
               <a:ext uri="{FF2B5EF4-FFF2-40B4-BE49-F238E27FC236}">
-                <a16:creationId xmlns:a16="http://schemas.microsoft.com/office/drawing/2014/main" id="{07C8CE41-4372-D2C5-F33F-1D2B9A991708}"/>
+                <a16:creationId xmlns:a16="http://schemas.microsoft.com/office/drawing/2014/main" id="{3D29AEC9-E96B-338A-1984-E4E009C9CF33}"/>
               </a:ext>
             </a:extLst>
           </p:cNvPr>
@@ -12902,8 +17641,8 @@
         </p:nvSpPr>
         <p:spPr>
           <a:xfrm>
-            <a:off x="677334" y="1618040"/>
-            <a:ext cx="8596668" cy="3150030"/>
+            <a:off x="677334" y="1786786"/>
+            <a:ext cx="9544968" cy="3662541"/>
           </a:xfrm>
           <a:prstGeom prst="rect">
             <a:avLst/>
@@ -12911,15 +17650,92 @@
           <a:noFill/>
         </p:spPr>
         <p:txBody>
-          <a:bodyPr wrap="square">
+          <a:bodyPr wrap="square" rtlCol="0">
             <a:spAutoFit/>
           </a:bodyPr>
           <a:lstStyle/>
           <a:p>
-            <a:pPr algn="l">
-              <a:lnSpc>
-                <a:spcPct val="150000"/>
-              </a:lnSpc>
+            <a:pPr marL="36000" indent="-285750">
+              <a:spcBef>
+                <a:spcPts val="600"/>
+              </a:spcBef>
+              <a:spcAft>
+                <a:spcPts val="600"/>
+              </a:spcAft>
+              <a:buFont typeface="Arial" panose="020B0604020202020204" pitchFamily="34" charset="0"/>
+              <a:buChar char="•"/>
+            </a:pPr>
+            <a:r>
+              <a:rPr lang="en-US" dirty="0"/>
+              <a:t>Check for missing values/ null values in the data for all the features</a:t>
+            </a:r>
+          </a:p>
+          <a:p>
+            <a:pPr marL="36000" indent="-285750">
+              <a:spcBef>
+                <a:spcPts val="600"/>
+              </a:spcBef>
+              <a:spcAft>
+                <a:spcPts val="600"/>
+              </a:spcAft>
+              <a:buFont typeface="Arial" panose="020B0604020202020204" pitchFamily="34" charset="0"/>
+              <a:buChar char="•"/>
+            </a:pPr>
+            <a:r>
+              <a:rPr lang="en-US" dirty="0"/>
+              <a:t>Fill the missing value for numerical columns with mean/ median (whichever looks more appropriate as per the feature)</a:t>
+            </a:r>
+          </a:p>
+          <a:p>
+            <a:pPr marL="36000" indent="-285750">
+              <a:spcBef>
+                <a:spcPts val="600"/>
+              </a:spcBef>
+              <a:spcAft>
+                <a:spcPts val="600"/>
+              </a:spcAft>
+              <a:buFont typeface="Arial" panose="020B0604020202020204" pitchFamily="34" charset="0"/>
+              <a:buChar char="•"/>
+            </a:pPr>
+            <a:r>
+              <a:rPr lang="en-US" dirty="0"/>
+              <a:t>Fill the missing value for categorical column with new value (e.g. “missing value”)</a:t>
+            </a:r>
+          </a:p>
+          <a:p>
+            <a:pPr marL="36000" indent="-285750">
+              <a:spcBef>
+                <a:spcPts val="600"/>
+              </a:spcBef>
+              <a:spcAft>
+                <a:spcPts val="600"/>
+              </a:spcAft>
+              <a:buFont typeface="Arial" panose="020B0604020202020204" pitchFamily="34" charset="0"/>
+              <a:buChar char="•"/>
+            </a:pPr>
+            <a:r>
+              <a:rPr lang="en-US" dirty="0"/>
+              <a:t>Identify and remove the data that looks incorrect/ contradictory </a:t>
+            </a:r>
+          </a:p>
+          <a:p>
+            <a:pPr marL="36000" indent="-285750">
+              <a:spcBef>
+                <a:spcPts val="600"/>
+              </a:spcBef>
+              <a:spcAft>
+                <a:spcPts val="600"/>
+              </a:spcAft>
+              <a:buFont typeface="Arial" panose="020B0604020202020204" pitchFamily="34" charset="0"/>
+              <a:buChar char="•"/>
+            </a:pPr>
+            <a:r>
+              <a:rPr lang="en-US" dirty="0"/>
+              <a:t>Check if the data type is correct for each feature, otherwise typecast it to correct type</a:t>
+            </a:r>
+          </a:p>
+          <a:p>
+            <a:pPr marL="36000">
               <a:spcBef>
                 <a:spcPts val="600"/>
               </a:spcBef>
@@ -12928,109 +17744,38 @@
               </a:spcAft>
             </a:pPr>
             <a:r>
-              <a:rPr lang="en-US" i="0" dirty="0">
-                <a:solidFill>
-                  <a:srgbClr val="000000"/>
-                </a:solidFill>
-                <a:effectLst/>
-              </a:rPr>
-              <a:t>We can extract the following conclusions by analyzing demographic attributes:</a:t>
+              <a:rPr lang="en-US" dirty="0"/>
+              <a:t>e.g. “Total Charges” was converted from object type to numerical type</a:t>
             </a:r>
           </a:p>
           <a:p>
-            <a:pPr marL="285750" indent="-285750" algn="l">
-              <a:lnSpc>
-                <a:spcPct val="150000"/>
-              </a:lnSpc>
+            <a:pPr marL="285750" indent="-285750">
               <a:spcBef>
                 <a:spcPts val="600"/>
               </a:spcBef>
               <a:spcAft>
                 <a:spcPts val="600"/>
               </a:spcAft>
-              <a:buFont typeface="Wingdings" panose="05000000000000000000" pitchFamily="2" charset="2"/>
-              <a:buChar char="v"/>
+              <a:buFont typeface="Arial" panose="020B0604020202020204" pitchFamily="34" charset="0"/>
+              <a:buChar char="•"/>
             </a:pPr>
             <a:r>
-              <a:rPr lang="en-US" i="0" dirty="0">
-                <a:solidFill>
-                  <a:srgbClr val="000000"/>
-                </a:solidFill>
-                <a:effectLst/>
-              </a:rPr>
-              <a:t>The churn rate of senior citizens is almost double that of young citizens.</a:t>
+              <a:rPr lang="en-IN" dirty="0"/>
+              <a:t>Identify and remove the features that looks irrelevant to predict the churn</a:t>
             </a:r>
           </a:p>
           <a:p>
-            <a:pPr marL="285750" indent="-285750" algn="l">
-              <a:lnSpc>
-                <a:spcPct val="150000"/>
-              </a:lnSpc>
+            <a:pPr>
               <a:spcBef>
                 <a:spcPts val="600"/>
               </a:spcBef>
               <a:spcAft>
                 <a:spcPts val="600"/>
               </a:spcAft>
-              <a:buFont typeface="Wingdings" panose="05000000000000000000" pitchFamily="2" charset="2"/>
-              <a:buChar char="v"/>
             </a:pPr>
             <a:r>
-              <a:rPr lang="en-US" i="0" dirty="0">
-                <a:solidFill>
-                  <a:srgbClr val="000000"/>
-                </a:solidFill>
-                <a:effectLst/>
-              </a:rPr>
-              <a:t>We do not expect gender to have significant predictive power. A similar percentage of churn is shown both when a customer is a man or a woman.</a:t>
-            </a:r>
-          </a:p>
-          <a:p>
-            <a:pPr marL="285750" indent="-285750" algn="l">
-              <a:lnSpc>
-                <a:spcPct val="150000"/>
-              </a:lnSpc>
-              <a:spcBef>
-                <a:spcPts val="600"/>
-              </a:spcBef>
-              <a:spcAft>
-                <a:spcPts val="600"/>
-              </a:spcAft>
-              <a:buFont typeface="Wingdings" panose="05000000000000000000" pitchFamily="2" charset="2"/>
-              <a:buChar char="v"/>
-            </a:pPr>
-            <a:r>
-              <a:rPr lang="en-US" i="0" dirty="0">
-                <a:solidFill>
-                  <a:srgbClr val="000000"/>
-                </a:solidFill>
-                <a:effectLst/>
-              </a:rPr>
-              <a:t>Customers with a partner churn less than customers with no partner.</a:t>
-            </a:r>
-          </a:p>
-          <a:p>
-            <a:pPr marL="285750" indent="-285750" algn="l">
-              <a:lnSpc>
-                <a:spcPct val="150000"/>
-              </a:lnSpc>
-              <a:spcBef>
-                <a:spcPts val="600"/>
-              </a:spcBef>
-              <a:spcAft>
-                <a:spcPts val="600"/>
-              </a:spcAft>
-              <a:buFont typeface="Wingdings" panose="05000000000000000000" pitchFamily="2" charset="2"/>
-              <a:buChar char="v"/>
-            </a:pPr>
-            <a:r>
-              <a:rPr lang="en-US" i="0" dirty="0">
-                <a:solidFill>
-                  <a:srgbClr val="000000"/>
-                </a:solidFill>
-                <a:effectLst/>
-              </a:rPr>
-              <a:t>Customers with a dependent churn less than customers with no dependents</a:t>
+              <a:rPr lang="en-IN" dirty="0"/>
+              <a:t>e.g. Customer Id column was dropped</a:t>
             </a:r>
           </a:p>
         </p:txBody>
@@ -13038,7 +17783,7 @@
     </p:spTree>
     <p:extLst>
       <p:ext uri="{BB962C8B-B14F-4D97-AF65-F5344CB8AC3E}">
-        <p14:creationId xmlns:p14="http://schemas.microsoft.com/office/powerpoint/2010/main" val="3848806642"/>
+        <p14:creationId xmlns:p14="http://schemas.microsoft.com/office/powerpoint/2010/main" val="3424749305"/>
       </p:ext>
     </p:extLst>
   </p:cSld>
@@ -13083,57 +17828,107 @@
         </p:nvSpPr>
         <p:spPr>
           <a:xfrm>
-            <a:off x="372707" y="186267"/>
-            <a:ext cx="8596668" cy="524933"/>
+            <a:off x="677334" y="609600"/>
+            <a:ext cx="8596668" cy="685800"/>
           </a:xfrm>
         </p:spPr>
         <p:txBody>
-          <a:bodyPr>
-            <a:noAutofit/>
-          </a:bodyPr>
+          <a:bodyPr/>
           <a:lstStyle/>
           <a:p>
             <a:r>
-              <a:rPr lang="en-US" sz="2400" dirty="0"/>
-              <a:t>Customer Account Information – Categorical Variables</a:t>
+              <a:rPr lang="en-US" dirty="0"/>
+              <a:t>Data Visualization</a:t>
             </a:r>
-            <a:endParaRPr lang="en-IN" sz="2400" dirty="0"/>
+            <a:endParaRPr lang="en-IN" dirty="0"/>
           </a:p>
         </p:txBody>
       </p:sp>
       <p:pic>
         <p:nvPicPr>
-          <p:cNvPr id="3" name="Picture 2">
+          <p:cNvPr id="1026" name="Picture 2" descr="Search in sidebar query">
             <a:extLst>
               <a:ext uri="{FF2B5EF4-FFF2-40B4-BE49-F238E27FC236}">
-                <a16:creationId xmlns:a16="http://schemas.microsoft.com/office/drawing/2014/main" id="{1B8D9C37-FFC0-5BF0-91C8-E104B5D53AD7}"/>
+                <a16:creationId xmlns:a16="http://schemas.microsoft.com/office/drawing/2014/main" id="{1047B6A5-BDD8-F6A5-5262-A1C809FFC69C}"/>
               </a:ext>
             </a:extLst>
           </p:cNvPr>
           <p:cNvPicPr>
-            <a:picLocks noChangeAspect="1"/>
+            <a:picLocks noChangeAspect="1" noChangeArrowheads="1"/>
           </p:cNvPicPr>
           <p:nvPr/>
         </p:nvPicPr>
         <p:blipFill rotWithShape="1">
-          <a:blip r:embed="rId2"/>
-          <a:srcRect t="4104"/>
+          <a:blip r:embed="rId2">
+            <a:extLst>
+              <a:ext uri="{28A0092B-C50C-407E-A947-70E740481C1C}">
+                <a14:useLocalDpi xmlns:a14="http://schemas.microsoft.com/office/drawing/2010/main" val="0"/>
+              </a:ext>
+            </a:extLst>
+          </a:blip>
+          <a:srcRect t="4318"/>
           <a:stretch/>
         </p:blipFill>
-        <p:spPr>
+        <p:spPr bwMode="auto">
           <a:xfrm>
-            <a:off x="1393825" y="778933"/>
-            <a:ext cx="7372350" cy="5836709"/>
+            <a:off x="2046378" y="1992702"/>
+            <a:ext cx="5751204" cy="4669766"/>
           </a:xfrm>
           <a:prstGeom prst="rect">
             <a:avLst/>
           </a:prstGeom>
+          <a:noFill/>
+          <a:extLst>
+            <a:ext uri="{909E8E84-426E-40DD-AFC4-6F175D3DCCD1}">
+              <a14:hiddenFill xmlns:a14="http://schemas.microsoft.com/office/drawing/2010/main">
+                <a:solidFill>
+                  <a:srgbClr val="FFFFFF"/>
+                </a:solidFill>
+              </a14:hiddenFill>
+            </a:ext>
+          </a:extLst>
         </p:spPr>
       </p:pic>
+      <p:sp>
+        <p:nvSpPr>
+          <p:cNvPr id="3" name="TextBox 2">
+            <a:extLst>
+              <a:ext uri="{FF2B5EF4-FFF2-40B4-BE49-F238E27FC236}">
+                <a16:creationId xmlns:a16="http://schemas.microsoft.com/office/drawing/2014/main" id="{45F2D25F-D355-210A-4CB9-692F2009D55D}"/>
+              </a:ext>
+            </a:extLst>
+          </p:cNvPr>
+          <p:cNvSpPr txBox="1"/>
+          <p:nvPr/>
+        </p:nvSpPr>
+        <p:spPr>
+          <a:xfrm>
+            <a:off x="677334" y="1274719"/>
+            <a:ext cx="8153399" cy="369332"/>
+          </a:xfrm>
+          <a:prstGeom prst="rect">
+            <a:avLst/>
+          </a:prstGeom>
+          <a:noFill/>
+        </p:spPr>
+        <p:txBody>
+          <a:bodyPr wrap="square" rtlCol="0">
+            <a:spAutoFit/>
+          </a:bodyPr>
+          <a:lstStyle/>
+          <a:p>
+            <a:r>
+              <a:rPr lang="en-US" dirty="0"/>
+              <a:t>Visualize the churn with respect to different Demographic features</a:t>
+            </a:r>
+            <a:endParaRPr lang="en-IN" dirty="0"/>
+          </a:p>
+        </p:txBody>
+      </p:sp>
     </p:spTree>
     <p:extLst>
       <p:ext uri="{BB962C8B-B14F-4D97-AF65-F5344CB8AC3E}">
-        <p14:creationId xmlns:p14="http://schemas.microsoft.com/office/powerpoint/2010/main" val="890980595"/>
+        <p14:creationId xmlns:p14="http://schemas.microsoft.com/office/powerpoint/2010/main" val="2944712829"/>
       </p:ext>
     </p:extLst>
   </p:cSld>
@@ -13183,14 +17978,12 @@
           </a:xfrm>
         </p:spPr>
         <p:txBody>
-          <a:bodyPr>
-            <a:normAutofit fontScale="90000"/>
-          </a:bodyPr>
+          <a:bodyPr/>
           <a:lstStyle/>
           <a:p>
             <a:r>
               <a:rPr lang="en-US" dirty="0"/>
-              <a:t>Customer Account Information - Inference</a:t>
+              <a:t>Demographic Information - Inference</a:t>
             </a:r>
             <a:endParaRPr lang="en-IN" dirty="0"/>
           </a:p>
@@ -13198,10 +17991,10 @@
       </p:sp>
       <p:sp>
         <p:nvSpPr>
-          <p:cNvPr id="4" name="TextBox 3">
+          <p:cNvPr id="3" name="TextBox 2">
             <a:extLst>
               <a:ext uri="{FF2B5EF4-FFF2-40B4-BE49-F238E27FC236}">
-                <a16:creationId xmlns:a16="http://schemas.microsoft.com/office/drawing/2014/main" id="{B0E978B1-153C-3829-B72E-4DCDB6C8D68B}"/>
+                <a16:creationId xmlns:a16="http://schemas.microsoft.com/office/drawing/2014/main" id="{07C8CE41-4372-D2C5-F33F-1D2B9A991708}"/>
               </a:ext>
             </a:extLst>
           </p:cNvPr>
@@ -13210,8 +18003,8 @@
         </p:nvSpPr>
         <p:spPr>
           <a:xfrm>
-            <a:off x="787400" y="1524000"/>
-            <a:ext cx="7780867" cy="4154984"/>
+            <a:off x="677334" y="1618040"/>
+            <a:ext cx="8596668" cy="3150030"/>
           </a:xfrm>
           <a:prstGeom prst="rect">
             <a:avLst/>
@@ -13219,21 +18012,34 @@
           <a:noFill/>
         </p:spPr>
         <p:txBody>
-          <a:bodyPr wrap="square" rtlCol="0">
+          <a:bodyPr wrap="square">
             <a:spAutoFit/>
           </a:bodyPr>
           <a:lstStyle/>
           <a:p>
+            <a:pPr algn="l">
+              <a:lnSpc>
+                <a:spcPct val="150000"/>
+              </a:lnSpc>
+              <a:spcBef>
+                <a:spcPts val="600"/>
+              </a:spcBef>
+              <a:spcAft>
+                <a:spcPts val="600"/>
+              </a:spcAft>
+            </a:pPr>
             <a:r>
-              <a:rPr lang="en-US" dirty="0"/>
-              <a:t>We can extract the following conclusions by analyzing customer account attributes:</a:t>
+              <a:rPr lang="en-US" i="0" dirty="0">
+                <a:solidFill>
+                  <a:srgbClr val="000000"/>
+                </a:solidFill>
+                <a:effectLst/>
+              </a:rPr>
+              <a:t>We can extract the following conclusions by analyzing demographic attributes:</a:t>
             </a:r>
           </a:p>
           <a:p>
-            <a:endParaRPr lang="en-US" dirty="0"/>
-          </a:p>
-          <a:p>
-            <a:pPr marL="285750" indent="-285750">
+            <a:pPr marL="285750" indent="-285750" algn="l">
               <a:lnSpc>
                 <a:spcPct val="150000"/>
               </a:lnSpc>
@@ -13252,13 +18058,12 @@
                   <a:srgbClr val="000000"/>
                 </a:solidFill>
                 <a:effectLst/>
-                <a:latin typeface="Helvetica Neue"/>
               </a:rPr>
-              <a:t>Customers with month-to-month contracts have higher churn rates compared to clients with yearly contracts</a:t>
+              <a:t>The churn rate of senior citizens is almost double that of young citizens.</a:t>
             </a:r>
           </a:p>
           <a:p>
-            <a:pPr marL="285750" indent="-285750">
+            <a:pPr marL="285750" indent="-285750" algn="l">
               <a:lnSpc>
                 <a:spcPct val="150000"/>
               </a:lnSpc>
@@ -13277,13 +18082,12 @@
                   <a:srgbClr val="000000"/>
                 </a:solidFill>
                 <a:effectLst/>
-                <a:latin typeface="Helvetica Neue"/>
               </a:rPr>
-              <a:t>Customers who opted for an electronic check as paying method are more likely to leave the company</a:t>
+              <a:t>We do not expect gender to have significant predictive power. A similar percentage of churn is shown both when a customer is a man or a woman.</a:t>
             </a:r>
           </a:p>
           <a:p>
-            <a:pPr marL="285750" indent="-285750">
+            <a:pPr marL="285750" indent="-285750" algn="l">
               <a:lnSpc>
                 <a:spcPct val="150000"/>
               </a:lnSpc>
@@ -13302,24 +18106,40 @@
                   <a:srgbClr val="000000"/>
                 </a:solidFill>
                 <a:effectLst/>
-                <a:latin typeface="Helvetica Neue"/>
               </a:rPr>
-              <a:t>Customers subscribed to paperless billing churn more than those who are not subscribed</a:t>
+              <a:t>Customers with a partner churn less than customers with no partner.</a:t>
             </a:r>
           </a:p>
           <a:p>
-            <a:pPr marL="285750" indent="-285750">
+            <a:pPr marL="285750" indent="-285750" algn="l">
+              <a:lnSpc>
+                <a:spcPct val="150000"/>
+              </a:lnSpc>
+              <a:spcBef>
+                <a:spcPts val="600"/>
+              </a:spcBef>
+              <a:spcAft>
+                <a:spcPts val="600"/>
+              </a:spcAft>
               <a:buFont typeface="Wingdings" panose="05000000000000000000" pitchFamily="2" charset="2"/>
               <a:buChar char="v"/>
             </a:pPr>
-            <a:endParaRPr lang="en-IN" dirty="0"/>
+            <a:r>
+              <a:rPr lang="en-US" i="0" dirty="0">
+                <a:solidFill>
+                  <a:srgbClr val="000000"/>
+                </a:solidFill>
+                <a:effectLst/>
+              </a:rPr>
+              <a:t>Customers with a dependent churn less than customers with no dependents</a:t>
+            </a:r>
           </a:p>
         </p:txBody>
       </p:sp>
     </p:spTree>
     <p:extLst>
       <p:ext uri="{BB962C8B-B14F-4D97-AF65-F5344CB8AC3E}">
-        <p14:creationId xmlns:p14="http://schemas.microsoft.com/office/powerpoint/2010/main" val="884295732"/>
+        <p14:creationId xmlns:p14="http://schemas.microsoft.com/office/powerpoint/2010/main" val="3848806642"/>
       </p:ext>
     </p:extLst>
   </p:cSld>
